--- a/courses/cse545/slides/03-reverse-engineering-1.pptx
+++ b/courses/cse545/slides/03-reverse-engineering-1.pptx
@@ -5,36 +5,40 @@
     <p:sldMasterId id="2147483660" r:id="rId1"/>
   </p:sldMasterIdLst>
   <p:notesMasterIdLst>
-    <p:notesMasterId r:id="rId29"/>
+    <p:notesMasterId r:id="rId33"/>
   </p:notesMasterIdLst>
   <p:sldIdLst>
     <p:sldId id="257" r:id="rId2"/>
-    <p:sldId id="320" r:id="rId3"/>
-    <p:sldId id="321" r:id="rId4"/>
-    <p:sldId id="306" r:id="rId5"/>
-    <p:sldId id="322" r:id="rId6"/>
-    <p:sldId id="308" r:id="rId7"/>
-    <p:sldId id="327" r:id="rId8"/>
-    <p:sldId id="323" r:id="rId9"/>
-    <p:sldId id="330" r:id="rId10"/>
-    <p:sldId id="331" r:id="rId11"/>
-    <p:sldId id="328" r:id="rId12"/>
-    <p:sldId id="329" r:id="rId13"/>
-    <p:sldId id="332" r:id="rId14"/>
-    <p:sldId id="333" r:id="rId15"/>
-    <p:sldId id="340" r:id="rId16"/>
-    <p:sldId id="341" r:id="rId17"/>
-    <p:sldId id="343" r:id="rId18"/>
-    <p:sldId id="344" r:id="rId19"/>
-    <p:sldId id="352" r:id="rId20"/>
-    <p:sldId id="345" r:id="rId21"/>
-    <p:sldId id="346" r:id="rId22"/>
-    <p:sldId id="348" r:id="rId23"/>
-    <p:sldId id="349" r:id="rId24"/>
-    <p:sldId id="350" r:id="rId25"/>
-    <p:sldId id="351" r:id="rId26"/>
-    <p:sldId id="336" r:id="rId27"/>
-    <p:sldId id="334" r:id="rId28"/>
+    <p:sldId id="356" r:id="rId3"/>
+    <p:sldId id="357" r:id="rId4"/>
+    <p:sldId id="320" r:id="rId5"/>
+    <p:sldId id="321" r:id="rId6"/>
+    <p:sldId id="306" r:id="rId7"/>
+    <p:sldId id="322" r:id="rId8"/>
+    <p:sldId id="308" r:id="rId9"/>
+    <p:sldId id="327" r:id="rId10"/>
+    <p:sldId id="323" r:id="rId11"/>
+    <p:sldId id="330" r:id="rId12"/>
+    <p:sldId id="331" r:id="rId13"/>
+    <p:sldId id="328" r:id="rId14"/>
+    <p:sldId id="329" r:id="rId15"/>
+    <p:sldId id="332" r:id="rId16"/>
+    <p:sldId id="333" r:id="rId17"/>
+    <p:sldId id="340" r:id="rId18"/>
+    <p:sldId id="341" r:id="rId19"/>
+    <p:sldId id="343" r:id="rId20"/>
+    <p:sldId id="344" r:id="rId21"/>
+    <p:sldId id="352" r:id="rId22"/>
+    <p:sldId id="345" r:id="rId23"/>
+    <p:sldId id="346" r:id="rId24"/>
+    <p:sldId id="348" r:id="rId25"/>
+    <p:sldId id="349" r:id="rId26"/>
+    <p:sldId id="350" r:id="rId27"/>
+    <p:sldId id="351" r:id="rId28"/>
+    <p:sldId id="336" r:id="rId29"/>
+    <p:sldId id="354" r:id="rId30"/>
+    <p:sldId id="355" r:id="rId31"/>
+    <p:sldId id="334" r:id="rId32"/>
   </p:sldIdLst>
   <p:sldSz cx="12192000" cy="6858000"/>
   <p:notesSz cx="6858000" cy="9144000"/>
@@ -798,8 +802,37 @@
           <a:p>
             <a:r>
               <a:rPr lang="en-US" dirty="0"/>
-              <a:t>there are two keywords: register and stack</a:t>
-            </a:r>
+              <a:t>The goal here is to quickly walk you through x86-64 assembly as a language so that you can read and understand the instructions. This is definitely not the correct way to learn architecture, nor the complete tutorial for x86-64. I’m hoping that this video would cover the majority of the content of x86-64 that is needed for reverse engineering. If there is anything missing, please let me know, I will show you in our Thursday’s class, or answer your questions online.</a:t>
+            </a:r>
+          </a:p>
+          <a:p>
+            <a:endParaRPr lang="en-US" dirty="0"/>
+          </a:p>
+          <a:p>
+            <a:pPr marL="0" marR="0" lvl="0" indent="0" algn="l" defTabSz="914400" rtl="0" eaLnBrk="1" fontAlgn="auto" latinLnBrk="0" hangingPunct="1">
+              <a:lnSpc>
+                <a:spcPct val="100000"/>
+              </a:lnSpc>
+              <a:spcBef>
+                <a:spcPts val="0"/>
+              </a:spcBef>
+              <a:spcAft>
+                <a:spcPts val="0"/>
+              </a:spcAft>
+              <a:buClrTx/>
+              <a:buSzTx/>
+              <a:buFontTx/>
+              <a:buNone/>
+              <a:tabLst/>
+              <a:defRPr/>
+            </a:pPr>
+            <a:r>
+              <a:rPr lang="en-US" dirty="0"/>
+              <a:t>Since the goal is to read x86-64 assembly, let’s first check it out.</a:t>
+            </a:r>
+          </a:p>
+          <a:p>
+            <a:endParaRPr lang="en-US" dirty="0"/>
           </a:p>
         </p:txBody>
       </p:sp>
@@ -820,7 +853,7 @@
           <a:p>
             <a:fld id="{F88513B2-5834-7F44-92C6-32D9C72F6072}" type="slidenum">
               <a:rPr lang="en-US" smtClean="0"/>
-              <a:t>14</a:t>
+              <a:t>15</a:t>
             </a:fld>
             <a:endParaRPr lang="en-US"/>
           </a:p>
@@ -829,7 +862,7 @@
     </p:spTree>
     <p:extLst>
       <p:ext uri="{BB962C8B-B14F-4D97-AF65-F5344CB8AC3E}">
-        <p14:creationId xmlns:p14="http://schemas.microsoft.com/office/powerpoint/2010/main" val="1993700814"/>
+        <p14:creationId xmlns:p14="http://schemas.microsoft.com/office/powerpoint/2010/main" val="305375023"/>
       </p:ext>
     </p:extLst>
   </p:cSld>
@@ -883,7 +916,10 @@
           <a:bodyPr/>
           <a:lstStyle/>
           <a:p>
-            <a:endParaRPr lang="en-US" dirty="0"/>
+            <a:r>
+              <a:rPr lang="en-US" dirty="0"/>
+              <a:t>there are two keywords: register and stack</a:t>
+            </a:r>
           </a:p>
         </p:txBody>
       </p:sp>
@@ -913,7 +949,7 @@
     </p:spTree>
     <p:extLst>
       <p:ext uri="{BB962C8B-B14F-4D97-AF65-F5344CB8AC3E}">
-        <p14:creationId xmlns:p14="http://schemas.microsoft.com/office/powerpoint/2010/main" val="4293856742"/>
+        <p14:creationId xmlns:p14="http://schemas.microsoft.com/office/powerpoint/2010/main" val="1993700814"/>
       </p:ext>
     </p:extLst>
   </p:cSld>
@@ -967,10 +1003,7 @@
           <a:bodyPr/>
           <a:lstStyle/>
           <a:p>
-            <a:r>
-              <a:rPr lang="en-US" dirty="0"/>
-              <a:t>there are two keywords: register and stack</a:t>
-            </a:r>
+            <a:endParaRPr lang="en-US" dirty="0"/>
           </a:p>
         </p:txBody>
       </p:sp>
@@ -1000,7 +1033,7 @@
     </p:spTree>
     <p:extLst>
       <p:ext uri="{BB962C8B-B14F-4D97-AF65-F5344CB8AC3E}">
-        <p14:creationId xmlns:p14="http://schemas.microsoft.com/office/powerpoint/2010/main" val="702673656"/>
+        <p14:creationId xmlns:p14="http://schemas.microsoft.com/office/powerpoint/2010/main" val="4293856742"/>
       </p:ext>
     </p:extLst>
   </p:cSld>
@@ -1078,7 +1111,7 @@
           <a:p>
             <a:fld id="{F88513B2-5834-7F44-92C6-32D9C72F6072}" type="slidenum">
               <a:rPr lang="en-US" smtClean="0"/>
-              <a:t>19</a:t>
+              <a:t>20</a:t>
             </a:fld>
             <a:endParaRPr lang="en-US"/>
           </a:p>
@@ -1087,7 +1120,7 @@
     </p:spTree>
     <p:extLst>
       <p:ext uri="{BB962C8B-B14F-4D97-AF65-F5344CB8AC3E}">
-        <p14:creationId xmlns:p14="http://schemas.microsoft.com/office/powerpoint/2010/main" val="4079215186"/>
+        <p14:creationId xmlns:p14="http://schemas.microsoft.com/office/powerpoint/2010/main" val="702673656"/>
       </p:ext>
     </p:extLst>
   </p:cSld>
@@ -1174,7 +1207,7 @@
     </p:spTree>
     <p:extLst>
       <p:ext uri="{BB962C8B-B14F-4D97-AF65-F5344CB8AC3E}">
-        <p14:creationId xmlns:p14="http://schemas.microsoft.com/office/powerpoint/2010/main" val="1348181283"/>
+        <p14:creationId xmlns:p14="http://schemas.microsoft.com/office/powerpoint/2010/main" val="4079215186"/>
       </p:ext>
     </p:extLst>
   </p:cSld>
@@ -1252,7 +1285,94 @@
           <a:p>
             <a:fld id="{F88513B2-5834-7F44-92C6-32D9C72F6072}" type="slidenum">
               <a:rPr lang="en-US" smtClean="0"/>
-              <a:t>22</a:t>
+              <a:t>23</a:t>
+            </a:fld>
+            <a:endParaRPr lang="en-US"/>
+          </a:p>
+        </p:txBody>
+      </p:sp>
+    </p:spTree>
+    <p:extLst>
+      <p:ext uri="{BB962C8B-B14F-4D97-AF65-F5344CB8AC3E}">
+        <p14:creationId xmlns:p14="http://schemas.microsoft.com/office/powerpoint/2010/main" val="1348181283"/>
+      </p:ext>
+    </p:extLst>
+  </p:cSld>
+  <p:clrMapOvr>
+    <a:masterClrMapping/>
+  </p:clrMapOvr>
+</p:notes>
+</file>
+
+<file path=ppt/notesSlides/notesSlide16.xml><?xml version="1.0" encoding="utf-8"?>
+<p:notes xmlns:a="http://schemas.openxmlformats.org/drawingml/2006/main" xmlns:r="http://schemas.openxmlformats.org/officeDocument/2006/relationships" xmlns:p="http://schemas.openxmlformats.org/presentationml/2006/main">
+  <p:cSld>
+    <p:spTree>
+      <p:nvGrpSpPr>
+        <p:cNvPr id="1" name=""/>
+        <p:cNvGrpSpPr/>
+        <p:nvPr/>
+      </p:nvGrpSpPr>
+      <p:grpSpPr>
+        <a:xfrm>
+          <a:off x="0" y="0"/>
+          <a:ext cx="0" cy="0"/>
+          <a:chOff x="0" y="0"/>
+          <a:chExt cx="0" cy="0"/>
+        </a:xfrm>
+      </p:grpSpPr>
+      <p:sp>
+        <p:nvSpPr>
+          <p:cNvPr id="2" name="Slide Image Placeholder 1"/>
+          <p:cNvSpPr>
+            <a:spLocks noGrp="1" noRot="1" noChangeAspect="1"/>
+          </p:cNvSpPr>
+          <p:nvPr>
+            <p:ph type="sldImg"/>
+          </p:nvPr>
+        </p:nvSpPr>
+        <p:spPr/>
+      </p:sp>
+      <p:sp>
+        <p:nvSpPr>
+          <p:cNvPr id="3" name="Notes Placeholder 2"/>
+          <p:cNvSpPr>
+            <a:spLocks noGrp="1"/>
+          </p:cNvSpPr>
+          <p:nvPr>
+            <p:ph type="body" idx="1"/>
+          </p:nvPr>
+        </p:nvSpPr>
+        <p:spPr/>
+        <p:txBody>
+          <a:bodyPr/>
+          <a:lstStyle/>
+          <a:p>
+            <a:r>
+              <a:rPr lang="en-US" dirty="0"/>
+              <a:t>there are two keywords: register and stack</a:t>
+            </a:r>
+          </a:p>
+        </p:txBody>
+      </p:sp>
+      <p:sp>
+        <p:nvSpPr>
+          <p:cNvPr id="4" name="Slide Number Placeholder 3"/>
+          <p:cNvSpPr>
+            <a:spLocks noGrp="1"/>
+          </p:cNvSpPr>
+          <p:nvPr>
+            <p:ph type="sldNum" sz="quarter" idx="5"/>
+          </p:nvPr>
+        </p:nvSpPr>
+        <p:spPr/>
+        <p:txBody>
+          <a:bodyPr/>
+          <a:lstStyle/>
+          <a:p>
+            <a:fld id="{F88513B2-5834-7F44-92C6-32D9C72F6072}" type="slidenum">
+              <a:rPr lang="en-US" smtClean="0"/>
+              <a:t>24</a:t>
             </a:fld>
             <a:endParaRPr lang="en-US"/>
           </a:p>
@@ -1272,11 +1392,11 @@
 </file>
 
 <file path=ppt/notesSlides/notesSlide2.xml><?xml version="1.0" encoding="utf-8"?>
-<p:notes xmlns:a="http://schemas.openxmlformats.org/drawingml/2006/main" xmlns:r="http://schemas.openxmlformats.org/officeDocument/2006/relationships" xmlns:p="http://schemas.openxmlformats.org/presentationml/2006/main" showMasterSp="0" showMasterPhAnim="0">
+<p:notes xmlns:a="http://schemas.openxmlformats.org/drawingml/2006/main" xmlns:r="http://schemas.openxmlformats.org/officeDocument/2006/relationships" xmlns:p="http://schemas.openxmlformats.org/presentationml/2006/main">
   <p:cSld>
     <p:spTree>
       <p:nvGrpSpPr>
-        <p:cNvPr id="1" name="Shape 101"/>
+        <p:cNvPr id="1" name=""/>
         <p:cNvGrpSpPr/>
         <p:nvPr/>
       </p:nvGrpSpPr>
@@ -1290,210 +1410,62 @@
       </p:grpSpPr>
       <p:sp>
         <p:nvSpPr>
-          <p:cNvPr id="102" name="Google Shape;102;p:notes"/>
+          <p:cNvPr id="2" name="Slide Image Placeholder 1"/>
           <p:cNvSpPr>
             <a:spLocks noGrp="1" noRot="1" noChangeAspect="1"/>
           </p:cNvSpPr>
           <p:nvPr>
-            <p:ph type="sldImg" idx="2"/>
+            <p:ph type="sldImg"/>
           </p:nvPr>
         </p:nvSpPr>
-        <p:spPr>
-          <a:xfrm>
-            <a:off x="381000" y="685800"/>
-            <a:ext cx="6096000" cy="3429000"/>
-          </a:xfrm>
-          <a:custGeom>
-            <a:avLst/>
-            <a:gdLst/>
-            <a:ahLst/>
-            <a:cxnLst/>
-            <a:rect l="l" t="t" r="r" b="b"/>
-            <a:pathLst>
-              <a:path w="120000" h="120000" extrusionOk="0">
-                <a:moveTo>
-                  <a:pt x="0" y="0"/>
-                </a:moveTo>
-                <a:lnTo>
-                  <a:pt x="120000" y="0"/>
-                </a:lnTo>
-                <a:lnTo>
-                  <a:pt x="120000" y="120000"/>
-                </a:lnTo>
-                <a:lnTo>
-                  <a:pt x="0" y="120000"/>
-                </a:lnTo>
-                <a:close/>
-              </a:path>
-            </a:pathLst>
-          </a:custGeom>
-        </p:spPr>
+        <p:spPr/>
       </p:sp>
       <p:sp>
         <p:nvSpPr>
-          <p:cNvPr id="103" name="Google Shape;103;p:notes"/>
-          <p:cNvSpPr txBox="1">
+          <p:cNvPr id="3" name="Notes Placeholder 2"/>
+          <p:cNvSpPr>
             <a:spLocks noGrp="1"/>
           </p:cNvSpPr>
           <p:nvPr>
             <p:ph type="body" idx="1"/>
           </p:nvPr>
         </p:nvSpPr>
-        <p:spPr>
-          <a:xfrm>
-            <a:off x="685800" y="4343400"/>
-            <a:ext cx="5486400" cy="4114800"/>
-          </a:xfrm>
-          <a:prstGeom prst="rect">
-            <a:avLst/>
-          </a:prstGeom>
-        </p:spPr>
+        <p:spPr/>
         <p:txBody>
-          <a:bodyPr spcFirstLastPara="1" wrap="square" lIns="91425" tIns="91425" rIns="91425" bIns="91425" anchor="t" anchorCtr="0">
-            <a:noAutofit/>
-          </a:bodyPr>
+          <a:bodyPr/>
           <a:lstStyle/>
           <a:p>
-            <a:pPr marL="0" lvl="0" indent="0" algn="l" rtl="0">
-              <a:spcBef>
-                <a:spcPts val="0"/>
-              </a:spcBef>
-              <a:spcAft>
-                <a:spcPts val="0"/>
-              </a:spcAft>
-              <a:buNone/>
-            </a:pPr>
-            <a:r>
-              <a:rPr lang="en-US" dirty="0"/>
-              <a:t>In last week, we talked about bytes, and we mentioned that computers are essentially 0s and 1s. Software programs, as a part of computers, are of course composed of 0s and 1s, too.</a:t>
-            </a:r>
-          </a:p>
-          <a:p>
-            <a:pPr marL="0" lvl="0" indent="0" algn="l" rtl="0">
-              <a:spcBef>
-                <a:spcPts val="0"/>
-              </a:spcBef>
-              <a:spcAft>
-                <a:spcPts val="0"/>
-              </a:spcAft>
-              <a:buNone/>
-            </a:pPr>
-            <a:endParaRPr lang="en-US" dirty="0"/>
-          </a:p>
-          <a:p>
-            <a:pPr marL="0" lvl="0" indent="0" algn="l" rtl="0">
-              <a:spcBef>
-                <a:spcPts val="0"/>
-              </a:spcBef>
-              <a:spcAft>
-                <a:spcPts val="0"/>
-              </a:spcAft>
-              <a:buNone/>
-            </a:pPr>
-            <a:r>
-              <a:rPr lang="en-US" dirty="0"/>
-              <a:t>In this week, we will investigate software programs and learn how to understand the 0s and 1s in an executable file.</a:t>
-            </a:r>
-          </a:p>
-          <a:p>
-            <a:pPr marL="0" lvl="0" indent="0" algn="l" rtl="0">
-              <a:spcBef>
-                <a:spcPts val="0"/>
-              </a:spcBef>
-              <a:spcAft>
-                <a:spcPts val="0"/>
-              </a:spcAft>
-              <a:buNone/>
-            </a:pPr>
-            <a:endParaRPr lang="en-US" dirty="0"/>
-          </a:p>
-          <a:p>
-            <a:pPr marL="0" lvl="0" indent="0" algn="l" rtl="0">
-              <a:spcBef>
-                <a:spcPts val="0"/>
-              </a:spcBef>
-              <a:spcAft>
-                <a:spcPts val="0"/>
-              </a:spcAft>
-              <a:buNone/>
-            </a:pPr>
-            <a:r>
-              <a:rPr lang="en-US" dirty="0"/>
-              <a:t>We will first learn how computers generate and execute an executable file.</a:t>
-            </a:r>
-          </a:p>
-          <a:p>
-            <a:pPr marL="0" lvl="0" indent="0" algn="l" rtl="0">
-              <a:spcBef>
-                <a:spcPts val="0"/>
-              </a:spcBef>
-              <a:spcAft>
-                <a:spcPts val="0"/>
-              </a:spcAft>
-              <a:buNone/>
-            </a:pPr>
-            <a:endParaRPr lang="en-US" dirty="0"/>
-          </a:p>
-          <a:p>
-            <a:pPr marL="0" lvl="0" indent="0" algn="l" rtl="0">
-              <a:spcBef>
-                <a:spcPts val="0"/>
-              </a:spcBef>
-              <a:spcAft>
-                <a:spcPts val="0"/>
-              </a:spcAft>
-              <a:buNone/>
-            </a:pPr>
-            <a:r>
-              <a:rPr lang="en-US" dirty="0"/>
-              <a:t>We will then look at it reversely, which comes to our topic: reverse engineering: how to parse an executable file and understand what it does.</a:t>
-            </a:r>
-          </a:p>
-          <a:p>
-            <a:pPr marL="0" lvl="0" indent="0" algn="l" rtl="0">
-              <a:spcBef>
-                <a:spcPts val="0"/>
-              </a:spcBef>
-              <a:spcAft>
-                <a:spcPts val="0"/>
-              </a:spcAft>
-              <a:buNone/>
-            </a:pPr>
-            <a:endParaRPr lang="en-US" dirty="0"/>
-          </a:p>
-          <a:p>
-            <a:pPr marL="0" lvl="0" indent="0" algn="l" rtl="0">
-              <a:spcBef>
-                <a:spcPts val="0"/>
-              </a:spcBef>
-              <a:spcAft>
-                <a:spcPts val="0"/>
-              </a:spcAft>
-              <a:buNone/>
-            </a:pPr>
-            <a:r>
-              <a:rPr lang="en-US" dirty="0"/>
-              <a:t>In our course, we will focus on x86-64 elf executables. We will call executable files binaries interchangeably.</a:t>
-            </a:r>
-          </a:p>
-          <a:p>
-            <a:pPr marL="0" lvl="0" indent="0" algn="l" rtl="0">
-              <a:spcBef>
-                <a:spcPts val="0"/>
-              </a:spcBef>
-              <a:spcAft>
-                <a:spcPts val="0"/>
-              </a:spcAft>
-              <a:buNone/>
-            </a:pPr>
-            <a:endParaRPr dirty="0"/>
+            <a:endParaRPr lang="en-US"/>
+          </a:p>
+        </p:txBody>
+      </p:sp>
+      <p:sp>
+        <p:nvSpPr>
+          <p:cNvPr id="4" name="Slide Number Placeholder 3"/>
+          <p:cNvSpPr>
+            <a:spLocks noGrp="1"/>
+          </p:cNvSpPr>
+          <p:nvPr>
+            <p:ph type="sldNum" sz="quarter" idx="5"/>
+          </p:nvPr>
+        </p:nvSpPr>
+        <p:spPr/>
+        <p:txBody>
+          <a:bodyPr/>
+          <a:lstStyle/>
+          <a:p>
+            <a:fld id="{F88513B2-5834-7F44-92C6-32D9C72F6072}" type="slidenum">
+              <a:rPr lang="en-US" smtClean="0"/>
+              <a:t>1</a:t>
+            </a:fld>
+            <a:endParaRPr lang="en-US"/>
           </a:p>
         </p:txBody>
       </p:sp>
     </p:spTree>
     <p:extLst>
       <p:ext uri="{BB962C8B-B14F-4D97-AF65-F5344CB8AC3E}">
-        <p14:creationId xmlns:p14="http://schemas.microsoft.com/office/powerpoint/2010/main" val="2858995835"/>
+        <p14:creationId xmlns:p14="http://schemas.microsoft.com/office/powerpoint/2010/main" val="28801929"/>
       </p:ext>
     </p:extLst>
   </p:cSld>
@@ -1725,7 +1697,7 @@
     </p:spTree>
     <p:extLst>
       <p:ext uri="{BB962C8B-B14F-4D97-AF65-F5344CB8AC3E}">
-        <p14:creationId xmlns:p14="http://schemas.microsoft.com/office/powerpoint/2010/main" val="3289406255"/>
+        <p14:creationId xmlns:p14="http://schemas.microsoft.com/office/powerpoint/2010/main" val="2858995835"/>
       </p:ext>
     </p:extLst>
   </p:cSld>
@@ -1736,11 +1708,11 @@
 </file>
 
 <file path=ppt/notesSlides/notesSlide4.xml><?xml version="1.0" encoding="utf-8"?>
-<p:notes xmlns:a="http://schemas.openxmlformats.org/drawingml/2006/main" xmlns:r="http://schemas.openxmlformats.org/officeDocument/2006/relationships" xmlns:p="http://schemas.openxmlformats.org/presentationml/2006/main">
+<p:notes xmlns:a="http://schemas.openxmlformats.org/drawingml/2006/main" xmlns:r="http://schemas.openxmlformats.org/officeDocument/2006/relationships" xmlns:p="http://schemas.openxmlformats.org/presentationml/2006/main" showMasterSp="0" showMasterPhAnim="0">
   <p:cSld>
     <p:spTree>
       <p:nvGrpSpPr>
-        <p:cNvPr id="1" name=""/>
+        <p:cNvPr id="1" name="Shape 101"/>
         <p:cNvGrpSpPr/>
         <p:nvPr/>
       </p:nvGrpSpPr>
@@ -1754,62 +1726,210 @@
       </p:grpSpPr>
       <p:sp>
         <p:nvSpPr>
-          <p:cNvPr id="2" name="Slide Image Placeholder 1"/>
+          <p:cNvPr id="102" name="Google Shape;102;p:notes"/>
           <p:cNvSpPr>
             <a:spLocks noGrp="1" noRot="1" noChangeAspect="1"/>
           </p:cNvSpPr>
           <p:nvPr>
-            <p:ph type="sldImg"/>
+            <p:ph type="sldImg" idx="2"/>
           </p:nvPr>
         </p:nvSpPr>
-        <p:spPr/>
+        <p:spPr>
+          <a:xfrm>
+            <a:off x="381000" y="685800"/>
+            <a:ext cx="6096000" cy="3429000"/>
+          </a:xfrm>
+          <a:custGeom>
+            <a:avLst/>
+            <a:gdLst/>
+            <a:ahLst/>
+            <a:cxnLst/>
+            <a:rect l="l" t="t" r="r" b="b"/>
+            <a:pathLst>
+              <a:path w="120000" h="120000" extrusionOk="0">
+                <a:moveTo>
+                  <a:pt x="0" y="0"/>
+                </a:moveTo>
+                <a:lnTo>
+                  <a:pt x="120000" y="0"/>
+                </a:lnTo>
+                <a:lnTo>
+                  <a:pt x="120000" y="120000"/>
+                </a:lnTo>
+                <a:lnTo>
+                  <a:pt x="0" y="120000"/>
+                </a:lnTo>
+                <a:close/>
+              </a:path>
+            </a:pathLst>
+          </a:custGeom>
+        </p:spPr>
       </p:sp>
       <p:sp>
         <p:nvSpPr>
-          <p:cNvPr id="3" name="Notes Placeholder 2"/>
-          <p:cNvSpPr>
+          <p:cNvPr id="103" name="Google Shape;103;p:notes"/>
+          <p:cNvSpPr txBox="1">
             <a:spLocks noGrp="1"/>
           </p:cNvSpPr>
           <p:nvPr>
             <p:ph type="body" idx="1"/>
           </p:nvPr>
         </p:nvSpPr>
-        <p:spPr/>
+        <p:spPr>
+          <a:xfrm>
+            <a:off x="685800" y="4343400"/>
+            <a:ext cx="5486400" cy="4114800"/>
+          </a:xfrm>
+          <a:prstGeom prst="rect">
+            <a:avLst/>
+          </a:prstGeom>
+        </p:spPr>
         <p:txBody>
-          <a:bodyPr/>
+          <a:bodyPr spcFirstLastPara="1" wrap="square" lIns="91425" tIns="91425" rIns="91425" bIns="91425" anchor="t" anchorCtr="0">
+            <a:noAutofit/>
+          </a:bodyPr>
           <a:lstStyle/>
           <a:p>
+            <a:pPr marL="0" lvl="0" indent="0" algn="l" rtl="0">
+              <a:spcBef>
+                <a:spcPts val="0"/>
+              </a:spcBef>
+              <a:spcAft>
+                <a:spcPts val="0"/>
+              </a:spcAft>
+              <a:buNone/>
+            </a:pPr>
+            <a:r>
+              <a:rPr lang="en-US" dirty="0"/>
+              <a:t>In last week, we talked about bytes, and we mentioned that computers are essentially 0s and 1s. Software programs, as a part of computers, are of course composed of 0s and 1s, too.</a:t>
+            </a:r>
+          </a:p>
+          <a:p>
+            <a:pPr marL="0" lvl="0" indent="0" algn="l" rtl="0">
+              <a:spcBef>
+                <a:spcPts val="0"/>
+              </a:spcBef>
+              <a:spcAft>
+                <a:spcPts val="0"/>
+              </a:spcAft>
+              <a:buNone/>
+            </a:pPr>
             <a:endParaRPr lang="en-US" dirty="0"/>
           </a:p>
-        </p:txBody>
-      </p:sp>
-      <p:sp>
-        <p:nvSpPr>
-          <p:cNvPr id="4" name="Slide Number Placeholder 3"/>
-          <p:cNvSpPr>
-            <a:spLocks noGrp="1"/>
-          </p:cNvSpPr>
-          <p:nvPr>
-            <p:ph type="sldNum" sz="quarter" idx="5"/>
-          </p:nvPr>
-        </p:nvSpPr>
-        <p:spPr/>
-        <p:txBody>
-          <a:bodyPr/>
-          <a:lstStyle/>
-          <a:p>
-            <a:fld id="{F88513B2-5834-7F44-92C6-32D9C72F6072}" type="slidenum">
-              <a:rPr lang="en-US" smtClean="0"/>
-              <a:t>5</a:t>
-            </a:fld>
-            <a:endParaRPr lang="en-US"/>
+          <a:p>
+            <a:pPr marL="0" lvl="0" indent="0" algn="l" rtl="0">
+              <a:spcBef>
+                <a:spcPts val="0"/>
+              </a:spcBef>
+              <a:spcAft>
+                <a:spcPts val="0"/>
+              </a:spcAft>
+              <a:buNone/>
+            </a:pPr>
+            <a:r>
+              <a:rPr lang="en-US" dirty="0"/>
+              <a:t>In this week, we will investigate software programs and learn how to understand the 0s and 1s in an executable file.</a:t>
+            </a:r>
+          </a:p>
+          <a:p>
+            <a:pPr marL="0" lvl="0" indent="0" algn="l" rtl="0">
+              <a:spcBef>
+                <a:spcPts val="0"/>
+              </a:spcBef>
+              <a:spcAft>
+                <a:spcPts val="0"/>
+              </a:spcAft>
+              <a:buNone/>
+            </a:pPr>
+            <a:endParaRPr lang="en-US" dirty="0"/>
+          </a:p>
+          <a:p>
+            <a:pPr marL="0" lvl="0" indent="0" algn="l" rtl="0">
+              <a:spcBef>
+                <a:spcPts val="0"/>
+              </a:spcBef>
+              <a:spcAft>
+                <a:spcPts val="0"/>
+              </a:spcAft>
+              <a:buNone/>
+            </a:pPr>
+            <a:r>
+              <a:rPr lang="en-US" dirty="0"/>
+              <a:t>We will first learn how computers generate and execute an executable file.</a:t>
+            </a:r>
+          </a:p>
+          <a:p>
+            <a:pPr marL="0" lvl="0" indent="0" algn="l" rtl="0">
+              <a:spcBef>
+                <a:spcPts val="0"/>
+              </a:spcBef>
+              <a:spcAft>
+                <a:spcPts val="0"/>
+              </a:spcAft>
+              <a:buNone/>
+            </a:pPr>
+            <a:endParaRPr lang="en-US" dirty="0"/>
+          </a:p>
+          <a:p>
+            <a:pPr marL="0" lvl="0" indent="0" algn="l" rtl="0">
+              <a:spcBef>
+                <a:spcPts val="0"/>
+              </a:spcBef>
+              <a:spcAft>
+                <a:spcPts val="0"/>
+              </a:spcAft>
+              <a:buNone/>
+            </a:pPr>
+            <a:r>
+              <a:rPr lang="en-US" dirty="0"/>
+              <a:t>We will then look at it reversely, which comes to our topic: reverse engineering: how to parse an executable file and understand what it does.</a:t>
+            </a:r>
+          </a:p>
+          <a:p>
+            <a:pPr marL="0" lvl="0" indent="0" algn="l" rtl="0">
+              <a:spcBef>
+                <a:spcPts val="0"/>
+              </a:spcBef>
+              <a:spcAft>
+                <a:spcPts val="0"/>
+              </a:spcAft>
+              <a:buNone/>
+            </a:pPr>
+            <a:endParaRPr lang="en-US" dirty="0"/>
+          </a:p>
+          <a:p>
+            <a:pPr marL="0" lvl="0" indent="0" algn="l" rtl="0">
+              <a:spcBef>
+                <a:spcPts val="0"/>
+              </a:spcBef>
+              <a:spcAft>
+                <a:spcPts val="0"/>
+              </a:spcAft>
+              <a:buNone/>
+            </a:pPr>
+            <a:r>
+              <a:rPr lang="en-US" dirty="0"/>
+              <a:t>In our course, we will focus on x86-64 elf executables. We will call executable files binaries interchangeably.</a:t>
+            </a:r>
+          </a:p>
+          <a:p>
+            <a:pPr marL="0" lvl="0" indent="0" algn="l" rtl="0">
+              <a:spcBef>
+                <a:spcPts val="0"/>
+              </a:spcBef>
+              <a:spcAft>
+                <a:spcPts val="0"/>
+              </a:spcAft>
+              <a:buNone/>
+            </a:pPr>
+            <a:endParaRPr dirty="0"/>
           </a:p>
         </p:txBody>
       </p:sp>
     </p:spTree>
     <p:extLst>
       <p:ext uri="{BB962C8B-B14F-4D97-AF65-F5344CB8AC3E}">
-        <p14:creationId xmlns:p14="http://schemas.microsoft.com/office/powerpoint/2010/main" val="214286501"/>
+        <p14:creationId xmlns:p14="http://schemas.microsoft.com/office/powerpoint/2010/main" val="3289406255"/>
       </p:ext>
     </p:extLst>
   </p:cSld>
@@ -1863,10 +1983,7 @@
           <a:bodyPr/>
           <a:lstStyle/>
           <a:p>
-            <a:r>
-              <a:rPr lang="en-US" dirty="0"/>
-              <a:t>simplified version of commands</a:t>
-            </a:r>
+            <a:endParaRPr lang="en-US" dirty="0"/>
           </a:p>
         </p:txBody>
       </p:sp>
@@ -1896,7 +2013,7 @@
     </p:spTree>
     <p:extLst>
       <p:ext uri="{BB962C8B-B14F-4D97-AF65-F5344CB8AC3E}">
-        <p14:creationId xmlns:p14="http://schemas.microsoft.com/office/powerpoint/2010/main" val="249664338"/>
+        <p14:creationId xmlns:p14="http://schemas.microsoft.com/office/powerpoint/2010/main" val="214286501"/>
       </p:ext>
     </p:extLst>
   </p:cSld>
@@ -1950,7 +2067,10 @@
           <a:bodyPr/>
           <a:lstStyle/>
           <a:p>
-            <a:endParaRPr lang="en-US" dirty="0"/>
+            <a:r>
+              <a:rPr lang="en-US" dirty="0"/>
+              <a:t>simplified version of commands</a:t>
+            </a:r>
           </a:p>
         </p:txBody>
       </p:sp>
@@ -1971,7 +2091,7 @@
           <a:p>
             <a:fld id="{F88513B2-5834-7F44-92C6-32D9C72F6072}" type="slidenum">
               <a:rPr lang="en-US" smtClean="0"/>
-              <a:t>8</a:t>
+              <a:t>9</a:t>
             </a:fld>
             <a:endParaRPr lang="en-US"/>
           </a:p>
@@ -1980,7 +2100,7 @@
     </p:spTree>
     <p:extLst>
       <p:ext uri="{BB962C8B-B14F-4D97-AF65-F5344CB8AC3E}">
-        <p14:creationId xmlns:p14="http://schemas.microsoft.com/office/powerpoint/2010/main" val="1077145292"/>
+        <p14:creationId xmlns:p14="http://schemas.microsoft.com/office/powerpoint/2010/main" val="249664338"/>
       </p:ext>
     </p:extLst>
   </p:cSld>
@@ -2034,26 +2154,7 @@
           <a:bodyPr/>
           <a:lstStyle/>
           <a:p>
-            <a:r>
-              <a:rPr lang="en-US" dirty="0"/>
-              <a:t>use </a:t>
-            </a:r>
-            <a:r>
-              <a:rPr lang="en-US" dirty="0" err="1"/>
-              <a:t>readelf</a:t>
-            </a:r>
-            <a:r>
-              <a:rPr lang="en-US" dirty="0"/>
-              <a:t> and </a:t>
-            </a:r>
-            <a:r>
-              <a:rPr lang="en-US" dirty="0" err="1"/>
-              <a:t>objdump</a:t>
-            </a:r>
-            <a:r>
-              <a:rPr lang="en-US" dirty="0"/>
-              <a:t> to check the relocatable file</a:t>
-            </a:r>
+            <a:endParaRPr lang="en-US" dirty="0"/>
           </a:p>
         </p:txBody>
       </p:sp>
@@ -2083,7 +2184,7 @@
     </p:spTree>
     <p:extLst>
       <p:ext uri="{BB962C8B-B14F-4D97-AF65-F5344CB8AC3E}">
-        <p14:creationId xmlns:p14="http://schemas.microsoft.com/office/powerpoint/2010/main" val="1705945278"/>
+        <p14:creationId xmlns:p14="http://schemas.microsoft.com/office/powerpoint/2010/main" val="1077145292"/>
       </p:ext>
     </p:extLst>
   </p:cSld>
@@ -2138,12 +2239,24 @@
           <a:lstStyle/>
           <a:p>
             <a:r>
+              <a:rPr lang="en-US" dirty="0"/>
+              <a:t>use </a:t>
+            </a:r>
+            <a:r>
               <a:rPr lang="en-US" dirty="0" err="1"/>
-              <a:t>printf</a:t>
+              <a:t>readelf</a:t>
             </a:r>
             <a:r>
               <a:rPr lang="en-US" dirty="0"/>
-              <a:t>: 0000000</a:t>
+              <a:t> and </a:t>
+            </a:r>
+            <a:r>
+              <a:rPr lang="en-US" dirty="0" err="1"/>
+              <a:t>objdump</a:t>
+            </a:r>
+            <a:r>
+              <a:rPr lang="en-US" dirty="0"/>
+              <a:t> to check the relocatable file</a:t>
             </a:r>
           </a:p>
         </p:txBody>
@@ -2165,7 +2278,7 @@
           <a:p>
             <a:fld id="{F88513B2-5834-7F44-92C6-32D9C72F6072}" type="slidenum">
               <a:rPr lang="en-US" smtClean="0"/>
-              <a:t>11</a:t>
+              <a:t>12</a:t>
             </a:fld>
             <a:endParaRPr lang="en-US"/>
           </a:p>
@@ -2174,7 +2287,7 @@
     </p:spTree>
     <p:extLst>
       <p:ext uri="{BB962C8B-B14F-4D97-AF65-F5344CB8AC3E}">
-        <p14:creationId xmlns:p14="http://schemas.microsoft.com/office/powerpoint/2010/main" val="2218452229"/>
+        <p14:creationId xmlns:p14="http://schemas.microsoft.com/office/powerpoint/2010/main" val="1705945278"/>
       </p:ext>
     </p:extLst>
   </p:cSld>
@@ -2229,38 +2342,13 @@
           <a:lstStyle/>
           <a:p>
             <a:r>
+              <a:rPr lang="en-US" dirty="0" err="1"/>
+              <a:t>printf</a:t>
+            </a:r>
+            <a:r>
               <a:rPr lang="en-US" dirty="0"/>
-              <a:t>The goal here is to quickly walk you through x86-64 assembly as a language so that you can read and understand the instructions. This is definitely not the correct way to learn architecture, nor the complete tutorial for x86-64. I’m hoping that this video would cover the majority of the content of x86-64 that is needed for reverse engineering. If there is anything missing, please let me know, I will show you in our Thursday’s class, or answer your questions online.</a:t>
-            </a:r>
-          </a:p>
-          <a:p>
-            <a:endParaRPr lang="en-US" dirty="0"/>
-          </a:p>
-          <a:p>
-            <a:pPr marL="0" marR="0" lvl="0" indent="0" algn="l" defTabSz="914400" rtl="0" eaLnBrk="1" fontAlgn="auto" latinLnBrk="0" hangingPunct="1">
-              <a:lnSpc>
-                <a:spcPct val="100000"/>
-              </a:lnSpc>
-              <a:spcBef>
-                <a:spcPts val="0"/>
-              </a:spcBef>
-              <a:spcAft>
-                <a:spcPts val="0"/>
-              </a:spcAft>
-              <a:buClrTx/>
-              <a:buSzTx/>
-              <a:buFontTx/>
-              <a:buNone/>
-              <a:tabLst/>
-              <a:defRPr/>
-            </a:pPr>
-            <a:r>
-              <a:rPr lang="en-US" dirty="0"/>
-              <a:t>Since the goal is to read x86-64 assembly, let’s first check it out.</a:t>
-            </a:r>
-          </a:p>
-          <a:p>
-            <a:endParaRPr lang="en-US" dirty="0"/>
+              <a:t>: 0000000</a:t>
+            </a:r>
           </a:p>
         </p:txBody>
       </p:sp>
@@ -2290,7 +2378,7 @@
     </p:spTree>
     <p:extLst>
       <p:ext uri="{BB962C8B-B14F-4D97-AF65-F5344CB8AC3E}">
-        <p14:creationId xmlns:p14="http://schemas.microsoft.com/office/powerpoint/2010/main" val="305375023"/>
+        <p14:creationId xmlns:p14="http://schemas.microsoft.com/office/powerpoint/2010/main" val="2218452229"/>
       </p:ext>
     </p:extLst>
   </p:cSld>
@@ -7769,245 +7857,10 @@
       </p:grpSpPr>
       <p:sp>
         <p:nvSpPr>
-          <p:cNvPr id="2" name="Title 1">
-            <a:extLst>
-              <a:ext uri="{FF2B5EF4-FFF2-40B4-BE49-F238E27FC236}">
-                <a16:creationId xmlns:a16="http://schemas.microsoft.com/office/drawing/2014/main" id="{89FECBCC-151D-E64D-841B-0904CDA7D91E}"/>
-              </a:ext>
-            </a:extLst>
-          </p:cNvPr>
-          <p:cNvSpPr>
-            <a:spLocks noGrp="1"/>
-          </p:cNvSpPr>
-          <p:nvPr>
-            <p:ph type="title"/>
-          </p:nvPr>
-        </p:nvSpPr>
-        <p:spPr/>
-        <p:txBody>
-          <a:bodyPr/>
-          <a:lstStyle/>
-          <a:p>
-            <a:r>
-              <a:rPr lang="en-US" dirty="0"/>
-              <a:t>Compiler</a:t>
-            </a:r>
-          </a:p>
-        </p:txBody>
-      </p:sp>
-      <p:sp>
-        <p:nvSpPr>
-          <p:cNvPr id="3" name="Text Placeholder 2">
-            <a:extLst>
-              <a:ext uri="{FF2B5EF4-FFF2-40B4-BE49-F238E27FC236}">
-                <a16:creationId xmlns:a16="http://schemas.microsoft.com/office/drawing/2014/main" id="{86097992-9977-E94E-AF65-8E2ED59D52FE}"/>
-              </a:ext>
-            </a:extLst>
-          </p:cNvPr>
-          <p:cNvSpPr>
-            <a:spLocks noGrp="1"/>
-          </p:cNvSpPr>
-          <p:nvPr>
-            <p:ph type="body" idx="1"/>
-          </p:nvPr>
-        </p:nvSpPr>
-        <p:spPr/>
-        <p:txBody>
-          <a:bodyPr/>
-          <a:lstStyle/>
-          <a:p>
-            <a:pPr marL="50799" indent="0">
-              <a:buNone/>
-            </a:pPr>
-            <a:r>
-              <a:rPr lang="en-US" dirty="0">
-                <a:solidFill>
-                  <a:schemeClr val="accent6"/>
-                </a:solidFill>
-                <a:latin typeface="Courier" pitchFamily="2" charset="0"/>
-              </a:rPr>
-              <a:t>cc1 </a:t>
-            </a:r>
-            <a:r>
-              <a:rPr lang="en-US" dirty="0" err="1">
-                <a:solidFill>
-                  <a:schemeClr val="accent6"/>
-                </a:solidFill>
-                <a:latin typeface="Courier" pitchFamily="2" charset="0"/>
-              </a:rPr>
-              <a:t>example.c</a:t>
-            </a:r>
-            <a:r>
-              <a:rPr lang="en-US" dirty="0">
-                <a:solidFill>
-                  <a:schemeClr val="accent6"/>
-                </a:solidFill>
-                <a:latin typeface="Courier" pitchFamily="2" charset="0"/>
-              </a:rPr>
-              <a:t> -o </a:t>
-            </a:r>
-            <a:r>
-              <a:rPr lang="en-US" dirty="0" err="1">
-                <a:solidFill>
-                  <a:schemeClr val="accent6"/>
-                </a:solidFill>
-                <a:latin typeface="Courier" pitchFamily="2" charset="0"/>
-              </a:rPr>
-              <a:t>example.s</a:t>
-            </a:r>
-            <a:endParaRPr lang="en-US" dirty="0">
-              <a:solidFill>
-                <a:schemeClr val="accent6"/>
-              </a:solidFill>
-            </a:endParaRPr>
-          </a:p>
-          <a:p>
-            <a:pPr marL="50799" indent="0">
-              <a:buNone/>
-            </a:pPr>
-            <a:r>
-              <a:rPr lang="en-US" dirty="0"/>
-              <a:t>Source code -&gt; assembly code</a:t>
-            </a:r>
-          </a:p>
-          <a:p>
-            <a:pPr marL="507999" indent="-457200">
-              <a:buSzPct val="100000"/>
-              <a:buFont typeface="+mj-lt"/>
-              <a:buAutoNum type="arabicPeriod" startAt="2"/>
-            </a:pPr>
-            <a:r>
-              <a:rPr lang="en-US" dirty="0"/>
-              <a:t>Compiling</a:t>
-            </a:r>
-          </a:p>
-          <a:p>
-            <a:pPr marL="1117584" lvl="1" indent="-457200">
-              <a:buSzPct val="100000"/>
-              <a:buFont typeface="+mj-lt"/>
-              <a:buAutoNum type="alphaLcPeriod"/>
-            </a:pPr>
-            <a:r>
-              <a:rPr lang="en-US" sz="2000" dirty="0"/>
-              <a:t>Lexical Analysis</a:t>
-            </a:r>
-          </a:p>
-          <a:p>
-            <a:pPr marL="1117584" lvl="1" indent="-457200">
-              <a:buSzPct val="100000"/>
-              <a:buFont typeface="+mj-lt"/>
-              <a:buAutoNum type="alphaLcPeriod"/>
-            </a:pPr>
-            <a:r>
-              <a:rPr lang="en-US" sz="2000" dirty="0"/>
-              <a:t>Syntax Analysis </a:t>
-            </a:r>
-          </a:p>
-          <a:p>
-            <a:pPr marL="1117584" lvl="1" indent="-457200">
-              <a:buSzPct val="100000"/>
-              <a:buFont typeface="+mj-lt"/>
-              <a:buAutoNum type="alphaLcPeriod"/>
-            </a:pPr>
-            <a:r>
-              <a:rPr lang="en-US" sz="2000" dirty="0"/>
-              <a:t>Semantics Analysis</a:t>
-            </a:r>
-          </a:p>
-          <a:p>
-            <a:pPr marL="1117584" lvl="1" indent="-457200">
-              <a:buSzPct val="100000"/>
-              <a:buFont typeface="+mj-lt"/>
-              <a:buAutoNum type="alphaLcPeriod"/>
-            </a:pPr>
-            <a:r>
-              <a:rPr lang="en-US" sz="2000" dirty="0"/>
-              <a:t>Intermediate Code Generator</a:t>
-            </a:r>
-          </a:p>
-          <a:p>
-            <a:pPr marL="1117584" lvl="1" indent="-457200">
-              <a:buSzPct val="100000"/>
-              <a:buFont typeface="+mj-lt"/>
-              <a:buAutoNum type="alphaLcPeriod"/>
-            </a:pPr>
-            <a:r>
-              <a:rPr lang="en-US" sz="2000" dirty="0"/>
-              <a:t>Code Optimization</a:t>
-            </a:r>
-          </a:p>
-          <a:p>
-            <a:pPr marL="1117584" lvl="1" indent="-457200">
-              <a:buSzPct val="100000"/>
-              <a:buFont typeface="+mj-lt"/>
-              <a:buAutoNum type="alphaLcPeriod"/>
-            </a:pPr>
-            <a:r>
-              <a:rPr lang="en-US" sz="2000" dirty="0"/>
-              <a:t>Code Generation</a:t>
-            </a:r>
-            <a:endParaRPr lang="en-US" dirty="0"/>
-          </a:p>
-          <a:p>
-            <a:pPr marL="50799" indent="0">
-              <a:buSzPct val="100000"/>
-              <a:buNone/>
-            </a:pPr>
-            <a:r>
-              <a:rPr lang="en-US" dirty="0" err="1">
-                <a:solidFill>
-                  <a:schemeClr val="accent6"/>
-                </a:solidFill>
-                <a:latin typeface="Courier" pitchFamily="2" charset="0"/>
-              </a:rPr>
-              <a:t>example.i</a:t>
-            </a:r>
-            <a:r>
-              <a:rPr lang="en-US" dirty="0">
-                <a:solidFill>
-                  <a:schemeClr val="accent6"/>
-                </a:solidFill>
-                <a:latin typeface="Courier" pitchFamily="2" charset="0"/>
-              </a:rPr>
-              <a:t> -&gt; </a:t>
-            </a:r>
-            <a:r>
-              <a:rPr lang="en-US" dirty="0" err="1">
-                <a:solidFill>
-                  <a:schemeClr val="accent6"/>
-                </a:solidFill>
-                <a:latin typeface="Courier" pitchFamily="2" charset="0"/>
-              </a:rPr>
-              <a:t>example.s</a:t>
-            </a:r>
-            <a:endParaRPr lang="en-US" dirty="0">
-              <a:solidFill>
-                <a:schemeClr val="accent6"/>
-              </a:solidFill>
-            </a:endParaRPr>
-          </a:p>
-          <a:p>
-            <a:pPr marL="507999" indent="-457200">
-              <a:buSzPct val="100000"/>
-              <a:buAutoNum type="arabicPeriod"/>
-            </a:pPr>
-            <a:endParaRPr lang="en-US" dirty="0"/>
-          </a:p>
-          <a:p>
-            <a:pPr marL="507999" indent="-457200">
-              <a:buSzPct val="100000"/>
-              <a:buAutoNum type="arabicPeriod"/>
-            </a:pPr>
-            <a:endParaRPr lang="en-US" dirty="0"/>
-          </a:p>
-        </p:txBody>
-      </p:sp>
-      <p:sp>
-        <p:nvSpPr>
           <p:cNvPr id="4" name="Slide Number Placeholder 3">
             <a:extLst>
               <a:ext uri="{FF2B5EF4-FFF2-40B4-BE49-F238E27FC236}">
-                <a16:creationId xmlns:a16="http://schemas.microsoft.com/office/drawing/2014/main" id="{396E3668-700B-A446-94D6-2F047BFA4375}"/>
+                <a16:creationId xmlns:a16="http://schemas.microsoft.com/office/drawing/2014/main" id="{53A89CD0-A905-8D47-884F-916440D59CBC}"/>
               </a:ext>
             </a:extLst>
           </p:cNvPr>
@@ -8031,10 +7884,574 @@
           </a:p>
         </p:txBody>
       </p:sp>
+      <p:sp>
+        <p:nvSpPr>
+          <p:cNvPr id="9" name="Right Arrow 8">
+            <a:extLst>
+              <a:ext uri="{FF2B5EF4-FFF2-40B4-BE49-F238E27FC236}">
+                <a16:creationId xmlns:a16="http://schemas.microsoft.com/office/drawing/2014/main" id="{4C6BBD1B-9FF5-3D4C-B614-222868C4F576}"/>
+              </a:ext>
+            </a:extLst>
+          </p:cNvPr>
+          <p:cNvSpPr/>
+          <p:nvPr/>
+        </p:nvSpPr>
+        <p:spPr>
+          <a:xfrm>
+            <a:off x="3679221" y="1969984"/>
+            <a:ext cx="4448158" cy="330620"/>
+          </a:xfrm>
+          <a:prstGeom prst="rightArrow">
+            <a:avLst/>
+          </a:prstGeom>
+          <a:ln w="19050">
+            <a:solidFill>
+              <a:schemeClr val="tx1"/>
+            </a:solidFill>
+          </a:ln>
+          <a:effectLst/>
+        </p:spPr>
+        <p:style>
+          <a:lnRef idx="2">
+            <a:schemeClr val="accent2">
+              <a:shade val="50000"/>
+            </a:schemeClr>
+          </a:lnRef>
+          <a:fillRef idx="1">
+            <a:schemeClr val="accent2"/>
+          </a:fillRef>
+          <a:effectRef idx="0">
+            <a:schemeClr val="accent2"/>
+          </a:effectRef>
+          <a:fontRef idx="minor">
+            <a:schemeClr val="lt1"/>
+          </a:fontRef>
+        </p:style>
+        <p:txBody>
+          <a:bodyPr rtlCol="0" anchor="ctr"/>
+          <a:lstStyle/>
+          <a:p>
+            <a:pPr algn="ctr"/>
+            <a:endParaRPr lang="en-US"/>
+          </a:p>
+        </p:txBody>
+      </p:sp>
+      <p:sp>
+        <p:nvSpPr>
+          <p:cNvPr id="10" name="TextBox 9">
+            <a:extLst>
+              <a:ext uri="{FF2B5EF4-FFF2-40B4-BE49-F238E27FC236}">
+                <a16:creationId xmlns:a16="http://schemas.microsoft.com/office/drawing/2014/main" id="{AA4B38B3-A41D-AB43-AC66-EB0F554BD909}"/>
+              </a:ext>
+            </a:extLst>
+          </p:cNvPr>
+          <p:cNvSpPr txBox="1"/>
+          <p:nvPr/>
+        </p:nvSpPr>
+        <p:spPr>
+          <a:xfrm>
+            <a:off x="3705725" y="1476138"/>
+            <a:ext cx="4647426" cy="400110"/>
+          </a:xfrm>
+          <a:prstGeom prst="rect">
+            <a:avLst/>
+          </a:prstGeom>
+          <a:noFill/>
+        </p:spPr>
+        <p:txBody>
+          <a:bodyPr wrap="none" rtlCol="0">
+            <a:spAutoFit/>
+          </a:bodyPr>
+          <a:lstStyle/>
+          <a:p>
+            <a:r>
+              <a:rPr lang="en-US" sz="2000" dirty="0" err="1">
+                <a:latin typeface="Courier" pitchFamily="2" charset="0"/>
+              </a:rPr>
+              <a:t>gcc</a:t>
+            </a:r>
+            <a:r>
+              <a:rPr lang="en-US" sz="2000" dirty="0">
+                <a:latin typeface="Courier" pitchFamily="2" charset="0"/>
+              </a:rPr>
+              <a:t> </a:t>
+            </a:r>
+            <a:r>
+              <a:rPr lang="en-US" sz="2000" dirty="0" err="1">
+                <a:latin typeface="Courier" pitchFamily="2" charset="0"/>
+              </a:rPr>
+              <a:t>example.c</a:t>
+            </a:r>
+            <a:r>
+              <a:rPr lang="en-US" sz="2000" dirty="0">
+                <a:latin typeface="Courier" pitchFamily="2" charset="0"/>
+              </a:rPr>
+              <a:t> -o </a:t>
+            </a:r>
+            <a:r>
+              <a:rPr lang="en-US" sz="2000" dirty="0" err="1">
+                <a:latin typeface="Courier" pitchFamily="2" charset="0"/>
+              </a:rPr>
+              <a:t>example.out</a:t>
+            </a:r>
+            <a:r>
+              <a:rPr lang="en-US" sz="2000" dirty="0">
+                <a:latin typeface="Courier" pitchFamily="2" charset="0"/>
+              </a:rPr>
+              <a:t> </a:t>
+            </a:r>
+          </a:p>
+        </p:txBody>
+      </p:sp>
+      <p:sp>
+        <p:nvSpPr>
+          <p:cNvPr id="14" name="Rectangle 13">
+            <a:extLst>
+              <a:ext uri="{FF2B5EF4-FFF2-40B4-BE49-F238E27FC236}">
+                <a16:creationId xmlns:a16="http://schemas.microsoft.com/office/drawing/2014/main" id="{09E5F975-9AE6-454D-A5CD-9E16E7E0C1A1}"/>
+              </a:ext>
+            </a:extLst>
+          </p:cNvPr>
+          <p:cNvSpPr/>
+          <p:nvPr/>
+        </p:nvSpPr>
+        <p:spPr>
+          <a:xfrm>
+            <a:off x="2772325" y="3633537"/>
+            <a:ext cx="1828800" cy="1371600"/>
+          </a:xfrm>
+          <a:prstGeom prst="rect">
+            <a:avLst/>
+          </a:prstGeom>
+          <a:ln/>
+        </p:spPr>
+        <p:style>
+          <a:lnRef idx="2">
+            <a:schemeClr val="accent2"/>
+          </a:lnRef>
+          <a:fillRef idx="1">
+            <a:schemeClr val="lt1"/>
+          </a:fillRef>
+          <a:effectRef idx="0">
+            <a:schemeClr val="accent2"/>
+          </a:effectRef>
+          <a:fontRef idx="minor">
+            <a:schemeClr val="dk1"/>
+          </a:fontRef>
+        </p:style>
+        <p:txBody>
+          <a:bodyPr rtlCol="0" anchor="ctr"/>
+          <a:lstStyle/>
+          <a:p>
+            <a:pPr algn="ctr"/>
+            <a:r>
+              <a:rPr lang="en-US" sz="2400" dirty="0">
+                <a:latin typeface="Courier" pitchFamily="2" charset="0"/>
+              </a:rPr>
+              <a:t>cc1</a:t>
+            </a:r>
+            <a:endParaRPr lang="en-US" sz="2800" dirty="0">
+              <a:latin typeface="Courier" pitchFamily="2" charset="0"/>
+            </a:endParaRPr>
+          </a:p>
+          <a:p>
+            <a:pPr algn="ctr"/>
+            <a:r>
+              <a:rPr lang="en-US" sz="2000" dirty="0">
+                <a:latin typeface="Sniglet" pitchFamily="82" charset="0"/>
+              </a:rPr>
+              <a:t>Compiler</a:t>
+            </a:r>
+          </a:p>
+        </p:txBody>
+      </p:sp>
+      <p:sp>
+        <p:nvSpPr>
+          <p:cNvPr id="16" name="Rectangle 15">
+            <a:extLst>
+              <a:ext uri="{FF2B5EF4-FFF2-40B4-BE49-F238E27FC236}">
+                <a16:creationId xmlns:a16="http://schemas.microsoft.com/office/drawing/2014/main" id="{60571532-C598-2048-97B3-9D03672870F3}"/>
+              </a:ext>
+            </a:extLst>
+          </p:cNvPr>
+          <p:cNvSpPr/>
+          <p:nvPr/>
+        </p:nvSpPr>
+        <p:spPr>
+          <a:xfrm>
+            <a:off x="5057608" y="3633537"/>
+            <a:ext cx="1828800" cy="1371600"/>
+          </a:xfrm>
+          <a:prstGeom prst="rect">
+            <a:avLst/>
+          </a:prstGeom>
+          <a:ln/>
+        </p:spPr>
+        <p:style>
+          <a:lnRef idx="2">
+            <a:schemeClr val="accent2"/>
+          </a:lnRef>
+          <a:fillRef idx="1">
+            <a:schemeClr val="lt1"/>
+          </a:fillRef>
+          <a:effectRef idx="0">
+            <a:schemeClr val="accent2"/>
+          </a:effectRef>
+          <a:fontRef idx="minor">
+            <a:schemeClr val="dk1"/>
+          </a:fontRef>
+        </p:style>
+        <p:txBody>
+          <a:bodyPr rtlCol="0" anchor="ctr"/>
+          <a:lstStyle/>
+          <a:p>
+            <a:pPr algn="ctr"/>
+            <a:r>
+              <a:rPr lang="en-US" sz="2400" dirty="0">
+                <a:latin typeface="Courier" pitchFamily="2" charset="0"/>
+              </a:rPr>
+              <a:t>as</a:t>
+            </a:r>
+            <a:endParaRPr lang="en-US" sz="2000" dirty="0">
+              <a:latin typeface="Courier" pitchFamily="2" charset="0"/>
+            </a:endParaRPr>
+          </a:p>
+          <a:p>
+            <a:pPr algn="ctr"/>
+            <a:r>
+              <a:rPr lang="en-US" sz="2000" dirty="0">
+                <a:latin typeface="Sniglet" pitchFamily="82" charset="0"/>
+              </a:rPr>
+              <a:t>Assembler</a:t>
+            </a:r>
+          </a:p>
+        </p:txBody>
+      </p:sp>
+      <p:sp>
+        <p:nvSpPr>
+          <p:cNvPr id="17" name="Rectangle 16">
+            <a:extLst>
+              <a:ext uri="{FF2B5EF4-FFF2-40B4-BE49-F238E27FC236}">
+                <a16:creationId xmlns:a16="http://schemas.microsoft.com/office/drawing/2014/main" id="{8BB101CF-461C-544D-A770-850FF9E4072A}"/>
+              </a:ext>
+            </a:extLst>
+          </p:cNvPr>
+          <p:cNvSpPr/>
+          <p:nvPr/>
+        </p:nvSpPr>
+        <p:spPr>
+          <a:xfrm>
+            <a:off x="7394215" y="3633537"/>
+            <a:ext cx="1828800" cy="1371600"/>
+          </a:xfrm>
+          <a:prstGeom prst="rect">
+            <a:avLst/>
+          </a:prstGeom>
+          <a:ln/>
+        </p:spPr>
+        <p:style>
+          <a:lnRef idx="2">
+            <a:schemeClr val="accent2"/>
+          </a:lnRef>
+          <a:fillRef idx="1">
+            <a:schemeClr val="lt1"/>
+          </a:fillRef>
+          <a:effectRef idx="0">
+            <a:schemeClr val="accent2"/>
+          </a:effectRef>
+          <a:fontRef idx="minor">
+            <a:schemeClr val="dk1"/>
+          </a:fontRef>
+        </p:style>
+        <p:txBody>
+          <a:bodyPr rtlCol="0" anchor="ctr"/>
+          <a:lstStyle/>
+          <a:p>
+            <a:pPr algn="ctr"/>
+            <a:r>
+              <a:rPr lang="en-US" sz="2400" dirty="0" err="1">
+                <a:latin typeface="Courier" pitchFamily="2" charset="0"/>
+              </a:rPr>
+              <a:t>ld</a:t>
+            </a:r>
+            <a:endParaRPr lang="en-US" sz="2400" dirty="0">
+              <a:latin typeface="Courier" pitchFamily="2" charset="0"/>
+            </a:endParaRPr>
+          </a:p>
+          <a:p>
+            <a:pPr algn="ctr"/>
+            <a:r>
+              <a:rPr lang="en-US" sz="2000" dirty="0">
+                <a:latin typeface="Courier" pitchFamily="2" charset="0"/>
+              </a:rPr>
+              <a:t>(collect2)</a:t>
+            </a:r>
+          </a:p>
+          <a:p>
+            <a:pPr algn="ctr"/>
+            <a:r>
+              <a:rPr lang="en-US" sz="2000" dirty="0">
+                <a:latin typeface="Sniglet" pitchFamily="82" charset="0"/>
+              </a:rPr>
+              <a:t>Linker</a:t>
+            </a:r>
+          </a:p>
+        </p:txBody>
+      </p:sp>
+      <p:cxnSp>
+        <p:nvCxnSpPr>
+          <p:cNvPr id="23" name="Straight Arrow Connector 22">
+            <a:extLst>
+              <a:ext uri="{FF2B5EF4-FFF2-40B4-BE49-F238E27FC236}">
+                <a16:creationId xmlns:a16="http://schemas.microsoft.com/office/drawing/2014/main" id="{59900FB5-8EFA-7E45-BFBF-D8A05C192331}"/>
+              </a:ext>
+            </a:extLst>
+          </p:cNvPr>
+          <p:cNvCxnSpPr>
+            <a:cxnSpLocks/>
+            <a:stCxn id="14" idx="3"/>
+            <a:endCxn id="16" idx="1"/>
+          </p:cNvCxnSpPr>
+          <p:nvPr/>
+        </p:nvCxnSpPr>
+        <p:spPr>
+          <a:xfrm>
+            <a:off x="4601125" y="4319337"/>
+            <a:ext cx="456483" cy="0"/>
+          </a:xfrm>
+          <a:prstGeom prst="straightConnector1">
+            <a:avLst/>
+          </a:prstGeom>
+          <a:ln w="38100">
+            <a:tailEnd type="triangle"/>
+          </a:ln>
+        </p:spPr>
+        <p:style>
+          <a:lnRef idx="1">
+            <a:schemeClr val="dk1"/>
+          </a:lnRef>
+          <a:fillRef idx="0">
+            <a:schemeClr val="dk1"/>
+          </a:fillRef>
+          <a:effectRef idx="0">
+            <a:schemeClr val="dk1"/>
+          </a:effectRef>
+          <a:fontRef idx="minor">
+            <a:schemeClr val="tx1"/>
+          </a:fontRef>
+        </p:style>
+      </p:cxnSp>
+      <p:cxnSp>
+        <p:nvCxnSpPr>
+          <p:cNvPr id="26" name="Straight Arrow Connector 25">
+            <a:extLst>
+              <a:ext uri="{FF2B5EF4-FFF2-40B4-BE49-F238E27FC236}">
+                <a16:creationId xmlns:a16="http://schemas.microsoft.com/office/drawing/2014/main" id="{5944A87B-36BD-FD4D-A007-061130C2F6A8}"/>
+              </a:ext>
+            </a:extLst>
+          </p:cNvPr>
+          <p:cNvCxnSpPr>
+            <a:cxnSpLocks/>
+            <a:stCxn id="16" idx="3"/>
+            <a:endCxn id="17" idx="1"/>
+          </p:cNvCxnSpPr>
+          <p:nvPr/>
+        </p:nvCxnSpPr>
+        <p:spPr>
+          <a:xfrm>
+            <a:off x="6886408" y="4319337"/>
+            <a:ext cx="507807" cy="0"/>
+          </a:xfrm>
+          <a:prstGeom prst="straightConnector1">
+            <a:avLst/>
+          </a:prstGeom>
+          <a:ln w="38100">
+            <a:tailEnd type="triangle"/>
+          </a:ln>
+        </p:spPr>
+        <p:style>
+          <a:lnRef idx="1">
+            <a:schemeClr val="dk1"/>
+          </a:lnRef>
+          <a:fillRef idx="0">
+            <a:schemeClr val="dk1"/>
+          </a:fillRef>
+          <a:effectRef idx="0">
+            <a:schemeClr val="dk1"/>
+          </a:effectRef>
+          <a:fontRef idx="minor">
+            <a:schemeClr val="tx1"/>
+          </a:fontRef>
+        </p:style>
+      </p:cxnSp>
+      <p:sp>
+        <p:nvSpPr>
+          <p:cNvPr id="30" name="TextBox 29">
+            <a:extLst>
+              <a:ext uri="{FF2B5EF4-FFF2-40B4-BE49-F238E27FC236}">
+                <a16:creationId xmlns:a16="http://schemas.microsoft.com/office/drawing/2014/main" id="{CE565058-33DA-9B46-9BC6-998FFB82FC75}"/>
+              </a:ext>
+            </a:extLst>
+          </p:cNvPr>
+          <p:cNvSpPr txBox="1"/>
+          <p:nvPr/>
+        </p:nvSpPr>
+        <p:spPr>
+          <a:xfrm>
+            <a:off x="3722915" y="2688772"/>
+            <a:ext cx="4769254" cy="584775"/>
+          </a:xfrm>
+          <a:prstGeom prst="rect">
+            <a:avLst/>
+          </a:prstGeom>
+          <a:noFill/>
+        </p:spPr>
+        <p:txBody>
+          <a:bodyPr wrap="none" rtlCol="0">
+            <a:spAutoFit/>
+          </a:bodyPr>
+          <a:lstStyle/>
+          <a:p>
+            <a:r>
+              <a:rPr lang="en-US" sz="2400" dirty="0" err="1">
+                <a:latin typeface="Sniglet" pitchFamily="82" charset="0"/>
+              </a:rPr>
+              <a:t>gcc</a:t>
+            </a:r>
+            <a:r>
+              <a:rPr lang="en-US" sz="2400" dirty="0">
+                <a:latin typeface="Sniglet" pitchFamily="82" charset="0"/>
+              </a:rPr>
+              <a:t>: the </a:t>
+            </a:r>
+            <a:r>
+              <a:rPr lang="en-US" sz="3200" dirty="0">
+                <a:solidFill>
+                  <a:schemeClr val="accent6"/>
+                </a:solidFill>
+                <a:latin typeface="Sniglet" pitchFamily="82" charset="0"/>
+              </a:rPr>
+              <a:t>G</a:t>
+            </a:r>
+            <a:r>
+              <a:rPr lang="en-US" sz="2400" dirty="0">
+                <a:latin typeface="Sniglet" pitchFamily="82" charset="0"/>
+              </a:rPr>
+              <a:t>NU </a:t>
+            </a:r>
+            <a:r>
+              <a:rPr lang="en-US" sz="3200" dirty="0">
+                <a:solidFill>
+                  <a:schemeClr val="accent6"/>
+                </a:solidFill>
+                <a:latin typeface="Sniglet" pitchFamily="82" charset="0"/>
+              </a:rPr>
+              <a:t>C</a:t>
+            </a:r>
+            <a:r>
+              <a:rPr lang="en-US" sz="2400" dirty="0">
+                <a:latin typeface="Sniglet" pitchFamily="82" charset="0"/>
+              </a:rPr>
+              <a:t>ompiler </a:t>
+            </a:r>
+            <a:r>
+              <a:rPr lang="en-US" sz="3200" dirty="0">
+                <a:solidFill>
+                  <a:schemeClr val="accent6"/>
+                </a:solidFill>
+                <a:latin typeface="Sniglet" pitchFamily="82" charset="0"/>
+              </a:rPr>
+              <a:t>C</a:t>
+            </a:r>
+            <a:r>
+              <a:rPr lang="en-US" sz="2400" dirty="0">
+                <a:latin typeface="Sniglet" pitchFamily="82" charset="0"/>
+              </a:rPr>
+              <a:t>ollection</a:t>
+            </a:r>
+          </a:p>
+        </p:txBody>
+      </p:sp>
+      <p:sp>
+        <p:nvSpPr>
+          <p:cNvPr id="15" name="TextBox 14">
+            <a:extLst>
+              <a:ext uri="{FF2B5EF4-FFF2-40B4-BE49-F238E27FC236}">
+                <a16:creationId xmlns:a16="http://schemas.microsoft.com/office/drawing/2014/main" id="{4428092E-1D2F-1B43-B300-1DEEC07B455B}"/>
+              </a:ext>
+            </a:extLst>
+          </p:cNvPr>
+          <p:cNvSpPr txBox="1"/>
+          <p:nvPr/>
+        </p:nvSpPr>
+        <p:spPr>
+          <a:xfrm>
+            <a:off x="2601911" y="5340564"/>
+            <a:ext cx="6955750" cy="400110"/>
+          </a:xfrm>
+          <a:prstGeom prst="rect">
+            <a:avLst/>
+          </a:prstGeom>
+          <a:noFill/>
+        </p:spPr>
+        <p:txBody>
+          <a:bodyPr wrap="none" rtlCol="0">
+            <a:spAutoFit/>
+          </a:bodyPr>
+          <a:lstStyle/>
+          <a:p>
+            <a:r>
+              <a:rPr lang="en-US" sz="2000" dirty="0" err="1">
+                <a:latin typeface="Courier" pitchFamily="2" charset="0"/>
+              </a:rPr>
+              <a:t>gcc</a:t>
+            </a:r>
+            <a:r>
+              <a:rPr lang="en-US" sz="2000" dirty="0">
+                <a:latin typeface="Courier" pitchFamily="2" charset="0"/>
+              </a:rPr>
+              <a:t> </a:t>
+            </a:r>
+            <a:r>
+              <a:rPr lang="en-US" sz="2000" dirty="0" err="1">
+                <a:latin typeface="Courier" pitchFamily="2" charset="0"/>
+              </a:rPr>
+              <a:t>example.c</a:t>
+            </a:r>
+            <a:r>
+              <a:rPr lang="en-US" sz="2000" dirty="0">
+                <a:latin typeface="Courier" pitchFamily="2" charset="0"/>
+              </a:rPr>
+              <a:t> -o </a:t>
+            </a:r>
+            <a:r>
+              <a:rPr lang="en-US" sz="2000" dirty="0" err="1">
+                <a:latin typeface="Courier" pitchFamily="2" charset="0"/>
+              </a:rPr>
+              <a:t>example.out</a:t>
+            </a:r>
+            <a:r>
+              <a:rPr lang="en-US" sz="2000" dirty="0">
+                <a:latin typeface="Courier" pitchFamily="2" charset="0"/>
+              </a:rPr>
+              <a:t> </a:t>
+            </a:r>
+            <a:r>
+              <a:rPr lang="en-US" sz="2000" dirty="0">
+                <a:solidFill>
+                  <a:schemeClr val="accent6"/>
+                </a:solidFill>
+                <a:latin typeface="Courier" pitchFamily="2" charset="0"/>
+              </a:rPr>
+              <a:t>-save-temps -v </a:t>
+            </a:r>
+          </a:p>
+        </p:txBody>
+      </p:sp>
     </p:spTree>
     <p:extLst>
       <p:ext uri="{BB962C8B-B14F-4D97-AF65-F5344CB8AC3E}">
-        <p14:creationId xmlns:p14="http://schemas.microsoft.com/office/powerpoint/2010/main" val="742152193"/>
+        <p14:creationId xmlns:p14="http://schemas.microsoft.com/office/powerpoint/2010/main" val="891346958"/>
       </p:ext>
     </p:extLst>
   </p:cSld>
@@ -8049,6 +8466,365 @@
       <p:transition/>
     </mc:Fallback>
   </mc:AlternateContent>
+  <p:timing>
+    <p:tnLst>
+      <p:par>
+        <p:cTn id="1" dur="indefinite" restart="never" nodeType="tmRoot">
+          <p:childTnLst>
+            <p:seq concurrent="1" nextAc="seek">
+              <p:cTn id="2" dur="indefinite" nodeType="mainSeq">
+                <p:childTnLst>
+                  <p:par>
+                    <p:cTn id="3" fill="hold">
+                      <p:stCondLst>
+                        <p:cond delay="indefinite"/>
+                        <p:cond evt="onBegin" delay="0">
+                          <p:tn val="2"/>
+                        </p:cond>
+                      </p:stCondLst>
+                      <p:childTnLst>
+                        <p:par>
+                          <p:cTn id="4" fill="hold">
+                            <p:stCondLst>
+                              <p:cond delay="0"/>
+                            </p:stCondLst>
+                            <p:childTnLst>
+                              <p:par>
+                                <p:cTn id="5" presetID="22" presetClass="entr" presetSubtype="8" fill="hold" grpId="0" nodeType="afterEffect">
+                                  <p:stCondLst>
+                                    <p:cond delay="0"/>
+                                  </p:stCondLst>
+                                  <p:childTnLst>
+                                    <p:set>
+                                      <p:cBhvr>
+                                        <p:cTn id="6" dur="1" fill="hold">
+                                          <p:stCondLst>
+                                            <p:cond delay="0"/>
+                                          </p:stCondLst>
+                                        </p:cTn>
+                                        <p:tgtEl>
+                                          <p:spTgt spid="14"/>
+                                        </p:tgtEl>
+                                        <p:attrNameLst>
+                                          <p:attrName>style.visibility</p:attrName>
+                                        </p:attrNameLst>
+                                      </p:cBhvr>
+                                      <p:to>
+                                        <p:strVal val="visible"/>
+                                      </p:to>
+                                    </p:set>
+                                    <p:animEffect transition="in" filter="wipe(left)">
+                                      <p:cBhvr>
+                                        <p:cTn id="7" dur="500"/>
+                                        <p:tgtEl>
+                                          <p:spTgt spid="14"/>
+                                        </p:tgtEl>
+                                      </p:cBhvr>
+                                    </p:animEffect>
+                                  </p:childTnLst>
+                                </p:cTn>
+                              </p:par>
+                            </p:childTnLst>
+                          </p:cTn>
+                        </p:par>
+                        <p:par>
+                          <p:cTn id="8" fill="hold">
+                            <p:stCondLst>
+                              <p:cond delay="500"/>
+                            </p:stCondLst>
+                            <p:childTnLst>
+                              <p:par>
+                                <p:cTn id="9" presetID="22" presetClass="entr" presetSubtype="8" fill="hold" nodeType="afterEffect">
+                                  <p:stCondLst>
+                                    <p:cond delay="0"/>
+                                  </p:stCondLst>
+                                  <p:childTnLst>
+                                    <p:set>
+                                      <p:cBhvr>
+                                        <p:cTn id="10" dur="1" fill="hold">
+                                          <p:stCondLst>
+                                            <p:cond delay="0"/>
+                                          </p:stCondLst>
+                                        </p:cTn>
+                                        <p:tgtEl>
+                                          <p:spTgt spid="23"/>
+                                        </p:tgtEl>
+                                        <p:attrNameLst>
+                                          <p:attrName>style.visibility</p:attrName>
+                                        </p:attrNameLst>
+                                      </p:cBhvr>
+                                      <p:to>
+                                        <p:strVal val="visible"/>
+                                      </p:to>
+                                    </p:set>
+                                    <p:animEffect transition="in" filter="wipe(left)">
+                                      <p:cBhvr>
+                                        <p:cTn id="11" dur="500"/>
+                                        <p:tgtEl>
+                                          <p:spTgt spid="23"/>
+                                        </p:tgtEl>
+                                      </p:cBhvr>
+                                    </p:animEffect>
+                                  </p:childTnLst>
+                                </p:cTn>
+                              </p:par>
+                            </p:childTnLst>
+                          </p:cTn>
+                        </p:par>
+                        <p:par>
+                          <p:cTn id="12" fill="hold">
+                            <p:stCondLst>
+                              <p:cond delay="1000"/>
+                            </p:stCondLst>
+                            <p:childTnLst>
+                              <p:par>
+                                <p:cTn id="13" presetID="22" presetClass="entr" presetSubtype="8" fill="hold" grpId="0" nodeType="afterEffect">
+                                  <p:stCondLst>
+                                    <p:cond delay="0"/>
+                                  </p:stCondLst>
+                                  <p:childTnLst>
+                                    <p:set>
+                                      <p:cBhvr>
+                                        <p:cTn id="14" dur="1" fill="hold">
+                                          <p:stCondLst>
+                                            <p:cond delay="0"/>
+                                          </p:stCondLst>
+                                        </p:cTn>
+                                        <p:tgtEl>
+                                          <p:spTgt spid="16"/>
+                                        </p:tgtEl>
+                                        <p:attrNameLst>
+                                          <p:attrName>style.visibility</p:attrName>
+                                        </p:attrNameLst>
+                                      </p:cBhvr>
+                                      <p:to>
+                                        <p:strVal val="visible"/>
+                                      </p:to>
+                                    </p:set>
+                                    <p:animEffect transition="in" filter="wipe(left)">
+                                      <p:cBhvr>
+                                        <p:cTn id="15" dur="500"/>
+                                        <p:tgtEl>
+                                          <p:spTgt spid="16"/>
+                                        </p:tgtEl>
+                                      </p:cBhvr>
+                                    </p:animEffect>
+                                  </p:childTnLst>
+                                </p:cTn>
+                              </p:par>
+                            </p:childTnLst>
+                          </p:cTn>
+                        </p:par>
+                        <p:par>
+                          <p:cTn id="16" fill="hold">
+                            <p:stCondLst>
+                              <p:cond delay="1500"/>
+                            </p:stCondLst>
+                            <p:childTnLst>
+                              <p:par>
+                                <p:cTn id="17" presetID="22" presetClass="entr" presetSubtype="8" fill="hold" nodeType="afterEffect">
+                                  <p:stCondLst>
+                                    <p:cond delay="0"/>
+                                  </p:stCondLst>
+                                  <p:childTnLst>
+                                    <p:set>
+                                      <p:cBhvr>
+                                        <p:cTn id="18" dur="1" fill="hold">
+                                          <p:stCondLst>
+                                            <p:cond delay="0"/>
+                                          </p:stCondLst>
+                                        </p:cTn>
+                                        <p:tgtEl>
+                                          <p:spTgt spid="26"/>
+                                        </p:tgtEl>
+                                        <p:attrNameLst>
+                                          <p:attrName>style.visibility</p:attrName>
+                                        </p:attrNameLst>
+                                      </p:cBhvr>
+                                      <p:to>
+                                        <p:strVal val="visible"/>
+                                      </p:to>
+                                    </p:set>
+                                    <p:animEffect transition="in" filter="wipe(left)">
+                                      <p:cBhvr>
+                                        <p:cTn id="19" dur="500"/>
+                                        <p:tgtEl>
+                                          <p:spTgt spid="26"/>
+                                        </p:tgtEl>
+                                      </p:cBhvr>
+                                    </p:animEffect>
+                                  </p:childTnLst>
+                                </p:cTn>
+                              </p:par>
+                            </p:childTnLst>
+                          </p:cTn>
+                        </p:par>
+                        <p:par>
+                          <p:cTn id="20" fill="hold">
+                            <p:stCondLst>
+                              <p:cond delay="2000"/>
+                            </p:stCondLst>
+                            <p:childTnLst>
+                              <p:par>
+                                <p:cTn id="21" presetID="22" presetClass="entr" presetSubtype="8" fill="hold" grpId="0" nodeType="afterEffect">
+                                  <p:stCondLst>
+                                    <p:cond delay="0"/>
+                                  </p:stCondLst>
+                                  <p:childTnLst>
+                                    <p:set>
+                                      <p:cBhvr>
+                                        <p:cTn id="22" dur="1" fill="hold">
+                                          <p:stCondLst>
+                                            <p:cond delay="0"/>
+                                          </p:stCondLst>
+                                        </p:cTn>
+                                        <p:tgtEl>
+                                          <p:spTgt spid="17"/>
+                                        </p:tgtEl>
+                                        <p:attrNameLst>
+                                          <p:attrName>style.visibility</p:attrName>
+                                        </p:attrNameLst>
+                                      </p:cBhvr>
+                                      <p:to>
+                                        <p:strVal val="visible"/>
+                                      </p:to>
+                                    </p:set>
+                                    <p:animEffect transition="in" filter="wipe(left)">
+                                      <p:cBhvr>
+                                        <p:cTn id="23" dur="500"/>
+                                        <p:tgtEl>
+                                          <p:spTgt spid="17"/>
+                                        </p:tgtEl>
+                                      </p:cBhvr>
+                                    </p:animEffect>
+                                  </p:childTnLst>
+                                </p:cTn>
+                              </p:par>
+                            </p:childTnLst>
+                          </p:cTn>
+                        </p:par>
+                      </p:childTnLst>
+                    </p:cTn>
+                  </p:par>
+                  <p:par>
+                    <p:cTn id="24" fill="hold">
+                      <p:stCondLst>
+                        <p:cond delay="indefinite"/>
+                      </p:stCondLst>
+                      <p:childTnLst>
+                        <p:par>
+                          <p:cTn id="25" fill="hold">
+                            <p:stCondLst>
+                              <p:cond delay="0"/>
+                            </p:stCondLst>
+                            <p:childTnLst>
+                              <p:par>
+                                <p:cTn id="26" presetID="1" presetClass="entr" presetSubtype="0" fill="hold" grpId="0" nodeType="clickEffect">
+                                  <p:stCondLst>
+                                    <p:cond delay="0"/>
+                                  </p:stCondLst>
+                                  <p:childTnLst>
+                                    <p:set>
+                                      <p:cBhvr>
+                                        <p:cTn id="27" dur="1" fill="hold">
+                                          <p:stCondLst>
+                                            <p:cond delay="0"/>
+                                          </p:stCondLst>
+                                        </p:cTn>
+                                        <p:tgtEl>
+                                          <p:spTgt spid="30"/>
+                                        </p:tgtEl>
+                                        <p:attrNameLst>
+                                          <p:attrName>style.visibility</p:attrName>
+                                        </p:attrNameLst>
+                                      </p:cBhvr>
+                                      <p:to>
+                                        <p:strVal val="visible"/>
+                                      </p:to>
+                                    </p:set>
+                                  </p:childTnLst>
+                                </p:cTn>
+                              </p:par>
+                            </p:childTnLst>
+                          </p:cTn>
+                        </p:par>
+                      </p:childTnLst>
+                    </p:cTn>
+                  </p:par>
+                  <p:par>
+                    <p:cTn id="28" fill="hold">
+                      <p:stCondLst>
+                        <p:cond delay="indefinite"/>
+                      </p:stCondLst>
+                      <p:childTnLst>
+                        <p:par>
+                          <p:cTn id="29" fill="hold">
+                            <p:stCondLst>
+                              <p:cond delay="0"/>
+                            </p:stCondLst>
+                            <p:childTnLst>
+                              <p:par>
+                                <p:cTn id="30" presetID="1" presetClass="entr" presetSubtype="0" fill="hold" grpId="0" nodeType="clickEffect">
+                                  <p:stCondLst>
+                                    <p:cond delay="0"/>
+                                  </p:stCondLst>
+                                  <p:childTnLst>
+                                    <p:set>
+                                      <p:cBhvr>
+                                        <p:cTn id="31" dur="1" fill="hold">
+                                          <p:stCondLst>
+                                            <p:cond delay="0"/>
+                                          </p:stCondLst>
+                                        </p:cTn>
+                                        <p:tgtEl>
+                                          <p:spTgt spid="15"/>
+                                        </p:tgtEl>
+                                        <p:attrNameLst>
+                                          <p:attrName>style.visibility</p:attrName>
+                                        </p:attrNameLst>
+                                      </p:cBhvr>
+                                      <p:to>
+                                        <p:strVal val="visible"/>
+                                      </p:to>
+                                    </p:set>
+                                  </p:childTnLst>
+                                </p:cTn>
+                              </p:par>
+                            </p:childTnLst>
+                          </p:cTn>
+                        </p:par>
+                      </p:childTnLst>
+                    </p:cTn>
+                  </p:par>
+                </p:childTnLst>
+              </p:cTn>
+              <p:prevCondLst>
+                <p:cond evt="onPrev" delay="0">
+                  <p:tgtEl>
+                    <p:sldTgt/>
+                  </p:tgtEl>
+                </p:cond>
+              </p:prevCondLst>
+              <p:nextCondLst>
+                <p:cond evt="onNext" delay="0">
+                  <p:tgtEl>
+                    <p:sldTgt/>
+                  </p:tgtEl>
+                </p:cond>
+              </p:nextCondLst>
+            </p:seq>
+          </p:childTnLst>
+        </p:cTn>
+      </p:par>
+    </p:tnLst>
+    <p:bldLst>
+      <p:bldP spid="14" grpId="0" animBg="1"/>
+      <p:bldP spid="16" grpId="0" animBg="1"/>
+      <p:bldP spid="17" grpId="0" animBg="1"/>
+      <p:bldP spid="30" grpId="0"/>
+      <p:bldP spid="15" grpId="0"/>
+    </p:bldLst>
+  </p:timing>
 </p:sld>
 </file>
 
@@ -8074,7 +8850,7 @@
           <p:cNvPr id="2" name="Title 1">
             <a:extLst>
               <a:ext uri="{FF2B5EF4-FFF2-40B4-BE49-F238E27FC236}">
-                <a16:creationId xmlns:a16="http://schemas.microsoft.com/office/drawing/2014/main" id="{77CD12D3-42D4-B045-8BB3-BF169A4D2620}"/>
+                <a16:creationId xmlns:a16="http://schemas.microsoft.com/office/drawing/2014/main" id="{89FECBCC-151D-E64D-841B-0904CDA7D91E}"/>
               </a:ext>
             </a:extLst>
           </p:cNvPr>
@@ -8092,7 +8868,7 @@
           <a:p>
             <a:r>
               <a:rPr lang="en-US" dirty="0"/>
-              <a:t>Assembler</a:t>
+              <a:t>Compiler</a:t>
             </a:r>
           </a:p>
         </p:txBody>
@@ -8102,7 +8878,7 @@
           <p:cNvPr id="3" name="Text Placeholder 2">
             <a:extLst>
               <a:ext uri="{FF2B5EF4-FFF2-40B4-BE49-F238E27FC236}">
-                <a16:creationId xmlns:a16="http://schemas.microsoft.com/office/drawing/2014/main" id="{867A7F5D-C230-7B40-9870-8B2E07757734}"/>
+                <a16:creationId xmlns:a16="http://schemas.microsoft.com/office/drawing/2014/main" id="{86097992-9977-E94E-AF65-8E2ED59D52FE}"/>
               </a:ext>
             </a:extLst>
           </p:cNvPr>
@@ -8128,7 +8904,7 @@
                 </a:solidFill>
                 <a:latin typeface="Courier" pitchFamily="2" charset="0"/>
               </a:rPr>
-              <a:t>as </a:t>
+              <a:t>cc1 </a:t>
             </a:r>
             <a:r>
               <a:rPr lang="en-US" dirty="0" err="1">
@@ -8137,31 +8913,30 @@
                 </a:solidFill>
                 <a:latin typeface="Courier" pitchFamily="2" charset="0"/>
               </a:rPr>
+              <a:t>example.c</a:t>
+            </a:r>
+            <a:r>
+              <a:rPr lang="en-US" dirty="0">
+                <a:solidFill>
+                  <a:schemeClr val="accent6"/>
+                </a:solidFill>
+                <a:latin typeface="Courier" pitchFamily="2" charset="0"/>
+              </a:rPr>
+              <a:t> -o </a:t>
+            </a:r>
+            <a:r>
+              <a:rPr lang="en-US" dirty="0" err="1">
+                <a:solidFill>
+                  <a:schemeClr val="accent6"/>
+                </a:solidFill>
+                <a:latin typeface="Courier" pitchFamily="2" charset="0"/>
+              </a:rPr>
               <a:t>example.s</a:t>
-            </a:r>
-            <a:r>
-              <a:rPr lang="en-US" dirty="0">
-                <a:solidFill>
-                  <a:schemeClr val="accent6"/>
-                </a:solidFill>
-                <a:latin typeface="Courier" pitchFamily="2" charset="0"/>
-              </a:rPr>
-              <a:t> -o </a:t>
-            </a:r>
-            <a:r>
-              <a:rPr lang="en-US" dirty="0" err="1">
-                <a:solidFill>
-                  <a:schemeClr val="accent6"/>
-                </a:solidFill>
-                <a:latin typeface="Courier" pitchFamily="2" charset="0"/>
-              </a:rPr>
-              <a:t>example.o</a:t>
             </a:r>
             <a:endParaRPr lang="en-US" dirty="0">
               <a:solidFill>
                 <a:schemeClr val="accent6"/>
               </a:solidFill>
-              <a:latin typeface="Courier" pitchFamily="2" charset="0"/>
             </a:endParaRPr>
           </a:p>
           <a:p>
@@ -8169,21 +8944,79 @@
               <a:buNone/>
             </a:pPr>
             <a:r>
-              <a:rPr lang="en-US" dirty="0">
-                <a:latin typeface="Sniglet" pitchFamily="82" charset="0"/>
-              </a:rPr>
-              <a:t>Assembly code -&gt; incomplete machine code</a:t>
-            </a:r>
-          </a:p>
-          <a:p>
-            <a:pPr marL="50799" indent="0">
-              <a:buNone/>
+              <a:rPr lang="en-US" dirty="0"/>
+              <a:t>Source code -&gt; assembly code</a:t>
+            </a:r>
+          </a:p>
+          <a:p>
+            <a:pPr marL="507999" indent="-457200">
+              <a:buAutoNum type="arabicPeriod"/>
             </a:pPr>
             <a:r>
-              <a:rPr lang="en-US" dirty="0">
-                <a:latin typeface="Sniglet" pitchFamily="82" charset="0"/>
-              </a:rPr>
-              <a:t>Library functions are missing</a:t>
+              <a:rPr lang="en-US" dirty="0"/>
+              <a:t>Preprocessing, including:</a:t>
+            </a:r>
+          </a:p>
+          <a:p>
+            <a:pPr marL="1117584" lvl="1" indent="-457200">
+              <a:buSzPct val="100000"/>
+              <a:buFont typeface="+mj-lt"/>
+              <a:buAutoNum type="alphaLcPeriod"/>
+            </a:pPr>
+            <a:r>
+              <a:rPr lang="en-US" sz="2000" dirty="0"/>
+              <a:t>Remove comments</a:t>
+            </a:r>
+          </a:p>
+          <a:p>
+            <a:pPr marL="1117584" lvl="1" indent="-457200">
+              <a:buSzPct val="100000"/>
+              <a:buFont typeface="+mj-lt"/>
+              <a:buAutoNum type="alphaLcPeriod"/>
+            </a:pPr>
+            <a:r>
+              <a:rPr lang="en-US" sz="2000" dirty="0"/>
+              <a:t>Substitute macros</a:t>
+            </a:r>
+          </a:p>
+          <a:p>
+            <a:pPr marL="1117584" lvl="1" indent="-457200">
+              <a:buSzPct val="100000"/>
+              <a:buFont typeface="+mj-lt"/>
+              <a:buAutoNum type="alphaLcPeriod"/>
+            </a:pPr>
+            <a:r>
+              <a:rPr lang="en-US" sz="2000" dirty="0"/>
+              <a:t>Resolve conditional </a:t>
+            </a:r>
+            <a:r>
+              <a:rPr lang="en-US" sz="2000" dirty="0" err="1"/>
+              <a:t>compilaiton</a:t>
+            </a:r>
+            <a:r>
+              <a:rPr lang="en-US" sz="2000" dirty="0"/>
+              <a:t> (e.g., </a:t>
+            </a:r>
+            <a:r>
+              <a:rPr lang="en-US" sz="2000" dirty="0">
+                <a:latin typeface="Courier" pitchFamily="2" charset="0"/>
+              </a:rPr>
+              <a:t>#ifdef</a:t>
+            </a:r>
+            <a:r>
+              <a:rPr lang="en-US" sz="2000" dirty="0"/>
+              <a:t>)</a:t>
+            </a:r>
+          </a:p>
+          <a:p>
+            <a:pPr marL="1117584" lvl="1" indent="-457200">
+              <a:buSzPct val="100000"/>
+              <a:buFont typeface="+mj-lt"/>
+              <a:buAutoNum type="alphaLcPeriod"/>
+            </a:pPr>
+            <a:r>
+              <a:rPr lang="en-US" sz="2000" dirty="0"/>
+              <a:t>Combine source codes into one file</a:t>
             </a:r>
           </a:p>
           <a:p>
@@ -8191,7 +9024,7 @@
               <a:buNone/>
             </a:pPr>
             <a:endParaRPr lang="en-US" dirty="0">
-              <a:latin typeface="Sniglet" pitchFamily="82" charset="0"/>
+              <a:latin typeface="Courier" pitchFamily="2" charset="0"/>
             </a:endParaRPr>
           </a:p>
           <a:p>
@@ -8199,52 +9032,37 @@
               <a:buNone/>
             </a:pPr>
             <a:r>
-              <a:rPr lang="en-US" sz="1800" dirty="0">
-                <a:latin typeface="Courier" pitchFamily="2" charset="0"/>
-              </a:rPr>
-              <a:t>$ file </a:t>
-            </a:r>
-            <a:r>
-              <a:rPr lang="en-US" sz="1800" dirty="0" err="1">
-                <a:latin typeface="Courier" pitchFamily="2" charset="0"/>
-              </a:rPr>
-              <a:t>example.o</a:t>
-            </a:r>
-            <a:endParaRPr lang="en-US" sz="1800" dirty="0">
-              <a:latin typeface="Courier" pitchFamily="2" charset="0"/>
+              <a:rPr lang="en-US" dirty="0" err="1">
+                <a:solidFill>
+                  <a:schemeClr val="accent6"/>
+                </a:solidFill>
+                <a:latin typeface="Courier" pitchFamily="2" charset="0"/>
+              </a:rPr>
+              <a:t>example.c</a:t>
+            </a:r>
+            <a:r>
+              <a:rPr lang="en-US" dirty="0">
+                <a:solidFill>
+                  <a:schemeClr val="accent6"/>
+                </a:solidFill>
+                <a:latin typeface="Courier" pitchFamily="2" charset="0"/>
+              </a:rPr>
+              <a:t> -&gt; </a:t>
+            </a:r>
+            <a:r>
+              <a:rPr lang="en-US" dirty="0" err="1">
+                <a:solidFill>
+                  <a:schemeClr val="accent6"/>
+                </a:solidFill>
+                <a:latin typeface="Courier" pitchFamily="2" charset="0"/>
+              </a:rPr>
+              <a:t>example.i</a:t>
+            </a:r>
+            <a:endParaRPr lang="en-US" dirty="0">
+              <a:solidFill>
+                <a:schemeClr val="accent6"/>
+              </a:solidFill>
             </a:endParaRPr>
-          </a:p>
-          <a:p>
-            <a:pPr marL="50799" indent="0">
-              <a:buNone/>
-            </a:pPr>
-            <a:r>
-              <a:rPr lang="en-US" sz="1800" dirty="0" err="1">
-                <a:latin typeface="Courier" pitchFamily="2" charset="0"/>
-              </a:rPr>
-              <a:t>example.o</a:t>
-            </a:r>
-            <a:r>
-              <a:rPr lang="en-US" sz="1800" dirty="0">
-                <a:latin typeface="Courier" pitchFamily="2" charset="0"/>
-              </a:rPr>
-              <a:t>: </a:t>
-            </a:r>
-            <a:r>
-              <a:rPr lang="en-US" sz="1800" dirty="0">
-                <a:solidFill>
-                  <a:schemeClr val="accent6"/>
-                </a:solidFill>
-                <a:latin typeface="Courier" pitchFamily="2" charset="0"/>
-              </a:rPr>
-              <a:t>ELF 64-bit LSB relocatable</a:t>
-            </a:r>
-            <a:r>
-              <a:rPr lang="en-US" sz="1800" dirty="0">
-                <a:latin typeface="Courier" pitchFamily="2" charset="0"/>
-              </a:rPr>
-              <a:t>, x86-64, version 1 (SYSV), not stripped</a:t>
-            </a:r>
           </a:p>
         </p:txBody>
       </p:sp>
@@ -8253,7 +9071,7 @@
           <p:cNvPr id="4" name="Slide Number Placeholder 3">
             <a:extLst>
               <a:ext uri="{FF2B5EF4-FFF2-40B4-BE49-F238E27FC236}">
-                <a16:creationId xmlns:a16="http://schemas.microsoft.com/office/drawing/2014/main" id="{2E13BFE5-27BB-FC48-84B3-98F4D71A6B81}"/>
+                <a16:creationId xmlns:a16="http://schemas.microsoft.com/office/drawing/2014/main" id="{396E3668-700B-A446-94D6-2F047BFA4375}"/>
               </a:ext>
             </a:extLst>
           </p:cNvPr>
@@ -8280,7 +9098,7 @@
     </p:spTree>
     <p:extLst>
       <p:ext uri="{BB962C8B-B14F-4D97-AF65-F5344CB8AC3E}">
-        <p14:creationId xmlns:p14="http://schemas.microsoft.com/office/powerpoint/2010/main" val="593524361"/>
+        <p14:creationId xmlns:p14="http://schemas.microsoft.com/office/powerpoint/2010/main" val="3030970316"/>
       </p:ext>
     </p:extLst>
   </p:cSld>
@@ -8295,6 +9113,240 @@
       <p:transition/>
     </mc:Fallback>
   </mc:AlternateContent>
+  <p:timing>
+    <p:tnLst>
+      <p:par>
+        <p:cTn id="1" dur="indefinite" restart="never" nodeType="tmRoot">
+          <p:childTnLst>
+            <p:seq concurrent="1" nextAc="seek">
+              <p:cTn id="2" dur="indefinite" nodeType="mainSeq">
+                <p:childTnLst>
+                  <p:par>
+                    <p:cTn id="3" fill="hold">
+                      <p:stCondLst>
+                        <p:cond delay="indefinite"/>
+                      </p:stCondLst>
+                      <p:childTnLst>
+                        <p:par>
+                          <p:cTn id="4" fill="hold">
+                            <p:stCondLst>
+                              <p:cond delay="0"/>
+                            </p:stCondLst>
+                            <p:childTnLst>
+                              <p:par>
+                                <p:cTn id="5" presetID="1" presetClass="entr" presetSubtype="0" fill="hold" nodeType="clickEffect">
+                                  <p:stCondLst>
+                                    <p:cond delay="0"/>
+                                  </p:stCondLst>
+                                  <p:childTnLst>
+                                    <p:set>
+                                      <p:cBhvr>
+                                        <p:cTn id="6" dur="1" fill="hold">
+                                          <p:stCondLst>
+                                            <p:cond delay="0"/>
+                                          </p:stCondLst>
+                                        </p:cTn>
+                                        <p:tgtEl>
+                                          <p:spTgt spid="3">
+                                            <p:txEl>
+                                              <p:pRg st="2" end="2"/>
+                                            </p:txEl>
+                                          </p:spTgt>
+                                        </p:tgtEl>
+                                        <p:attrNameLst>
+                                          <p:attrName>style.visibility</p:attrName>
+                                        </p:attrNameLst>
+                                      </p:cBhvr>
+                                      <p:to>
+                                        <p:strVal val="visible"/>
+                                      </p:to>
+                                    </p:set>
+                                  </p:childTnLst>
+                                </p:cTn>
+                              </p:par>
+                              <p:par>
+                                <p:cTn id="7" presetID="1" presetClass="entr" presetSubtype="0" fill="hold" nodeType="withEffect">
+                                  <p:stCondLst>
+                                    <p:cond delay="0"/>
+                                  </p:stCondLst>
+                                  <p:childTnLst>
+                                    <p:set>
+                                      <p:cBhvr>
+                                        <p:cTn id="8" dur="1" fill="hold">
+                                          <p:stCondLst>
+                                            <p:cond delay="0"/>
+                                          </p:stCondLst>
+                                        </p:cTn>
+                                        <p:tgtEl>
+                                          <p:spTgt spid="3">
+                                            <p:txEl>
+                                              <p:pRg st="3" end="3"/>
+                                            </p:txEl>
+                                          </p:spTgt>
+                                        </p:tgtEl>
+                                        <p:attrNameLst>
+                                          <p:attrName>style.visibility</p:attrName>
+                                        </p:attrNameLst>
+                                      </p:cBhvr>
+                                      <p:to>
+                                        <p:strVal val="visible"/>
+                                      </p:to>
+                                    </p:set>
+                                  </p:childTnLst>
+                                </p:cTn>
+                              </p:par>
+                              <p:par>
+                                <p:cTn id="9" presetID="1" presetClass="entr" presetSubtype="0" fill="hold" nodeType="withEffect">
+                                  <p:stCondLst>
+                                    <p:cond delay="0"/>
+                                  </p:stCondLst>
+                                  <p:childTnLst>
+                                    <p:set>
+                                      <p:cBhvr>
+                                        <p:cTn id="10" dur="1" fill="hold">
+                                          <p:stCondLst>
+                                            <p:cond delay="0"/>
+                                          </p:stCondLst>
+                                        </p:cTn>
+                                        <p:tgtEl>
+                                          <p:spTgt spid="3">
+                                            <p:txEl>
+                                              <p:pRg st="4" end="4"/>
+                                            </p:txEl>
+                                          </p:spTgt>
+                                        </p:tgtEl>
+                                        <p:attrNameLst>
+                                          <p:attrName>style.visibility</p:attrName>
+                                        </p:attrNameLst>
+                                      </p:cBhvr>
+                                      <p:to>
+                                        <p:strVal val="visible"/>
+                                      </p:to>
+                                    </p:set>
+                                  </p:childTnLst>
+                                </p:cTn>
+                              </p:par>
+                              <p:par>
+                                <p:cTn id="11" presetID="1" presetClass="entr" presetSubtype="0" fill="hold" nodeType="withEffect">
+                                  <p:stCondLst>
+                                    <p:cond delay="0"/>
+                                  </p:stCondLst>
+                                  <p:childTnLst>
+                                    <p:set>
+                                      <p:cBhvr>
+                                        <p:cTn id="12" dur="1" fill="hold">
+                                          <p:stCondLst>
+                                            <p:cond delay="0"/>
+                                          </p:stCondLst>
+                                        </p:cTn>
+                                        <p:tgtEl>
+                                          <p:spTgt spid="3">
+                                            <p:txEl>
+                                              <p:pRg st="5" end="5"/>
+                                            </p:txEl>
+                                          </p:spTgt>
+                                        </p:tgtEl>
+                                        <p:attrNameLst>
+                                          <p:attrName>style.visibility</p:attrName>
+                                        </p:attrNameLst>
+                                      </p:cBhvr>
+                                      <p:to>
+                                        <p:strVal val="visible"/>
+                                      </p:to>
+                                    </p:set>
+                                  </p:childTnLst>
+                                </p:cTn>
+                              </p:par>
+                              <p:par>
+                                <p:cTn id="13" presetID="1" presetClass="entr" presetSubtype="0" fill="hold" nodeType="withEffect">
+                                  <p:stCondLst>
+                                    <p:cond delay="0"/>
+                                  </p:stCondLst>
+                                  <p:childTnLst>
+                                    <p:set>
+                                      <p:cBhvr>
+                                        <p:cTn id="14" dur="1" fill="hold">
+                                          <p:stCondLst>
+                                            <p:cond delay="0"/>
+                                          </p:stCondLst>
+                                        </p:cTn>
+                                        <p:tgtEl>
+                                          <p:spTgt spid="3">
+                                            <p:txEl>
+                                              <p:pRg st="6" end="6"/>
+                                            </p:txEl>
+                                          </p:spTgt>
+                                        </p:tgtEl>
+                                        <p:attrNameLst>
+                                          <p:attrName>style.visibility</p:attrName>
+                                        </p:attrNameLst>
+                                      </p:cBhvr>
+                                      <p:to>
+                                        <p:strVal val="visible"/>
+                                      </p:to>
+                                    </p:set>
+                                  </p:childTnLst>
+                                </p:cTn>
+                              </p:par>
+                              <p:par>
+                                <p:cTn id="15" presetID="1" presetClass="entr" presetSubtype="0" fill="hold" nodeType="withEffect">
+                                  <p:stCondLst>
+                                    <p:cond delay="0"/>
+                                  </p:stCondLst>
+                                  <p:childTnLst>
+                                    <p:set>
+                                      <p:cBhvr>
+                                        <p:cTn id="16" dur="1" fill="hold">
+                                          <p:stCondLst>
+                                            <p:cond delay="0"/>
+                                          </p:stCondLst>
+                                        </p:cTn>
+                                        <p:tgtEl>
+                                          <p:spTgt spid="3">
+                                            <p:txEl>
+                                              <p:pRg st="8" end="8"/>
+                                            </p:txEl>
+                                          </p:spTgt>
+                                        </p:tgtEl>
+                                        <p:attrNameLst>
+                                          <p:attrName>style.visibility</p:attrName>
+                                        </p:attrNameLst>
+                                      </p:cBhvr>
+                                      <p:to>
+                                        <p:strVal val="visible"/>
+                                      </p:to>
+                                    </p:set>
+                                  </p:childTnLst>
+                                </p:cTn>
+                              </p:par>
+                            </p:childTnLst>
+                          </p:cTn>
+                        </p:par>
+                      </p:childTnLst>
+                    </p:cTn>
+                  </p:par>
+                </p:childTnLst>
+              </p:cTn>
+              <p:prevCondLst>
+                <p:cond evt="onPrev" delay="0">
+                  <p:tgtEl>
+                    <p:sldTgt/>
+                  </p:tgtEl>
+                </p:cond>
+              </p:prevCondLst>
+              <p:nextCondLst>
+                <p:cond evt="onNext" delay="0">
+                  <p:tgtEl>
+                    <p:sldTgt/>
+                  </p:tgtEl>
+                </p:cond>
+              </p:nextCondLst>
+            </p:seq>
+          </p:childTnLst>
+        </p:cTn>
+      </p:par>
+    </p:tnLst>
+  </p:timing>
 </p:sld>
 </file>
 
@@ -8320,7 +9372,7 @@
           <p:cNvPr id="2" name="Title 1">
             <a:extLst>
               <a:ext uri="{FF2B5EF4-FFF2-40B4-BE49-F238E27FC236}">
-                <a16:creationId xmlns:a16="http://schemas.microsoft.com/office/drawing/2014/main" id="{FFD9383E-2F6A-5847-886C-9B865FC67440}"/>
+                <a16:creationId xmlns:a16="http://schemas.microsoft.com/office/drawing/2014/main" id="{89FECBCC-151D-E64D-841B-0904CDA7D91E}"/>
               </a:ext>
             </a:extLst>
           </p:cNvPr>
@@ -8338,7 +9390,7 @@
           <a:p>
             <a:r>
               <a:rPr lang="en-US" dirty="0"/>
-              <a:t>Linker</a:t>
+              <a:t>Compiler</a:t>
             </a:r>
           </a:p>
         </p:txBody>
@@ -8348,7 +9400,7 @@
           <p:cNvPr id="3" name="Text Placeholder 2">
             <a:extLst>
               <a:ext uri="{FF2B5EF4-FFF2-40B4-BE49-F238E27FC236}">
-                <a16:creationId xmlns:a16="http://schemas.microsoft.com/office/drawing/2014/main" id="{AE2ED76C-9223-4140-9B24-33B1839EE3A8}"/>
+                <a16:creationId xmlns:a16="http://schemas.microsoft.com/office/drawing/2014/main" id="{86097992-9977-E94E-AF65-8E2ED59D52FE}"/>
               </a:ext>
             </a:extLst>
           </p:cNvPr>
@@ -8368,241 +9420,45 @@
               <a:buNone/>
             </a:pPr>
             <a:r>
-              <a:rPr lang="en-US" sz="1800" dirty="0" err="1">
+              <a:rPr lang="en-US" dirty="0">
                 <a:solidFill>
                   <a:schemeClr val="accent6"/>
                 </a:solidFill>
                 <a:latin typeface="Courier" pitchFamily="2" charset="0"/>
               </a:rPr>
-              <a:t>ld</a:t>
-            </a:r>
-            <a:r>
-              <a:rPr lang="en-US" sz="1400" dirty="0">
-                <a:latin typeface="Courier" pitchFamily="2" charset="0"/>
-              </a:rPr>
-              <a:t> -dynamic-linker /lib64/ld-linux-x86-64.so.2 /</a:t>
-            </a:r>
-            <a:r>
-              <a:rPr lang="en-US" sz="1400" dirty="0" err="1">
-                <a:latin typeface="Courier" pitchFamily="2" charset="0"/>
-              </a:rPr>
-              <a:t>usr</a:t>
-            </a:r>
-            <a:r>
-              <a:rPr lang="en-US" sz="1400" dirty="0">
-                <a:latin typeface="Courier" pitchFamily="2" charset="0"/>
-              </a:rPr>
-              <a:t>/lib/</a:t>
-            </a:r>
-            <a:r>
-              <a:rPr lang="en-US" sz="1400" dirty="0" err="1">
-                <a:latin typeface="Courier" pitchFamily="2" charset="0"/>
-              </a:rPr>
-              <a:t>gcc</a:t>
-            </a:r>
-            <a:r>
-              <a:rPr lang="en-US" sz="1400" dirty="0">
-                <a:latin typeface="Courier" pitchFamily="2" charset="0"/>
-              </a:rPr>
-              <a:t>/x86_64-linux-gnu/7/../../../x86_64-linux-gnu/Scrt1.o /</a:t>
-            </a:r>
-            <a:r>
-              <a:rPr lang="en-US" sz="1400" dirty="0" err="1">
-                <a:latin typeface="Courier" pitchFamily="2" charset="0"/>
-              </a:rPr>
-              <a:t>usr</a:t>
-            </a:r>
-            <a:r>
-              <a:rPr lang="en-US" sz="1400" dirty="0">
-                <a:latin typeface="Courier" pitchFamily="2" charset="0"/>
-              </a:rPr>
-              <a:t>/lib/</a:t>
-            </a:r>
-            <a:r>
-              <a:rPr lang="en-US" sz="1400" dirty="0" err="1">
-                <a:latin typeface="Courier" pitchFamily="2" charset="0"/>
-              </a:rPr>
-              <a:t>gcc</a:t>
-            </a:r>
-            <a:r>
-              <a:rPr lang="en-US" sz="1400" dirty="0">
-                <a:latin typeface="Courier" pitchFamily="2" charset="0"/>
-              </a:rPr>
-              <a:t>/x86_64-linux-gnu/7/../../../x86_64-linux-gnu/</a:t>
-            </a:r>
-            <a:r>
-              <a:rPr lang="en-US" sz="1400" dirty="0" err="1">
-                <a:latin typeface="Courier" pitchFamily="2" charset="0"/>
-              </a:rPr>
-              <a:t>crti.o</a:t>
-            </a:r>
-            <a:r>
-              <a:rPr lang="en-US" sz="1400" dirty="0">
-                <a:latin typeface="Courier" pitchFamily="2" charset="0"/>
-              </a:rPr>
-              <a:t> /</a:t>
-            </a:r>
-            <a:r>
-              <a:rPr lang="en-US" sz="1400" dirty="0" err="1">
-                <a:latin typeface="Courier" pitchFamily="2" charset="0"/>
-              </a:rPr>
-              <a:t>usr</a:t>
-            </a:r>
-            <a:r>
-              <a:rPr lang="en-US" sz="1400" dirty="0">
-                <a:latin typeface="Courier" pitchFamily="2" charset="0"/>
-              </a:rPr>
-              <a:t>/lib/</a:t>
-            </a:r>
-            <a:r>
-              <a:rPr lang="en-US" sz="1400" dirty="0" err="1">
-                <a:latin typeface="Courier" pitchFamily="2" charset="0"/>
-              </a:rPr>
-              <a:t>gcc</a:t>
-            </a:r>
-            <a:r>
-              <a:rPr lang="en-US" sz="1400" dirty="0">
-                <a:latin typeface="Courier" pitchFamily="2" charset="0"/>
-              </a:rPr>
-              <a:t>/x86_64-linux-gnu/7/</a:t>
-            </a:r>
-            <a:r>
-              <a:rPr lang="en-US" sz="1400" dirty="0" err="1">
-                <a:latin typeface="Courier" pitchFamily="2" charset="0"/>
-              </a:rPr>
-              <a:t>crtbeginS.o</a:t>
-            </a:r>
-            <a:r>
-              <a:rPr lang="en-US" sz="1400" dirty="0">
-                <a:latin typeface="Courier" pitchFamily="2" charset="0"/>
-              </a:rPr>
-              <a:t> /</a:t>
-            </a:r>
-            <a:r>
-              <a:rPr lang="en-US" sz="1400" dirty="0" err="1">
-                <a:latin typeface="Courier" pitchFamily="2" charset="0"/>
-              </a:rPr>
-              <a:t>usr</a:t>
-            </a:r>
-            <a:r>
-              <a:rPr lang="en-US" sz="1400" dirty="0">
-                <a:latin typeface="Courier" pitchFamily="2" charset="0"/>
-              </a:rPr>
-              <a:t>/lib/</a:t>
-            </a:r>
-            <a:r>
-              <a:rPr lang="en-US" sz="1400" dirty="0" err="1">
-                <a:latin typeface="Courier" pitchFamily="2" charset="0"/>
-              </a:rPr>
-              <a:t>gcc</a:t>
-            </a:r>
-            <a:r>
-              <a:rPr lang="en-US" sz="1400" dirty="0">
-                <a:latin typeface="Courier" pitchFamily="2" charset="0"/>
-              </a:rPr>
-              <a:t>/x86_64-linux-gnu/7/</a:t>
-            </a:r>
-            <a:r>
-              <a:rPr lang="en-US" sz="1400" dirty="0" err="1">
-                <a:latin typeface="Courier" pitchFamily="2" charset="0"/>
-              </a:rPr>
-              <a:t>crtendS.o</a:t>
-            </a:r>
-            <a:r>
-              <a:rPr lang="en-US" sz="1400" dirty="0">
-                <a:latin typeface="Courier" pitchFamily="2" charset="0"/>
-              </a:rPr>
-              <a:t> /</a:t>
-            </a:r>
-            <a:r>
-              <a:rPr lang="en-US" sz="1400" dirty="0" err="1">
-                <a:latin typeface="Courier" pitchFamily="2" charset="0"/>
-              </a:rPr>
-              <a:t>usr</a:t>
-            </a:r>
-            <a:r>
-              <a:rPr lang="en-US" sz="1400" dirty="0">
-                <a:latin typeface="Courier" pitchFamily="2" charset="0"/>
-              </a:rPr>
-              <a:t>/lib/</a:t>
-            </a:r>
-            <a:r>
-              <a:rPr lang="en-US" sz="1400" dirty="0" err="1">
-                <a:latin typeface="Courier" pitchFamily="2" charset="0"/>
-              </a:rPr>
-              <a:t>gcc</a:t>
-            </a:r>
-            <a:r>
-              <a:rPr lang="en-US" sz="1400" dirty="0">
-                <a:latin typeface="Courier" pitchFamily="2" charset="0"/>
-              </a:rPr>
-              <a:t>/x86_64-linux-gnu/7/../../../x86_64-linux-gnu/</a:t>
-            </a:r>
-            <a:r>
-              <a:rPr lang="en-US" sz="1400" dirty="0" err="1">
-                <a:latin typeface="Courier" pitchFamily="2" charset="0"/>
-              </a:rPr>
-              <a:t>crtn.o</a:t>
-            </a:r>
-            <a:r>
-              <a:rPr lang="en-US" sz="1400" dirty="0">
-                <a:latin typeface="Courier" pitchFamily="2" charset="0"/>
-              </a:rPr>
-              <a:t> -</a:t>
-            </a:r>
-            <a:r>
-              <a:rPr lang="en-US" sz="1400" dirty="0" err="1">
-                <a:latin typeface="Courier" pitchFamily="2" charset="0"/>
-              </a:rPr>
-              <a:t>lc</a:t>
-            </a:r>
-            <a:r>
-              <a:rPr lang="en-US" sz="1400" dirty="0">
-                <a:latin typeface="Courier" pitchFamily="2" charset="0"/>
-              </a:rPr>
-              <a:t> </a:t>
-            </a:r>
-            <a:r>
-              <a:rPr lang="en-US" sz="1800" dirty="0">
+              <a:t>cc1 </a:t>
+            </a:r>
+            <a:r>
+              <a:rPr lang="en-US" dirty="0" err="1">
                 <a:solidFill>
                   <a:schemeClr val="accent6"/>
                 </a:solidFill>
                 <a:latin typeface="Courier" pitchFamily="2" charset="0"/>
               </a:rPr>
-              <a:t>./</a:t>
-            </a:r>
-            <a:r>
-              <a:rPr lang="en-US" sz="1800" dirty="0" err="1">
+              <a:t>example.c</a:t>
+            </a:r>
+            <a:r>
+              <a:rPr lang="en-US" dirty="0">
                 <a:solidFill>
                   <a:schemeClr val="accent6"/>
                 </a:solidFill>
                 <a:latin typeface="Courier" pitchFamily="2" charset="0"/>
               </a:rPr>
-              <a:t>example.o</a:t>
-            </a:r>
-            <a:r>
-              <a:rPr lang="en-US" sz="1800" dirty="0">
+              <a:t> -o </a:t>
+            </a:r>
+            <a:r>
+              <a:rPr lang="en-US" dirty="0" err="1">
                 <a:solidFill>
                   <a:schemeClr val="accent6"/>
                 </a:solidFill>
                 <a:latin typeface="Courier" pitchFamily="2" charset="0"/>
               </a:rPr>
-              <a:t> -o ./</a:t>
-            </a:r>
-            <a:r>
-              <a:rPr lang="en-US" sz="1800" dirty="0" err="1">
-                <a:solidFill>
-                  <a:schemeClr val="accent6"/>
-                </a:solidFill>
-                <a:latin typeface="Courier" pitchFamily="2" charset="0"/>
-              </a:rPr>
-              <a:t>example.out</a:t>
-            </a:r>
-            <a:endParaRPr lang="en-US" sz="1400" dirty="0">
+              <a:t>example.s</a:t>
+            </a:r>
+            <a:endParaRPr lang="en-US" dirty="0">
               <a:solidFill>
                 <a:schemeClr val="accent6"/>
               </a:solidFill>
-              <a:latin typeface="Courier" pitchFamily="2" charset="0"/>
             </a:endParaRPr>
           </a:p>
           <a:p>
@@ -8610,110 +9466,137 @@
               <a:buNone/>
             </a:pPr>
             <a:r>
-              <a:rPr lang="en-US" dirty="0">
-                <a:solidFill>
-                  <a:schemeClr val="tx1"/>
-                </a:solidFill>
-                <a:latin typeface="Sniglet" pitchFamily="82" charset="0"/>
-              </a:rPr>
-              <a:t>Incomplete machine code -&gt; complete machine code</a:t>
-            </a:r>
+              <a:rPr lang="en-US" dirty="0"/>
+              <a:t>Source code -&gt; assembly code</a:t>
+            </a:r>
+          </a:p>
+          <a:p>
+            <a:pPr marL="507999" indent="-457200">
+              <a:buSzPct val="100000"/>
+              <a:buFont typeface="+mj-lt"/>
+              <a:buAutoNum type="arabicPeriod" startAt="2"/>
+            </a:pPr>
+            <a:r>
+              <a:rPr lang="en-US" dirty="0"/>
+              <a:t>Compiling</a:t>
+            </a:r>
+          </a:p>
+          <a:p>
+            <a:pPr marL="1117584" lvl="1" indent="-457200">
+              <a:buSzPct val="100000"/>
+              <a:buFont typeface="+mj-lt"/>
+              <a:buAutoNum type="alphaLcPeriod"/>
+            </a:pPr>
+            <a:r>
+              <a:rPr lang="en-US" sz="2000" dirty="0"/>
+              <a:t>Lexical Analysis</a:t>
+            </a:r>
+          </a:p>
+          <a:p>
+            <a:pPr marL="1117584" lvl="1" indent="-457200">
+              <a:buSzPct val="100000"/>
+              <a:buFont typeface="+mj-lt"/>
+              <a:buAutoNum type="alphaLcPeriod"/>
+            </a:pPr>
+            <a:r>
+              <a:rPr lang="en-US" sz="2000" dirty="0"/>
+              <a:t>Syntax Analysis </a:t>
+            </a:r>
+          </a:p>
+          <a:p>
+            <a:pPr marL="1117584" lvl="1" indent="-457200">
+              <a:buSzPct val="100000"/>
+              <a:buFont typeface="+mj-lt"/>
+              <a:buAutoNum type="alphaLcPeriod"/>
+            </a:pPr>
+            <a:r>
+              <a:rPr lang="en-US" sz="2000" dirty="0"/>
+              <a:t>Semantics Analysis</a:t>
+            </a:r>
+          </a:p>
+          <a:p>
+            <a:pPr marL="1117584" lvl="1" indent="-457200">
+              <a:buSzPct val="100000"/>
+              <a:buFont typeface="+mj-lt"/>
+              <a:buAutoNum type="alphaLcPeriod"/>
+            </a:pPr>
+            <a:r>
+              <a:rPr lang="en-US" sz="2000" dirty="0"/>
+              <a:t>Intermediate Code Generator</a:t>
+            </a:r>
+          </a:p>
+          <a:p>
+            <a:pPr marL="1117584" lvl="1" indent="-457200">
+              <a:buSzPct val="100000"/>
+              <a:buFont typeface="+mj-lt"/>
+              <a:buAutoNum type="alphaLcPeriod"/>
+            </a:pPr>
+            <a:r>
+              <a:rPr lang="en-US" sz="2000" dirty="0"/>
+              <a:t>Code Optimization</a:t>
+            </a:r>
+          </a:p>
+          <a:p>
+            <a:pPr marL="1117584" lvl="1" indent="-457200">
+              <a:buSzPct val="100000"/>
+              <a:buFont typeface="+mj-lt"/>
+              <a:buAutoNum type="alphaLcPeriod"/>
+            </a:pPr>
+            <a:r>
+              <a:rPr lang="en-US" sz="2000" dirty="0"/>
+              <a:t>Code Generation</a:t>
+            </a:r>
+            <a:endParaRPr lang="en-US" dirty="0"/>
           </a:p>
           <a:p>
             <a:pPr marL="50799" indent="0">
+              <a:buSzPct val="100000"/>
               <a:buNone/>
             </a:pPr>
             <a:r>
+              <a:rPr lang="en-US" dirty="0" err="1">
+                <a:solidFill>
+                  <a:schemeClr val="accent6"/>
+                </a:solidFill>
+                <a:latin typeface="Courier" pitchFamily="2" charset="0"/>
+              </a:rPr>
+              <a:t>example.i</a:t>
+            </a:r>
+            <a:r>
               <a:rPr lang="en-US" dirty="0">
                 <a:solidFill>
-                  <a:schemeClr val="tx1"/>
-                </a:solidFill>
-                <a:latin typeface="Sniglet" pitchFamily="82" charset="0"/>
-              </a:rPr>
-              <a:t>Make sure that:</a:t>
-            </a:r>
+                  <a:schemeClr val="accent6"/>
+                </a:solidFill>
+                <a:latin typeface="Courier" pitchFamily="2" charset="0"/>
+              </a:rPr>
+              <a:t> -&gt; </a:t>
+            </a:r>
+            <a:r>
+              <a:rPr lang="en-US" dirty="0" err="1">
+                <a:solidFill>
+                  <a:schemeClr val="accent6"/>
+                </a:solidFill>
+                <a:latin typeface="Courier" pitchFamily="2" charset="0"/>
+              </a:rPr>
+              <a:t>example.s</a:t>
+            </a:r>
+            <a:endParaRPr lang="en-US" dirty="0">
+              <a:solidFill>
+                <a:schemeClr val="accent6"/>
+              </a:solidFill>
+            </a:endParaRPr>
           </a:p>
           <a:p>
             <a:pPr marL="507999" indent="-457200">
+              <a:buSzPct val="100000"/>
               <a:buAutoNum type="arabicPeriod"/>
             </a:pPr>
-            <a:r>
-              <a:rPr lang="en-US" dirty="0">
-                <a:solidFill>
-                  <a:schemeClr val="tx1"/>
-                </a:solidFill>
-                <a:latin typeface="Sniglet" pitchFamily="82" charset="0"/>
-              </a:rPr>
-              <a:t>The environment is ready before function </a:t>
-            </a:r>
-            <a:r>
-              <a:rPr lang="en-US" dirty="0">
-                <a:solidFill>
-                  <a:schemeClr val="tx1"/>
-                </a:solidFill>
-                <a:latin typeface="Courier" pitchFamily="2" charset="0"/>
-              </a:rPr>
-              <a:t>main</a:t>
-            </a:r>
+            <a:endParaRPr lang="en-US" dirty="0"/>
           </a:p>
           <a:p>
             <a:pPr marL="507999" indent="-457200">
+              <a:buSzPct val="100000"/>
               <a:buAutoNum type="arabicPeriod"/>
-            </a:pPr>
-            <a:r>
-              <a:rPr lang="en-US" dirty="0">
-                <a:solidFill>
-                  <a:schemeClr val="tx1"/>
-                </a:solidFill>
-                <a:latin typeface="Sniglet" pitchFamily="82" charset="0"/>
-              </a:rPr>
-              <a:t>Library functions (e.g.,</a:t>
-            </a:r>
-            <a:r>
-              <a:rPr lang="en-US" dirty="0">
-                <a:solidFill>
-                  <a:schemeClr val="tx1"/>
-                </a:solidFill>
-                <a:latin typeface="Courier" pitchFamily="2" charset="0"/>
-              </a:rPr>
-              <a:t> </a:t>
-            </a:r>
-            <a:r>
-              <a:rPr lang="en-US" dirty="0" err="1">
-                <a:solidFill>
-                  <a:schemeClr val="tx1"/>
-                </a:solidFill>
-                <a:latin typeface="Courier" pitchFamily="2" charset="0"/>
-              </a:rPr>
-              <a:t>printf</a:t>
-            </a:r>
-            <a:r>
-              <a:rPr lang="en-US" dirty="0">
-                <a:solidFill>
-                  <a:schemeClr val="tx1"/>
-                </a:solidFill>
-                <a:latin typeface="Sniglet" pitchFamily="82" charset="0"/>
-              </a:rPr>
-              <a:t>) are resolved</a:t>
-            </a:r>
-          </a:p>
-          <a:p>
-            <a:pPr marL="507999" indent="-457200">
-              <a:buAutoNum type="arabicPeriod"/>
-            </a:pPr>
-            <a:r>
-              <a:rPr lang="en-US" dirty="0">
-                <a:solidFill>
-                  <a:schemeClr val="tx1"/>
-                </a:solidFill>
-                <a:latin typeface="Sniglet" pitchFamily="82" charset="0"/>
-              </a:rPr>
-              <a:t>Program finishes properly</a:t>
-            </a:r>
-          </a:p>
-          <a:p>
-            <a:pPr marL="50799" indent="0">
-              <a:buNone/>
             </a:pPr>
             <a:endParaRPr lang="en-US" dirty="0"/>
           </a:p>
@@ -8724,7 +9607,7 @@
           <p:cNvPr id="4" name="Slide Number Placeholder 3">
             <a:extLst>
               <a:ext uri="{FF2B5EF4-FFF2-40B4-BE49-F238E27FC236}">
-                <a16:creationId xmlns:a16="http://schemas.microsoft.com/office/drawing/2014/main" id="{F30083EF-7ECF-C940-8701-90EC26E51DD6}"/>
+                <a16:creationId xmlns:a16="http://schemas.microsoft.com/office/drawing/2014/main" id="{396E3668-700B-A446-94D6-2F047BFA4375}"/>
               </a:ext>
             </a:extLst>
           </p:cNvPr>
@@ -8751,7 +9634,7 @@
     </p:spTree>
     <p:extLst>
       <p:ext uri="{BB962C8B-B14F-4D97-AF65-F5344CB8AC3E}">
-        <p14:creationId xmlns:p14="http://schemas.microsoft.com/office/powerpoint/2010/main" val="3519127159"/>
+        <p14:creationId xmlns:p14="http://schemas.microsoft.com/office/powerpoint/2010/main" val="742152193"/>
       </p:ext>
     </p:extLst>
   </p:cSld>
@@ -8791,7 +9674,7 @@
           <p:cNvPr id="2" name="Title 1">
             <a:extLst>
               <a:ext uri="{FF2B5EF4-FFF2-40B4-BE49-F238E27FC236}">
-                <a16:creationId xmlns:a16="http://schemas.microsoft.com/office/drawing/2014/main" id="{71954070-350A-A045-9386-3806718CDB1D}"/>
+                <a16:creationId xmlns:a16="http://schemas.microsoft.com/office/drawing/2014/main" id="{77CD12D3-42D4-B045-8BB3-BF169A4D2620}"/>
               </a:ext>
             </a:extLst>
           </p:cNvPr>
@@ -8809,7 +9692,7 @@
           <a:p>
             <a:r>
               <a:rPr lang="en-US" dirty="0"/>
-              <a:t>Compiler -&gt; Assembler -&gt; Linker</a:t>
+              <a:t>Assembler</a:t>
             </a:r>
           </a:p>
         </p:txBody>
@@ -8819,7 +9702,7 @@
           <p:cNvPr id="3" name="Text Placeholder 2">
             <a:extLst>
               <a:ext uri="{FF2B5EF4-FFF2-40B4-BE49-F238E27FC236}">
-                <a16:creationId xmlns:a16="http://schemas.microsoft.com/office/drawing/2014/main" id="{A3D132C2-0B9F-0849-87CB-7A89E6E84BBE}"/>
+                <a16:creationId xmlns:a16="http://schemas.microsoft.com/office/drawing/2014/main" id="{867A7F5D-C230-7B40-9870-8B2E07757734}"/>
               </a:ext>
             </a:extLst>
           </p:cNvPr>
@@ -8839,75 +9722,94 @@
               <a:buNone/>
             </a:pPr>
             <a:r>
-              <a:rPr lang="en-US" sz="1800" dirty="0">
-                <a:latin typeface="Courier" pitchFamily="2" charset="0"/>
-              </a:rPr>
-              <a:t>$ file </a:t>
-            </a:r>
-            <a:r>
-              <a:rPr lang="en-US" sz="1800" dirty="0" err="1">
-                <a:latin typeface="Courier" pitchFamily="2" charset="0"/>
-              </a:rPr>
-              <a:t>example.out</a:t>
-            </a:r>
-            <a:r>
-              <a:rPr lang="en-US" sz="1800" dirty="0">
-                <a:latin typeface="Courier" pitchFamily="2" charset="0"/>
-              </a:rPr>
-              <a:t> </a:t>
-            </a:r>
+              <a:rPr lang="en-US" dirty="0">
+                <a:solidFill>
+                  <a:schemeClr val="accent6"/>
+                </a:solidFill>
+                <a:latin typeface="Courier" pitchFamily="2" charset="0"/>
+              </a:rPr>
+              <a:t>as </a:t>
+            </a:r>
+            <a:r>
+              <a:rPr lang="en-US" dirty="0" err="1">
+                <a:solidFill>
+                  <a:schemeClr val="accent6"/>
+                </a:solidFill>
+                <a:latin typeface="Courier" pitchFamily="2" charset="0"/>
+              </a:rPr>
+              <a:t>example.s</a:t>
+            </a:r>
+            <a:r>
+              <a:rPr lang="en-US" dirty="0">
+                <a:solidFill>
+                  <a:schemeClr val="accent6"/>
+                </a:solidFill>
+                <a:latin typeface="Courier" pitchFamily="2" charset="0"/>
+              </a:rPr>
+              <a:t> -o </a:t>
+            </a:r>
+            <a:r>
+              <a:rPr lang="en-US" dirty="0" err="1">
+                <a:solidFill>
+                  <a:schemeClr val="accent6"/>
+                </a:solidFill>
+                <a:latin typeface="Courier" pitchFamily="2" charset="0"/>
+              </a:rPr>
+              <a:t>example.o</a:t>
+            </a:r>
+            <a:endParaRPr lang="en-US" dirty="0">
+              <a:solidFill>
+                <a:schemeClr val="accent6"/>
+              </a:solidFill>
+              <a:latin typeface="Courier" pitchFamily="2" charset="0"/>
+            </a:endParaRPr>
           </a:p>
           <a:p>
             <a:pPr marL="50799" indent="0">
               <a:buNone/>
             </a:pPr>
             <a:r>
-              <a:rPr lang="en-US" sz="1800" dirty="0" err="1">
-                <a:latin typeface="Courier" pitchFamily="2" charset="0"/>
-              </a:rPr>
-              <a:t>example.out</a:t>
-            </a:r>
-            <a:r>
-              <a:rPr lang="en-US" sz="1800" dirty="0">
-                <a:latin typeface="Courier" pitchFamily="2" charset="0"/>
-              </a:rPr>
-              <a:t>: </a:t>
-            </a:r>
-            <a:r>
-              <a:rPr lang="en-US" sz="1800" dirty="0">
-                <a:solidFill>
-                  <a:schemeClr val="accent6"/>
-                </a:solidFill>
-                <a:latin typeface="Courier" pitchFamily="2" charset="0"/>
-              </a:rPr>
-              <a:t>ELF 64-bit LSB executable</a:t>
-            </a:r>
-            <a:r>
-              <a:rPr lang="en-US" sz="1800" dirty="0">
-                <a:latin typeface="Courier" pitchFamily="2" charset="0"/>
-              </a:rPr>
-              <a:t>, </a:t>
-            </a:r>
-            <a:r>
-              <a:rPr lang="en-US" sz="1800" dirty="0">
-                <a:solidFill>
-                  <a:schemeClr val="accent6"/>
-                </a:solidFill>
-                <a:latin typeface="Courier" pitchFamily="2" charset="0"/>
-              </a:rPr>
-              <a:t>x86-64</a:t>
-            </a:r>
-            <a:r>
-              <a:rPr lang="en-US" sz="1800" dirty="0">
-                <a:latin typeface="Courier" pitchFamily="2" charset="0"/>
-              </a:rPr>
-              <a:t>, version 1 (SYSV), dynamically linked, interpreter /lib64/ld-linux-x86-64.so.2, for GNU/Linux 3.2.0, not stripped</a:t>
+              <a:rPr lang="en-US" dirty="0">
+                <a:latin typeface="Sniglet" pitchFamily="82" charset="0"/>
+              </a:rPr>
+              <a:t>Assembly code -&gt; incomplete machine code</a:t>
             </a:r>
           </a:p>
           <a:p>
             <a:pPr marL="50799" indent="0">
               <a:buNone/>
             </a:pPr>
+            <a:r>
+              <a:rPr lang="en-US" dirty="0">
+                <a:latin typeface="Sniglet" pitchFamily="82" charset="0"/>
+              </a:rPr>
+              <a:t>Library functions are missing</a:t>
+            </a:r>
+          </a:p>
+          <a:p>
+            <a:pPr marL="50799" indent="0">
+              <a:buNone/>
+            </a:pPr>
+            <a:endParaRPr lang="en-US" dirty="0">
+              <a:latin typeface="Sniglet" pitchFamily="82" charset="0"/>
+            </a:endParaRPr>
+          </a:p>
+          <a:p>
+            <a:pPr marL="50799" indent="0">
+              <a:buNone/>
+            </a:pPr>
+            <a:r>
+              <a:rPr lang="en-US" sz="1800" dirty="0">
+                <a:latin typeface="Courier" pitchFamily="2" charset="0"/>
+              </a:rPr>
+              <a:t>$ file </a:t>
+            </a:r>
+            <a:r>
+              <a:rPr lang="en-US" sz="1800" dirty="0" err="1">
+                <a:latin typeface="Courier" pitchFamily="2" charset="0"/>
+              </a:rPr>
+              <a:t>example.o</a:t>
+            </a:r>
             <a:endParaRPr lang="en-US" sz="1800" dirty="0">
               <a:latin typeface="Courier" pitchFamily="2" charset="0"/>
             </a:endParaRPr>
@@ -8916,51 +9818,33 @@
             <a:pPr marL="50799" indent="0">
               <a:buNone/>
             </a:pPr>
-            <a:endParaRPr lang="en-US" sz="1800" dirty="0">
-              <a:latin typeface="Courier" pitchFamily="2" charset="0"/>
-            </a:endParaRPr>
-          </a:p>
-          <a:p>
-            <a:pPr marL="50799" indent="0">
-              <a:buNone/>
-            </a:pPr>
+            <a:r>
+              <a:rPr lang="en-US" sz="1800" dirty="0" err="1">
+                <a:latin typeface="Courier" pitchFamily="2" charset="0"/>
+              </a:rPr>
+              <a:t>example.o</a:t>
+            </a:r>
             <a:r>
               <a:rPr lang="en-US" sz="1800" dirty="0">
                 <a:latin typeface="Courier" pitchFamily="2" charset="0"/>
               </a:rPr>
-              <a:t>$ ./</a:t>
-            </a:r>
-            <a:r>
-              <a:rPr lang="en-US" sz="1800" dirty="0" err="1">
-                <a:latin typeface="Courier" pitchFamily="2" charset="0"/>
-              </a:rPr>
-              <a:t>example.out</a:t>
+              <a:t>: </a:t>
             </a:r>
             <a:r>
               <a:rPr lang="en-US" sz="1800" dirty="0">
-                <a:latin typeface="Courier" pitchFamily="2" charset="0"/>
-              </a:rPr>
-              <a:t> </a:t>
-            </a:r>
-          </a:p>
-          <a:p>
-            <a:pPr marL="50799" indent="0">
-              <a:buNone/>
-            </a:pPr>
+                <a:solidFill>
+                  <a:schemeClr val="accent6"/>
+                </a:solidFill>
+                <a:latin typeface="Courier" pitchFamily="2" charset="0"/>
+              </a:rPr>
+              <a:t>ELF 64-bit LSB relocatable</a:t>
+            </a:r>
             <a:r>
               <a:rPr lang="en-US" sz="1800" dirty="0">
                 <a:latin typeface="Courier" pitchFamily="2" charset="0"/>
               </a:rPr>
-              <a:t>Book I's name: Harry Potter and the Philosopher's Stone</a:t>
-            </a:r>
-          </a:p>
-          <a:p>
-            <a:pPr marL="50799" indent="0">
-              <a:buNone/>
-            </a:pPr>
-            <a:endParaRPr lang="en-US" sz="1800" dirty="0">
-              <a:latin typeface="Courier" pitchFamily="2" charset="0"/>
-            </a:endParaRPr>
+              <a:t>, x86-64, version 1 (SYSV), not stripped</a:t>
+            </a:r>
           </a:p>
         </p:txBody>
       </p:sp>
@@ -8969,7 +9853,7 @@
           <p:cNvPr id="4" name="Slide Number Placeholder 3">
             <a:extLst>
               <a:ext uri="{FF2B5EF4-FFF2-40B4-BE49-F238E27FC236}">
-                <a16:creationId xmlns:a16="http://schemas.microsoft.com/office/drawing/2014/main" id="{D362C1F1-C94F-2946-96F3-D503FB5BD1D7}"/>
+                <a16:creationId xmlns:a16="http://schemas.microsoft.com/office/drawing/2014/main" id="{2E13BFE5-27BB-FC48-84B3-98F4D71A6B81}"/>
               </a:ext>
             </a:extLst>
           </p:cNvPr>
@@ -8996,7 +9880,7 @@
     </p:spTree>
     <p:extLst>
       <p:ext uri="{BB962C8B-B14F-4D97-AF65-F5344CB8AC3E}">
-        <p14:creationId xmlns:p14="http://schemas.microsoft.com/office/powerpoint/2010/main" val="2630610429"/>
+        <p14:creationId xmlns:p14="http://schemas.microsoft.com/office/powerpoint/2010/main" val="593524361"/>
       </p:ext>
     </p:extLst>
   </p:cSld>
@@ -9033,10 +9917,10 @@
       </p:grpSpPr>
       <p:sp>
         <p:nvSpPr>
-          <p:cNvPr id="5" name="Title 4">
+          <p:cNvPr id="2" name="Title 1">
             <a:extLst>
               <a:ext uri="{FF2B5EF4-FFF2-40B4-BE49-F238E27FC236}">
-                <a16:creationId xmlns:a16="http://schemas.microsoft.com/office/drawing/2014/main" id="{FF61D05A-A980-8343-A5D9-224FE077A9DD}"/>
+                <a16:creationId xmlns:a16="http://schemas.microsoft.com/office/drawing/2014/main" id="{FFD9383E-2F6A-5847-886C-9B865FC67440}"/>
               </a:ext>
             </a:extLst>
           </p:cNvPr>
@@ -9044,7 +9928,7 @@
             <a:spLocks noGrp="1"/>
           </p:cNvSpPr>
           <p:nvPr>
-            <p:ph type="ctrTitle"/>
+            <p:ph type="title"/>
           </p:nvPr>
         </p:nvSpPr>
         <p:spPr/>
@@ -9054,8 +9938,384 @@
           <a:p>
             <a:r>
               <a:rPr lang="en-US" dirty="0"/>
-              <a:t>x86-64 Assembly 101</a:t>
-            </a:r>
+              <a:t>Linker</a:t>
+            </a:r>
+          </a:p>
+        </p:txBody>
+      </p:sp>
+      <p:sp>
+        <p:nvSpPr>
+          <p:cNvPr id="3" name="Text Placeholder 2">
+            <a:extLst>
+              <a:ext uri="{FF2B5EF4-FFF2-40B4-BE49-F238E27FC236}">
+                <a16:creationId xmlns:a16="http://schemas.microsoft.com/office/drawing/2014/main" id="{AE2ED76C-9223-4140-9B24-33B1839EE3A8}"/>
+              </a:ext>
+            </a:extLst>
+          </p:cNvPr>
+          <p:cNvSpPr>
+            <a:spLocks noGrp="1"/>
+          </p:cNvSpPr>
+          <p:nvPr>
+            <p:ph type="body" idx="1"/>
+          </p:nvPr>
+        </p:nvSpPr>
+        <p:spPr/>
+        <p:txBody>
+          <a:bodyPr/>
+          <a:lstStyle/>
+          <a:p>
+            <a:pPr marL="50799" indent="0">
+              <a:buNone/>
+            </a:pPr>
+            <a:r>
+              <a:rPr lang="en-US" sz="1800" dirty="0" err="1">
+                <a:solidFill>
+                  <a:schemeClr val="accent6"/>
+                </a:solidFill>
+                <a:latin typeface="Courier" pitchFamily="2" charset="0"/>
+              </a:rPr>
+              <a:t>ld</a:t>
+            </a:r>
+            <a:r>
+              <a:rPr lang="en-US" sz="1400" dirty="0">
+                <a:latin typeface="Courier" pitchFamily="2" charset="0"/>
+              </a:rPr>
+              <a:t> -dynamic-linker /lib64/ld-linux-x86-64.so.2 /</a:t>
+            </a:r>
+            <a:r>
+              <a:rPr lang="en-US" sz="1400" dirty="0" err="1">
+                <a:latin typeface="Courier" pitchFamily="2" charset="0"/>
+              </a:rPr>
+              <a:t>usr</a:t>
+            </a:r>
+            <a:r>
+              <a:rPr lang="en-US" sz="1400" dirty="0">
+                <a:latin typeface="Courier" pitchFamily="2" charset="0"/>
+              </a:rPr>
+              <a:t>/lib/</a:t>
+            </a:r>
+            <a:r>
+              <a:rPr lang="en-US" sz="1400" dirty="0" err="1">
+                <a:latin typeface="Courier" pitchFamily="2" charset="0"/>
+              </a:rPr>
+              <a:t>gcc</a:t>
+            </a:r>
+            <a:r>
+              <a:rPr lang="en-US" sz="1400" dirty="0">
+                <a:latin typeface="Courier" pitchFamily="2" charset="0"/>
+              </a:rPr>
+              <a:t>/x86_64-linux-gnu/7/../../../x86_64-linux-gnu/Scrt1.o /</a:t>
+            </a:r>
+            <a:r>
+              <a:rPr lang="en-US" sz="1400" dirty="0" err="1">
+                <a:latin typeface="Courier" pitchFamily="2" charset="0"/>
+              </a:rPr>
+              <a:t>usr</a:t>
+            </a:r>
+            <a:r>
+              <a:rPr lang="en-US" sz="1400" dirty="0">
+                <a:latin typeface="Courier" pitchFamily="2" charset="0"/>
+              </a:rPr>
+              <a:t>/lib/</a:t>
+            </a:r>
+            <a:r>
+              <a:rPr lang="en-US" sz="1400" dirty="0" err="1">
+                <a:latin typeface="Courier" pitchFamily="2" charset="0"/>
+              </a:rPr>
+              <a:t>gcc</a:t>
+            </a:r>
+            <a:r>
+              <a:rPr lang="en-US" sz="1400" dirty="0">
+                <a:latin typeface="Courier" pitchFamily="2" charset="0"/>
+              </a:rPr>
+              <a:t>/x86_64-linux-gnu/7/../../../x86_64-linux-gnu/</a:t>
+            </a:r>
+            <a:r>
+              <a:rPr lang="en-US" sz="1400" dirty="0" err="1">
+                <a:latin typeface="Courier" pitchFamily="2" charset="0"/>
+              </a:rPr>
+              <a:t>crti.o</a:t>
+            </a:r>
+            <a:r>
+              <a:rPr lang="en-US" sz="1400" dirty="0">
+                <a:latin typeface="Courier" pitchFamily="2" charset="0"/>
+              </a:rPr>
+              <a:t> /</a:t>
+            </a:r>
+            <a:r>
+              <a:rPr lang="en-US" sz="1400" dirty="0" err="1">
+                <a:latin typeface="Courier" pitchFamily="2" charset="0"/>
+              </a:rPr>
+              <a:t>usr</a:t>
+            </a:r>
+            <a:r>
+              <a:rPr lang="en-US" sz="1400" dirty="0">
+                <a:latin typeface="Courier" pitchFamily="2" charset="0"/>
+              </a:rPr>
+              <a:t>/lib/</a:t>
+            </a:r>
+            <a:r>
+              <a:rPr lang="en-US" sz="1400" dirty="0" err="1">
+                <a:latin typeface="Courier" pitchFamily="2" charset="0"/>
+              </a:rPr>
+              <a:t>gcc</a:t>
+            </a:r>
+            <a:r>
+              <a:rPr lang="en-US" sz="1400" dirty="0">
+                <a:latin typeface="Courier" pitchFamily="2" charset="0"/>
+              </a:rPr>
+              <a:t>/x86_64-linux-gnu/7/</a:t>
+            </a:r>
+            <a:r>
+              <a:rPr lang="en-US" sz="1400" dirty="0" err="1">
+                <a:latin typeface="Courier" pitchFamily="2" charset="0"/>
+              </a:rPr>
+              <a:t>crtbeginS.o</a:t>
+            </a:r>
+            <a:r>
+              <a:rPr lang="en-US" sz="1400" dirty="0">
+                <a:latin typeface="Courier" pitchFamily="2" charset="0"/>
+              </a:rPr>
+              <a:t> /</a:t>
+            </a:r>
+            <a:r>
+              <a:rPr lang="en-US" sz="1400" dirty="0" err="1">
+                <a:latin typeface="Courier" pitchFamily="2" charset="0"/>
+              </a:rPr>
+              <a:t>usr</a:t>
+            </a:r>
+            <a:r>
+              <a:rPr lang="en-US" sz="1400" dirty="0">
+                <a:latin typeface="Courier" pitchFamily="2" charset="0"/>
+              </a:rPr>
+              <a:t>/lib/</a:t>
+            </a:r>
+            <a:r>
+              <a:rPr lang="en-US" sz="1400" dirty="0" err="1">
+                <a:latin typeface="Courier" pitchFamily="2" charset="0"/>
+              </a:rPr>
+              <a:t>gcc</a:t>
+            </a:r>
+            <a:r>
+              <a:rPr lang="en-US" sz="1400" dirty="0">
+                <a:latin typeface="Courier" pitchFamily="2" charset="0"/>
+              </a:rPr>
+              <a:t>/x86_64-linux-gnu/7/</a:t>
+            </a:r>
+            <a:r>
+              <a:rPr lang="en-US" sz="1400" dirty="0" err="1">
+                <a:latin typeface="Courier" pitchFamily="2" charset="0"/>
+              </a:rPr>
+              <a:t>crtendS.o</a:t>
+            </a:r>
+            <a:r>
+              <a:rPr lang="en-US" sz="1400" dirty="0">
+                <a:latin typeface="Courier" pitchFamily="2" charset="0"/>
+              </a:rPr>
+              <a:t> /</a:t>
+            </a:r>
+            <a:r>
+              <a:rPr lang="en-US" sz="1400" dirty="0" err="1">
+                <a:latin typeface="Courier" pitchFamily="2" charset="0"/>
+              </a:rPr>
+              <a:t>usr</a:t>
+            </a:r>
+            <a:r>
+              <a:rPr lang="en-US" sz="1400" dirty="0">
+                <a:latin typeface="Courier" pitchFamily="2" charset="0"/>
+              </a:rPr>
+              <a:t>/lib/</a:t>
+            </a:r>
+            <a:r>
+              <a:rPr lang="en-US" sz="1400" dirty="0" err="1">
+                <a:latin typeface="Courier" pitchFamily="2" charset="0"/>
+              </a:rPr>
+              <a:t>gcc</a:t>
+            </a:r>
+            <a:r>
+              <a:rPr lang="en-US" sz="1400" dirty="0">
+                <a:latin typeface="Courier" pitchFamily="2" charset="0"/>
+              </a:rPr>
+              <a:t>/x86_64-linux-gnu/7/../../../x86_64-linux-gnu/</a:t>
+            </a:r>
+            <a:r>
+              <a:rPr lang="en-US" sz="1400" dirty="0" err="1">
+                <a:latin typeface="Courier" pitchFamily="2" charset="0"/>
+              </a:rPr>
+              <a:t>crtn.o</a:t>
+            </a:r>
+            <a:r>
+              <a:rPr lang="en-US" sz="1400" dirty="0">
+                <a:latin typeface="Courier" pitchFamily="2" charset="0"/>
+              </a:rPr>
+              <a:t> -</a:t>
+            </a:r>
+            <a:r>
+              <a:rPr lang="en-US" sz="1400" dirty="0" err="1">
+                <a:latin typeface="Courier" pitchFamily="2" charset="0"/>
+              </a:rPr>
+              <a:t>lc</a:t>
+            </a:r>
+            <a:r>
+              <a:rPr lang="en-US" sz="1400" dirty="0">
+                <a:latin typeface="Courier" pitchFamily="2" charset="0"/>
+              </a:rPr>
+              <a:t> </a:t>
+            </a:r>
+            <a:r>
+              <a:rPr lang="en-US" sz="1800" dirty="0">
+                <a:solidFill>
+                  <a:schemeClr val="accent6"/>
+                </a:solidFill>
+                <a:latin typeface="Courier" pitchFamily="2" charset="0"/>
+              </a:rPr>
+              <a:t>./</a:t>
+            </a:r>
+            <a:r>
+              <a:rPr lang="en-US" sz="1800" dirty="0" err="1">
+                <a:solidFill>
+                  <a:schemeClr val="accent6"/>
+                </a:solidFill>
+                <a:latin typeface="Courier" pitchFamily="2" charset="0"/>
+              </a:rPr>
+              <a:t>example.o</a:t>
+            </a:r>
+            <a:r>
+              <a:rPr lang="en-US" sz="1800" dirty="0">
+                <a:solidFill>
+                  <a:schemeClr val="accent6"/>
+                </a:solidFill>
+                <a:latin typeface="Courier" pitchFamily="2" charset="0"/>
+              </a:rPr>
+              <a:t> -o ./</a:t>
+            </a:r>
+            <a:r>
+              <a:rPr lang="en-US" sz="1800" dirty="0" err="1">
+                <a:solidFill>
+                  <a:schemeClr val="accent6"/>
+                </a:solidFill>
+                <a:latin typeface="Courier" pitchFamily="2" charset="0"/>
+              </a:rPr>
+              <a:t>example.out</a:t>
+            </a:r>
+            <a:endParaRPr lang="en-US" sz="1400" dirty="0">
+              <a:solidFill>
+                <a:schemeClr val="accent6"/>
+              </a:solidFill>
+              <a:latin typeface="Courier" pitchFamily="2" charset="0"/>
+            </a:endParaRPr>
+          </a:p>
+          <a:p>
+            <a:pPr marL="50799" indent="0">
+              <a:buNone/>
+            </a:pPr>
+            <a:r>
+              <a:rPr lang="en-US" dirty="0">
+                <a:solidFill>
+                  <a:schemeClr val="tx1"/>
+                </a:solidFill>
+                <a:latin typeface="Sniglet" pitchFamily="82" charset="0"/>
+              </a:rPr>
+              <a:t>Incomplete machine code -&gt; complete machine code</a:t>
+            </a:r>
+          </a:p>
+          <a:p>
+            <a:pPr marL="50799" indent="0">
+              <a:buNone/>
+            </a:pPr>
+            <a:r>
+              <a:rPr lang="en-US" dirty="0">
+                <a:solidFill>
+                  <a:schemeClr val="tx1"/>
+                </a:solidFill>
+                <a:latin typeface="Sniglet" pitchFamily="82" charset="0"/>
+              </a:rPr>
+              <a:t>Make sure that:</a:t>
+            </a:r>
+          </a:p>
+          <a:p>
+            <a:pPr marL="507999" indent="-457200">
+              <a:buAutoNum type="arabicPeriod"/>
+            </a:pPr>
+            <a:r>
+              <a:rPr lang="en-US" dirty="0">
+                <a:solidFill>
+                  <a:schemeClr val="tx1"/>
+                </a:solidFill>
+                <a:latin typeface="Sniglet" pitchFamily="82" charset="0"/>
+              </a:rPr>
+              <a:t>The environment is ready before function </a:t>
+            </a:r>
+            <a:r>
+              <a:rPr lang="en-US" dirty="0">
+                <a:solidFill>
+                  <a:schemeClr val="tx1"/>
+                </a:solidFill>
+                <a:latin typeface="Courier" pitchFamily="2" charset="0"/>
+              </a:rPr>
+              <a:t>main</a:t>
+            </a:r>
+          </a:p>
+          <a:p>
+            <a:pPr marL="507999" indent="-457200">
+              <a:buAutoNum type="arabicPeriod"/>
+            </a:pPr>
+            <a:r>
+              <a:rPr lang="en-US" dirty="0">
+                <a:solidFill>
+                  <a:schemeClr val="tx1"/>
+                </a:solidFill>
+                <a:latin typeface="Sniglet" pitchFamily="82" charset="0"/>
+              </a:rPr>
+              <a:t>Library functions (e.g.,</a:t>
+            </a:r>
+            <a:r>
+              <a:rPr lang="en-US" dirty="0">
+                <a:solidFill>
+                  <a:schemeClr val="tx1"/>
+                </a:solidFill>
+                <a:latin typeface="Courier" pitchFamily="2" charset="0"/>
+              </a:rPr>
+              <a:t> </a:t>
+            </a:r>
+            <a:r>
+              <a:rPr lang="en-US" dirty="0" err="1">
+                <a:solidFill>
+                  <a:schemeClr val="tx1"/>
+                </a:solidFill>
+                <a:latin typeface="Courier" pitchFamily="2" charset="0"/>
+              </a:rPr>
+              <a:t>printf</a:t>
+            </a:r>
+            <a:r>
+              <a:rPr lang="en-US" dirty="0">
+                <a:solidFill>
+                  <a:schemeClr val="tx1"/>
+                </a:solidFill>
+                <a:latin typeface="Sniglet" pitchFamily="82" charset="0"/>
+              </a:rPr>
+              <a:t>) are resolved</a:t>
+            </a:r>
+          </a:p>
+          <a:p>
+            <a:pPr marL="507999" indent="-457200">
+              <a:buAutoNum type="arabicPeriod"/>
+            </a:pPr>
+            <a:r>
+              <a:rPr lang="en-US" dirty="0">
+                <a:solidFill>
+                  <a:schemeClr val="tx1"/>
+                </a:solidFill>
+                <a:latin typeface="Sniglet" pitchFamily="82" charset="0"/>
+              </a:rPr>
+              <a:t>Program finishes properly</a:t>
+            </a:r>
+          </a:p>
+          <a:p>
+            <a:pPr marL="50799" indent="0">
+              <a:buNone/>
+            </a:pPr>
+            <a:endParaRPr lang="en-US" dirty="0"/>
           </a:p>
         </p:txBody>
       </p:sp>
@@ -9064,7 +10324,7 @@
           <p:cNvPr id="4" name="Slide Number Placeholder 3">
             <a:extLst>
               <a:ext uri="{FF2B5EF4-FFF2-40B4-BE49-F238E27FC236}">
-                <a16:creationId xmlns:a16="http://schemas.microsoft.com/office/drawing/2014/main" id="{34E48E66-2673-0044-A17A-5DD3ABD8F88F}"/>
+                <a16:creationId xmlns:a16="http://schemas.microsoft.com/office/drawing/2014/main" id="{F30083EF-7ECF-C940-8701-90EC26E51DD6}"/>
               </a:ext>
             </a:extLst>
           </p:cNvPr>
@@ -9091,7 +10351,7 @@
     </p:spTree>
     <p:extLst>
       <p:ext uri="{BB962C8B-B14F-4D97-AF65-F5344CB8AC3E}">
-        <p14:creationId xmlns:p14="http://schemas.microsoft.com/office/powerpoint/2010/main" val="1686432907"/>
+        <p14:creationId xmlns:p14="http://schemas.microsoft.com/office/powerpoint/2010/main" val="3519127159"/>
       </p:ext>
     </p:extLst>
   </p:cSld>
@@ -9128,6 +10388,346 @@
       </p:grpSpPr>
       <p:sp>
         <p:nvSpPr>
+          <p:cNvPr id="2" name="Title 1">
+            <a:extLst>
+              <a:ext uri="{FF2B5EF4-FFF2-40B4-BE49-F238E27FC236}">
+                <a16:creationId xmlns:a16="http://schemas.microsoft.com/office/drawing/2014/main" id="{71954070-350A-A045-9386-3806718CDB1D}"/>
+              </a:ext>
+            </a:extLst>
+          </p:cNvPr>
+          <p:cNvSpPr>
+            <a:spLocks noGrp="1"/>
+          </p:cNvSpPr>
+          <p:nvPr>
+            <p:ph type="title"/>
+          </p:nvPr>
+        </p:nvSpPr>
+        <p:spPr/>
+        <p:txBody>
+          <a:bodyPr/>
+          <a:lstStyle/>
+          <a:p>
+            <a:r>
+              <a:rPr lang="en-US" dirty="0"/>
+              <a:t>Compiler -&gt; Assembler -&gt; Linker</a:t>
+            </a:r>
+          </a:p>
+        </p:txBody>
+      </p:sp>
+      <p:sp>
+        <p:nvSpPr>
+          <p:cNvPr id="3" name="Text Placeholder 2">
+            <a:extLst>
+              <a:ext uri="{FF2B5EF4-FFF2-40B4-BE49-F238E27FC236}">
+                <a16:creationId xmlns:a16="http://schemas.microsoft.com/office/drawing/2014/main" id="{A3D132C2-0B9F-0849-87CB-7A89E6E84BBE}"/>
+              </a:ext>
+            </a:extLst>
+          </p:cNvPr>
+          <p:cNvSpPr>
+            <a:spLocks noGrp="1"/>
+          </p:cNvSpPr>
+          <p:nvPr>
+            <p:ph type="body" idx="1"/>
+          </p:nvPr>
+        </p:nvSpPr>
+        <p:spPr/>
+        <p:txBody>
+          <a:bodyPr/>
+          <a:lstStyle/>
+          <a:p>
+            <a:pPr marL="50799" indent="0">
+              <a:buNone/>
+            </a:pPr>
+            <a:r>
+              <a:rPr lang="en-US" sz="1800" dirty="0">
+                <a:latin typeface="Courier" pitchFamily="2" charset="0"/>
+              </a:rPr>
+              <a:t>$ file </a:t>
+            </a:r>
+            <a:r>
+              <a:rPr lang="en-US" sz="1800" dirty="0" err="1">
+                <a:latin typeface="Courier" pitchFamily="2" charset="0"/>
+              </a:rPr>
+              <a:t>example.out</a:t>
+            </a:r>
+            <a:r>
+              <a:rPr lang="en-US" sz="1800" dirty="0">
+                <a:latin typeface="Courier" pitchFamily="2" charset="0"/>
+              </a:rPr>
+              <a:t> </a:t>
+            </a:r>
+          </a:p>
+          <a:p>
+            <a:pPr marL="50799" indent="0">
+              <a:buNone/>
+            </a:pPr>
+            <a:r>
+              <a:rPr lang="en-US" sz="1800" dirty="0" err="1">
+                <a:latin typeface="Courier" pitchFamily="2" charset="0"/>
+              </a:rPr>
+              <a:t>example.out</a:t>
+            </a:r>
+            <a:r>
+              <a:rPr lang="en-US" sz="1800" dirty="0">
+                <a:latin typeface="Courier" pitchFamily="2" charset="0"/>
+              </a:rPr>
+              <a:t>: </a:t>
+            </a:r>
+            <a:r>
+              <a:rPr lang="en-US" sz="1800" dirty="0">
+                <a:solidFill>
+                  <a:schemeClr val="accent6"/>
+                </a:solidFill>
+                <a:latin typeface="Courier" pitchFamily="2" charset="0"/>
+              </a:rPr>
+              <a:t>ELF 64-bit LSB executable</a:t>
+            </a:r>
+            <a:r>
+              <a:rPr lang="en-US" sz="1800" dirty="0">
+                <a:latin typeface="Courier" pitchFamily="2" charset="0"/>
+              </a:rPr>
+              <a:t>, </a:t>
+            </a:r>
+            <a:r>
+              <a:rPr lang="en-US" sz="1800" dirty="0">
+                <a:solidFill>
+                  <a:schemeClr val="accent6"/>
+                </a:solidFill>
+                <a:latin typeface="Courier" pitchFamily="2" charset="0"/>
+              </a:rPr>
+              <a:t>x86-64</a:t>
+            </a:r>
+            <a:r>
+              <a:rPr lang="en-US" sz="1800" dirty="0">
+                <a:latin typeface="Courier" pitchFamily="2" charset="0"/>
+              </a:rPr>
+              <a:t>, version 1 (SYSV), dynamically linked, interpreter /lib64/ld-linux-x86-64.so.2, for GNU/Linux 3.2.0, not stripped</a:t>
+            </a:r>
+          </a:p>
+          <a:p>
+            <a:pPr marL="50799" indent="0">
+              <a:buNone/>
+            </a:pPr>
+            <a:endParaRPr lang="en-US" sz="1800" dirty="0">
+              <a:latin typeface="Courier" pitchFamily="2" charset="0"/>
+            </a:endParaRPr>
+          </a:p>
+          <a:p>
+            <a:pPr marL="50799" indent="0">
+              <a:buNone/>
+            </a:pPr>
+            <a:endParaRPr lang="en-US" sz="1800" dirty="0">
+              <a:latin typeface="Courier" pitchFamily="2" charset="0"/>
+            </a:endParaRPr>
+          </a:p>
+          <a:p>
+            <a:pPr marL="50799" indent="0">
+              <a:buNone/>
+            </a:pPr>
+            <a:r>
+              <a:rPr lang="en-US" sz="1800" dirty="0">
+                <a:latin typeface="Courier" pitchFamily="2" charset="0"/>
+              </a:rPr>
+              <a:t>$ ./</a:t>
+            </a:r>
+            <a:r>
+              <a:rPr lang="en-US" sz="1800" dirty="0" err="1">
+                <a:latin typeface="Courier" pitchFamily="2" charset="0"/>
+              </a:rPr>
+              <a:t>example.out</a:t>
+            </a:r>
+            <a:r>
+              <a:rPr lang="en-US" sz="1800" dirty="0">
+                <a:latin typeface="Courier" pitchFamily="2" charset="0"/>
+              </a:rPr>
+              <a:t> </a:t>
+            </a:r>
+          </a:p>
+          <a:p>
+            <a:pPr marL="50799" indent="0">
+              <a:buNone/>
+            </a:pPr>
+            <a:r>
+              <a:rPr lang="en-US" sz="1800" dirty="0">
+                <a:latin typeface="Courier" pitchFamily="2" charset="0"/>
+              </a:rPr>
+              <a:t>Book I's name: Harry Potter and the Philosopher's Stone</a:t>
+            </a:r>
+          </a:p>
+          <a:p>
+            <a:pPr marL="50799" indent="0">
+              <a:buNone/>
+            </a:pPr>
+            <a:endParaRPr lang="en-US" sz="1800" dirty="0">
+              <a:latin typeface="Courier" pitchFamily="2" charset="0"/>
+            </a:endParaRPr>
+          </a:p>
+        </p:txBody>
+      </p:sp>
+      <p:sp>
+        <p:nvSpPr>
+          <p:cNvPr id="4" name="Slide Number Placeholder 3">
+            <a:extLst>
+              <a:ext uri="{FF2B5EF4-FFF2-40B4-BE49-F238E27FC236}">
+                <a16:creationId xmlns:a16="http://schemas.microsoft.com/office/drawing/2014/main" id="{D362C1F1-C94F-2946-96F3-D503FB5BD1D7}"/>
+              </a:ext>
+            </a:extLst>
+          </p:cNvPr>
+          <p:cNvSpPr>
+            <a:spLocks noGrp="1"/>
+          </p:cNvSpPr>
+          <p:nvPr>
+            <p:ph type="sldNum" idx="12"/>
+          </p:nvPr>
+        </p:nvSpPr>
+        <p:spPr/>
+        <p:txBody>
+          <a:bodyPr/>
+          <a:lstStyle/>
+          <a:p>
+            <a:fld id="{B8AB1F1C-5B97-FA47-A21B-131B164DAC8F}" type="slidenum">
+              <a:rPr lang="en-US" smtClean="0"/>
+              <a:t>14</a:t>
+            </a:fld>
+            <a:endParaRPr lang="en-US"/>
+          </a:p>
+        </p:txBody>
+      </p:sp>
+    </p:spTree>
+    <p:extLst>
+      <p:ext uri="{BB962C8B-B14F-4D97-AF65-F5344CB8AC3E}">
+        <p14:creationId xmlns:p14="http://schemas.microsoft.com/office/powerpoint/2010/main" val="2630610429"/>
+      </p:ext>
+    </p:extLst>
+  </p:cSld>
+  <p:clrMapOvr>
+    <a:masterClrMapping/>
+  </p:clrMapOvr>
+  <mc:AlternateContent xmlns:mc="http://schemas.openxmlformats.org/markup-compatibility/2006">
+    <mc:Choice xmlns:p14="http://schemas.microsoft.com/office/powerpoint/2010/main" Requires="p14">
+      <p:transition p14:dur="0"/>
+    </mc:Choice>
+    <mc:Fallback>
+      <p:transition/>
+    </mc:Fallback>
+  </mc:AlternateContent>
+</p:sld>
+</file>
+
+<file path=ppt/slides/slide16.xml><?xml version="1.0" encoding="utf-8"?>
+<p:sld xmlns:a="http://schemas.openxmlformats.org/drawingml/2006/main" xmlns:r="http://schemas.openxmlformats.org/officeDocument/2006/relationships" xmlns:p="http://schemas.openxmlformats.org/presentationml/2006/main">
+  <p:cSld>
+    <p:spTree>
+      <p:nvGrpSpPr>
+        <p:cNvPr id="1" name=""/>
+        <p:cNvGrpSpPr/>
+        <p:nvPr/>
+      </p:nvGrpSpPr>
+      <p:grpSpPr>
+        <a:xfrm>
+          <a:off x="0" y="0"/>
+          <a:ext cx="0" cy="0"/>
+          <a:chOff x="0" y="0"/>
+          <a:chExt cx="0" cy="0"/>
+        </a:xfrm>
+      </p:grpSpPr>
+      <p:sp>
+        <p:nvSpPr>
+          <p:cNvPr id="5" name="Title 4">
+            <a:extLst>
+              <a:ext uri="{FF2B5EF4-FFF2-40B4-BE49-F238E27FC236}">
+                <a16:creationId xmlns:a16="http://schemas.microsoft.com/office/drawing/2014/main" id="{FF61D05A-A980-8343-A5D9-224FE077A9DD}"/>
+              </a:ext>
+            </a:extLst>
+          </p:cNvPr>
+          <p:cNvSpPr>
+            <a:spLocks noGrp="1"/>
+          </p:cNvSpPr>
+          <p:nvPr>
+            <p:ph type="ctrTitle"/>
+          </p:nvPr>
+        </p:nvSpPr>
+        <p:spPr/>
+        <p:txBody>
+          <a:bodyPr/>
+          <a:lstStyle/>
+          <a:p>
+            <a:r>
+              <a:rPr lang="en-US" dirty="0"/>
+              <a:t>x86-64 Assembly 101</a:t>
+            </a:r>
+          </a:p>
+        </p:txBody>
+      </p:sp>
+      <p:sp>
+        <p:nvSpPr>
+          <p:cNvPr id="4" name="Slide Number Placeholder 3">
+            <a:extLst>
+              <a:ext uri="{FF2B5EF4-FFF2-40B4-BE49-F238E27FC236}">
+                <a16:creationId xmlns:a16="http://schemas.microsoft.com/office/drawing/2014/main" id="{34E48E66-2673-0044-A17A-5DD3ABD8F88F}"/>
+              </a:ext>
+            </a:extLst>
+          </p:cNvPr>
+          <p:cNvSpPr>
+            <a:spLocks noGrp="1"/>
+          </p:cNvSpPr>
+          <p:nvPr>
+            <p:ph type="sldNum" idx="12"/>
+          </p:nvPr>
+        </p:nvSpPr>
+        <p:spPr/>
+        <p:txBody>
+          <a:bodyPr/>
+          <a:lstStyle/>
+          <a:p>
+            <a:fld id="{B8AB1F1C-5B97-FA47-A21B-131B164DAC8F}" type="slidenum">
+              <a:rPr lang="en-US" smtClean="0"/>
+              <a:t>15</a:t>
+            </a:fld>
+            <a:endParaRPr lang="en-US"/>
+          </a:p>
+        </p:txBody>
+      </p:sp>
+    </p:spTree>
+    <p:extLst>
+      <p:ext uri="{BB962C8B-B14F-4D97-AF65-F5344CB8AC3E}">
+        <p14:creationId xmlns:p14="http://schemas.microsoft.com/office/powerpoint/2010/main" val="1686432907"/>
+      </p:ext>
+    </p:extLst>
+  </p:cSld>
+  <p:clrMapOvr>
+    <a:masterClrMapping/>
+  </p:clrMapOvr>
+  <mc:AlternateContent xmlns:mc="http://schemas.openxmlformats.org/markup-compatibility/2006">
+    <mc:Choice xmlns:p14="http://schemas.microsoft.com/office/powerpoint/2010/main" Requires="p14">
+      <p:transition p14:dur="0"/>
+    </mc:Choice>
+    <mc:Fallback>
+      <p:transition/>
+    </mc:Fallback>
+  </mc:AlternateContent>
+</p:sld>
+</file>
+
+<file path=ppt/slides/slide17.xml><?xml version="1.0" encoding="utf-8"?>
+<p:sld xmlns:a="http://schemas.openxmlformats.org/drawingml/2006/main" xmlns:r="http://schemas.openxmlformats.org/officeDocument/2006/relationships" xmlns:p="http://schemas.openxmlformats.org/presentationml/2006/main">
+  <p:cSld>
+    <p:spTree>
+      <p:nvGrpSpPr>
+        <p:cNvPr id="1" name=""/>
+        <p:cNvGrpSpPr/>
+        <p:nvPr/>
+      </p:nvGrpSpPr>
+      <p:grpSpPr>
+        <a:xfrm>
+          <a:off x="0" y="0"/>
+          <a:ext cx="0" cy="0"/>
+          <a:chOff x="0" y="0"/>
+          <a:chExt cx="0" cy="0"/>
+        </a:xfrm>
+      </p:grpSpPr>
+      <p:sp>
+        <p:nvSpPr>
           <p:cNvPr id="4" name="Title 3">
             <a:extLst>
               <a:ext uri="{FF2B5EF4-FFF2-40B4-BE49-F238E27FC236}">
@@ -9174,7 +10774,7 @@
           <a:p>
             <a:fld id="{B8AB1F1C-5B97-FA47-A21B-131B164DAC8F}" type="slidenum">
               <a:rPr lang="en-US" smtClean="0"/>
-              <a:t>14</a:t>
+              <a:t>16</a:t>
             </a:fld>
             <a:endParaRPr lang="en-US"/>
           </a:p>
@@ -9708,7 +11308,7 @@
 </p:sld>
 </file>
 
-<file path=ppt/slides/slide16.xml><?xml version="1.0" encoding="utf-8"?>
+<file path=ppt/slides/slide18.xml><?xml version="1.0" encoding="utf-8"?>
 <p:sld xmlns:a="http://schemas.openxmlformats.org/drawingml/2006/main" xmlns:r="http://schemas.openxmlformats.org/officeDocument/2006/relationships" xmlns:p="http://schemas.openxmlformats.org/presentationml/2006/main">
   <p:cSld>
     <p:spTree>
@@ -9822,7 +11422,7 @@
           <a:p>
             <a:fld id="{B8AB1F1C-5B97-FA47-A21B-131B164DAC8F}" type="slidenum">
               <a:rPr lang="en-US" smtClean="0"/>
-              <a:t>15</a:t>
+              <a:t>17</a:t>
             </a:fld>
             <a:endParaRPr lang="en-US"/>
           </a:p>
@@ -9844,7 +11444,7 @@
 </p:sld>
 </file>
 
-<file path=ppt/slides/slide17.xml><?xml version="1.0" encoding="utf-8"?>
+<file path=ppt/slides/slide19.xml><?xml version="1.0" encoding="utf-8"?>
 <p:sld xmlns:a="http://schemas.openxmlformats.org/drawingml/2006/main" xmlns:r="http://schemas.openxmlformats.org/officeDocument/2006/relationships" xmlns:p="http://schemas.openxmlformats.org/presentationml/2006/main">
   <p:cSld>
     <p:spTree>
@@ -9934,7 +11534,7 @@
           <a:p>
             <a:fld id="{B8AB1F1C-5B97-FA47-A21B-131B164DAC8F}" type="slidenum">
               <a:rPr lang="en-US" smtClean="0"/>
-              <a:t>16</a:t>
+              <a:t>18</a:t>
             </a:fld>
             <a:endParaRPr lang="en-US"/>
           </a:p>
@@ -11478,7 +13078,811 @@
 </p:sld>
 </file>
 
-<file path=ppt/slides/slide18.xml><?xml version="1.0" encoding="utf-8"?>
+<file path=ppt/slides/slide2.xml><?xml version="1.0" encoding="utf-8"?>
+<p:sld xmlns:a="http://schemas.openxmlformats.org/drawingml/2006/main" xmlns:r="http://schemas.openxmlformats.org/officeDocument/2006/relationships" xmlns:p="http://schemas.openxmlformats.org/presentationml/2006/main">
+  <p:cSld>
+    <p:spTree>
+      <p:nvGrpSpPr>
+        <p:cNvPr id="1" name=""/>
+        <p:cNvGrpSpPr/>
+        <p:nvPr/>
+      </p:nvGrpSpPr>
+      <p:grpSpPr>
+        <a:xfrm>
+          <a:off x="0" y="0"/>
+          <a:ext cx="0" cy="0"/>
+          <a:chOff x="0" y="0"/>
+          <a:chExt cx="0" cy="0"/>
+        </a:xfrm>
+      </p:grpSpPr>
+      <p:sp>
+        <p:nvSpPr>
+          <p:cNvPr id="5" name="Google Shape;105;p16">
+            <a:extLst>
+              <a:ext uri="{FF2B5EF4-FFF2-40B4-BE49-F238E27FC236}">
+                <a16:creationId xmlns:a16="http://schemas.microsoft.com/office/drawing/2014/main" id="{2B9DF7B9-0351-334A-AC17-20409DD9D608}"/>
+              </a:ext>
+            </a:extLst>
+          </p:cNvPr>
+          <p:cNvSpPr txBox="1">
+            <a:spLocks/>
+          </p:cNvSpPr>
+          <p:nvPr/>
+        </p:nvSpPr>
+        <p:spPr>
+          <a:xfrm rot="161729">
+            <a:off x="1301681" y="1169209"/>
+            <a:ext cx="9373171" cy="1013519"/>
+          </a:xfrm>
+          <a:prstGeom prst="rect">
+            <a:avLst/>
+          </a:prstGeom>
+        </p:spPr>
+        <p:txBody>
+          <a:bodyPr spcFirstLastPara="1" wrap="square" lIns="121900" tIns="121900" rIns="121900" bIns="121900" anchor="b" anchorCtr="0">
+            <a:noAutofit/>
+          </a:bodyPr>
+          <a:lstStyle>
+            <a:defPPr marR="0" lvl="0" algn="l" rtl="0">
+              <a:lnSpc>
+                <a:spcPct val="100000"/>
+              </a:lnSpc>
+              <a:spcBef>
+                <a:spcPts val="0"/>
+              </a:spcBef>
+              <a:spcAft>
+                <a:spcPts val="0"/>
+              </a:spcAft>
+            </a:defPPr>
+            <a:lvl1pPr marR="0" lvl="0" algn="l" rtl="0" eaLnBrk="1" hangingPunct="1">
+              <a:lnSpc>
+                <a:spcPct val="100000"/>
+              </a:lnSpc>
+              <a:spcBef>
+                <a:spcPts val="0"/>
+              </a:spcBef>
+              <a:spcAft>
+                <a:spcPts val="0"/>
+              </a:spcAft>
+              <a:buClr>
+                <a:srgbClr val="000000"/>
+              </a:buClr>
+              <a:buFont typeface="Arial"/>
+              <a:defRPr sz="1867" b="0" i="0" u="none" strike="noStrike" cap="none">
+                <a:solidFill>
+                  <a:srgbClr val="000000"/>
+                </a:solidFill>
+                <a:latin typeface="Arial"/>
+                <a:ea typeface="Arial"/>
+                <a:cs typeface="Arial"/>
+                <a:sym typeface="Arial"/>
+              </a:defRPr>
+            </a:lvl1pPr>
+            <a:lvl2pPr marR="0" lvl="1" algn="l" rtl="0" eaLnBrk="1" hangingPunct="1">
+              <a:lnSpc>
+                <a:spcPct val="100000"/>
+              </a:lnSpc>
+              <a:spcBef>
+                <a:spcPts val="0"/>
+              </a:spcBef>
+              <a:spcAft>
+                <a:spcPts val="0"/>
+              </a:spcAft>
+              <a:buClr>
+                <a:srgbClr val="000000"/>
+              </a:buClr>
+              <a:buFont typeface="Arial"/>
+              <a:defRPr sz="1867" b="0" i="0" u="none" strike="noStrike" cap="none">
+                <a:solidFill>
+                  <a:srgbClr val="000000"/>
+                </a:solidFill>
+                <a:latin typeface="Arial"/>
+                <a:ea typeface="Arial"/>
+                <a:cs typeface="Arial"/>
+                <a:sym typeface="Arial"/>
+              </a:defRPr>
+            </a:lvl2pPr>
+            <a:lvl3pPr marR="0" lvl="2" algn="l" rtl="0" eaLnBrk="1" hangingPunct="1">
+              <a:lnSpc>
+                <a:spcPct val="100000"/>
+              </a:lnSpc>
+              <a:spcBef>
+                <a:spcPts val="0"/>
+              </a:spcBef>
+              <a:spcAft>
+                <a:spcPts val="0"/>
+              </a:spcAft>
+              <a:buClr>
+                <a:srgbClr val="000000"/>
+              </a:buClr>
+              <a:buFont typeface="Arial"/>
+              <a:defRPr sz="1867" b="0" i="0" u="none" strike="noStrike" cap="none">
+                <a:solidFill>
+                  <a:srgbClr val="000000"/>
+                </a:solidFill>
+                <a:latin typeface="Arial"/>
+                <a:ea typeface="Arial"/>
+                <a:cs typeface="Arial"/>
+                <a:sym typeface="Arial"/>
+              </a:defRPr>
+            </a:lvl3pPr>
+            <a:lvl4pPr marR="0" lvl="3" algn="l" rtl="0" eaLnBrk="1" hangingPunct="1">
+              <a:lnSpc>
+                <a:spcPct val="100000"/>
+              </a:lnSpc>
+              <a:spcBef>
+                <a:spcPts val="0"/>
+              </a:spcBef>
+              <a:spcAft>
+                <a:spcPts val="0"/>
+              </a:spcAft>
+              <a:buClr>
+                <a:srgbClr val="000000"/>
+              </a:buClr>
+              <a:buFont typeface="Arial"/>
+              <a:defRPr sz="1867" b="0" i="0" u="none" strike="noStrike" cap="none">
+                <a:solidFill>
+                  <a:srgbClr val="000000"/>
+                </a:solidFill>
+                <a:latin typeface="Arial"/>
+                <a:ea typeface="Arial"/>
+                <a:cs typeface="Arial"/>
+                <a:sym typeface="Arial"/>
+              </a:defRPr>
+            </a:lvl4pPr>
+            <a:lvl5pPr marR="0" lvl="4" algn="l" rtl="0" eaLnBrk="1" hangingPunct="1">
+              <a:lnSpc>
+                <a:spcPct val="100000"/>
+              </a:lnSpc>
+              <a:spcBef>
+                <a:spcPts val="0"/>
+              </a:spcBef>
+              <a:spcAft>
+                <a:spcPts val="0"/>
+              </a:spcAft>
+              <a:buClr>
+                <a:srgbClr val="000000"/>
+              </a:buClr>
+              <a:buFont typeface="Arial"/>
+              <a:defRPr sz="1867" b="0" i="0" u="none" strike="noStrike" cap="none">
+                <a:solidFill>
+                  <a:srgbClr val="000000"/>
+                </a:solidFill>
+                <a:latin typeface="Arial"/>
+                <a:ea typeface="Arial"/>
+                <a:cs typeface="Arial"/>
+                <a:sym typeface="Arial"/>
+              </a:defRPr>
+            </a:lvl5pPr>
+            <a:lvl6pPr marR="0" lvl="5" algn="l" rtl="0" eaLnBrk="1" hangingPunct="1">
+              <a:lnSpc>
+                <a:spcPct val="100000"/>
+              </a:lnSpc>
+              <a:spcBef>
+                <a:spcPts val="0"/>
+              </a:spcBef>
+              <a:spcAft>
+                <a:spcPts val="0"/>
+              </a:spcAft>
+              <a:buClr>
+                <a:srgbClr val="000000"/>
+              </a:buClr>
+              <a:buFont typeface="Arial"/>
+              <a:defRPr sz="1867" b="0" i="0" u="none" strike="noStrike" cap="none">
+                <a:solidFill>
+                  <a:srgbClr val="000000"/>
+                </a:solidFill>
+                <a:latin typeface="Arial"/>
+                <a:ea typeface="Arial"/>
+                <a:cs typeface="Arial"/>
+                <a:sym typeface="Arial"/>
+              </a:defRPr>
+            </a:lvl6pPr>
+            <a:lvl7pPr marR="0" lvl="6" algn="l" rtl="0" eaLnBrk="1" hangingPunct="1">
+              <a:lnSpc>
+                <a:spcPct val="100000"/>
+              </a:lnSpc>
+              <a:spcBef>
+                <a:spcPts val="0"/>
+              </a:spcBef>
+              <a:spcAft>
+                <a:spcPts val="0"/>
+              </a:spcAft>
+              <a:buClr>
+                <a:srgbClr val="000000"/>
+              </a:buClr>
+              <a:buFont typeface="Arial"/>
+              <a:defRPr sz="1867" b="0" i="0" u="none" strike="noStrike" cap="none">
+                <a:solidFill>
+                  <a:srgbClr val="000000"/>
+                </a:solidFill>
+                <a:latin typeface="Arial"/>
+                <a:ea typeface="Arial"/>
+                <a:cs typeface="Arial"/>
+                <a:sym typeface="Arial"/>
+              </a:defRPr>
+            </a:lvl7pPr>
+            <a:lvl8pPr marR="0" lvl="7" algn="l" rtl="0" eaLnBrk="1" hangingPunct="1">
+              <a:lnSpc>
+                <a:spcPct val="100000"/>
+              </a:lnSpc>
+              <a:spcBef>
+                <a:spcPts val="0"/>
+              </a:spcBef>
+              <a:spcAft>
+                <a:spcPts val="0"/>
+              </a:spcAft>
+              <a:buClr>
+                <a:srgbClr val="000000"/>
+              </a:buClr>
+              <a:buFont typeface="Arial"/>
+              <a:defRPr sz="1867" b="0" i="0" u="none" strike="noStrike" cap="none">
+                <a:solidFill>
+                  <a:srgbClr val="000000"/>
+                </a:solidFill>
+                <a:latin typeface="Arial"/>
+                <a:ea typeface="Arial"/>
+                <a:cs typeface="Arial"/>
+                <a:sym typeface="Arial"/>
+              </a:defRPr>
+            </a:lvl8pPr>
+            <a:lvl9pPr marR="0" lvl="8" algn="l" rtl="0" eaLnBrk="1" hangingPunct="1">
+              <a:lnSpc>
+                <a:spcPct val="100000"/>
+              </a:lnSpc>
+              <a:spcBef>
+                <a:spcPts val="0"/>
+              </a:spcBef>
+              <a:spcAft>
+                <a:spcPts val="0"/>
+              </a:spcAft>
+              <a:buClr>
+                <a:srgbClr val="000000"/>
+              </a:buClr>
+              <a:buFont typeface="Arial"/>
+              <a:defRPr sz="1867" b="0" i="0" u="none" strike="noStrike" cap="none">
+                <a:solidFill>
+                  <a:srgbClr val="000000"/>
+                </a:solidFill>
+                <a:latin typeface="Arial"/>
+                <a:ea typeface="Arial"/>
+                <a:cs typeface="Arial"/>
+                <a:sym typeface="Arial"/>
+              </a:defRPr>
+            </a:lvl9pPr>
+          </a:lstStyle>
+          <a:p>
+            <a:r>
+              <a:rPr lang="en-US" sz="4000" dirty="0">
+                <a:latin typeface="Bangers" pitchFamily="2" charset="77"/>
+              </a:rPr>
+              <a:t>In a nutshell</a:t>
+            </a:r>
+          </a:p>
+        </p:txBody>
+      </p:sp>
+      <p:sp>
+        <p:nvSpPr>
+          <p:cNvPr id="6" name="Google Shape;106;p16">
+            <a:extLst>
+              <a:ext uri="{FF2B5EF4-FFF2-40B4-BE49-F238E27FC236}">
+                <a16:creationId xmlns:a16="http://schemas.microsoft.com/office/drawing/2014/main" id="{2895F2F4-42CF-2C4C-8253-78001E4621D4}"/>
+              </a:ext>
+            </a:extLst>
+          </p:cNvPr>
+          <p:cNvSpPr txBox="1">
+            <a:spLocks/>
+          </p:cNvSpPr>
+          <p:nvPr/>
+        </p:nvSpPr>
+        <p:spPr>
+          <a:xfrm>
+            <a:off x="1402733" y="2061267"/>
+            <a:ext cx="9290800" cy="3939483"/>
+          </a:xfrm>
+          <a:prstGeom prst="rect">
+            <a:avLst/>
+          </a:prstGeom>
+          <a:noFill/>
+          <a:ln>
+            <a:noFill/>
+          </a:ln>
+        </p:spPr>
+        <p:txBody>
+          <a:bodyPr spcFirstLastPara="1" wrap="square" lIns="121900" tIns="121900" rIns="121900" bIns="121900" anchor="t" anchorCtr="0">
+            <a:noAutofit/>
+          </a:bodyPr>
+          <a:lstStyle>
+            <a:defPPr marR="0" lvl="0" algn="l" rtl="0">
+              <a:lnSpc>
+                <a:spcPct val="100000"/>
+              </a:lnSpc>
+              <a:spcBef>
+                <a:spcPts val="0"/>
+              </a:spcBef>
+              <a:spcAft>
+                <a:spcPts val="0"/>
+              </a:spcAft>
+            </a:defPPr>
+            <a:lvl1pPr marL="609585" marR="0" lvl="0" indent="-304792" algn="ctr" rtl="0" eaLnBrk="1" hangingPunct="1">
+              <a:lnSpc>
+                <a:spcPct val="100000"/>
+              </a:lnSpc>
+              <a:spcBef>
+                <a:spcPts val="480"/>
+              </a:spcBef>
+              <a:spcAft>
+                <a:spcPts val="0"/>
+              </a:spcAft>
+              <a:buClr>
+                <a:schemeClr val="dk1"/>
+              </a:buClr>
+              <a:buSzPts val="1400"/>
+              <a:buFont typeface="Sniglet"/>
+              <a:buNone/>
+              <a:defRPr sz="1867" b="0" i="0" u="none" strike="noStrike" cap="none">
+                <a:solidFill>
+                  <a:schemeClr val="dk1"/>
+                </a:solidFill>
+                <a:latin typeface="Sniglet"/>
+                <a:ea typeface="Sniglet"/>
+                <a:cs typeface="Sniglet"/>
+                <a:sym typeface="Sniglet"/>
+              </a:defRPr>
+            </a:lvl1pPr>
+            <a:lvl2pPr marL="914400" marR="0" lvl="1" indent="-381000" algn="l" rtl="0" eaLnBrk="1" hangingPunct="1">
+              <a:lnSpc>
+                <a:spcPct val="100000"/>
+              </a:lnSpc>
+              <a:spcBef>
+                <a:spcPts val="0"/>
+              </a:spcBef>
+              <a:spcAft>
+                <a:spcPts val="0"/>
+              </a:spcAft>
+              <a:buClr>
+                <a:schemeClr val="dk1"/>
+              </a:buClr>
+              <a:buSzPts val="2400"/>
+              <a:buFont typeface="Sniglet"/>
+              <a:buChar char="×"/>
+              <a:defRPr sz="2400" b="0" i="0" u="none" strike="noStrike" cap="none">
+                <a:solidFill>
+                  <a:schemeClr val="dk1"/>
+                </a:solidFill>
+                <a:latin typeface="Sniglet"/>
+                <a:ea typeface="Sniglet"/>
+                <a:cs typeface="Sniglet"/>
+                <a:sym typeface="Sniglet"/>
+              </a:defRPr>
+            </a:lvl2pPr>
+            <a:lvl3pPr marL="1371600" marR="0" lvl="2" indent="-381000" algn="l" rtl="0" eaLnBrk="1" hangingPunct="1">
+              <a:lnSpc>
+                <a:spcPct val="100000"/>
+              </a:lnSpc>
+              <a:spcBef>
+                <a:spcPts val="0"/>
+              </a:spcBef>
+              <a:spcAft>
+                <a:spcPts val="0"/>
+              </a:spcAft>
+              <a:buClr>
+                <a:schemeClr val="dk1"/>
+              </a:buClr>
+              <a:buSzPts val="2400"/>
+              <a:buFont typeface="Sniglet"/>
+              <a:buChar char="×"/>
+              <a:defRPr sz="2400" b="0" i="0" u="none" strike="noStrike" cap="none">
+                <a:solidFill>
+                  <a:schemeClr val="dk1"/>
+                </a:solidFill>
+                <a:latin typeface="Sniglet"/>
+                <a:ea typeface="Sniglet"/>
+                <a:cs typeface="Sniglet"/>
+                <a:sym typeface="Sniglet"/>
+              </a:defRPr>
+            </a:lvl3pPr>
+            <a:lvl4pPr marL="1828800" marR="0" lvl="3" indent="-342900" algn="l" rtl="0" eaLnBrk="1" hangingPunct="1">
+              <a:lnSpc>
+                <a:spcPct val="100000"/>
+              </a:lnSpc>
+              <a:spcBef>
+                <a:spcPts val="0"/>
+              </a:spcBef>
+              <a:spcAft>
+                <a:spcPts val="0"/>
+              </a:spcAft>
+              <a:buClr>
+                <a:schemeClr val="dk1"/>
+              </a:buClr>
+              <a:buSzPts val="1800"/>
+              <a:buFont typeface="Sniglet"/>
+              <a:buChar char="×"/>
+              <a:defRPr sz="1800" b="0" i="0" u="none" strike="noStrike" cap="none">
+                <a:solidFill>
+                  <a:schemeClr val="dk1"/>
+                </a:solidFill>
+                <a:latin typeface="Sniglet"/>
+                <a:ea typeface="Sniglet"/>
+                <a:cs typeface="Sniglet"/>
+                <a:sym typeface="Sniglet"/>
+              </a:defRPr>
+            </a:lvl4pPr>
+            <a:lvl5pPr marL="2286000" marR="0" lvl="4" indent="-342900" algn="l" rtl="0" eaLnBrk="1" hangingPunct="1">
+              <a:lnSpc>
+                <a:spcPct val="100000"/>
+              </a:lnSpc>
+              <a:spcBef>
+                <a:spcPts val="0"/>
+              </a:spcBef>
+              <a:spcAft>
+                <a:spcPts val="0"/>
+              </a:spcAft>
+              <a:buClr>
+                <a:schemeClr val="dk1"/>
+              </a:buClr>
+              <a:buSzPts val="1800"/>
+              <a:buFont typeface="Sniglet"/>
+              <a:buChar char="×"/>
+              <a:defRPr sz="1800" b="0" i="0" u="none" strike="noStrike" cap="none">
+                <a:solidFill>
+                  <a:schemeClr val="dk1"/>
+                </a:solidFill>
+                <a:latin typeface="Sniglet"/>
+                <a:ea typeface="Sniglet"/>
+                <a:cs typeface="Sniglet"/>
+                <a:sym typeface="Sniglet"/>
+              </a:defRPr>
+            </a:lvl5pPr>
+            <a:lvl6pPr marL="2743200" marR="0" lvl="5" indent="-342900" algn="l" rtl="0" eaLnBrk="1" hangingPunct="1">
+              <a:lnSpc>
+                <a:spcPct val="100000"/>
+              </a:lnSpc>
+              <a:spcBef>
+                <a:spcPts val="0"/>
+              </a:spcBef>
+              <a:spcAft>
+                <a:spcPts val="0"/>
+              </a:spcAft>
+              <a:buClr>
+                <a:schemeClr val="dk1"/>
+              </a:buClr>
+              <a:buSzPts val="1800"/>
+              <a:buFont typeface="Sniglet"/>
+              <a:buChar char="×"/>
+              <a:defRPr sz="1800" b="0" i="0" u="none" strike="noStrike" cap="none">
+                <a:solidFill>
+                  <a:schemeClr val="dk1"/>
+                </a:solidFill>
+                <a:latin typeface="Sniglet"/>
+                <a:ea typeface="Sniglet"/>
+                <a:cs typeface="Sniglet"/>
+                <a:sym typeface="Sniglet"/>
+              </a:defRPr>
+            </a:lvl6pPr>
+            <a:lvl7pPr marL="3200400" marR="0" lvl="6" indent="-342900" algn="l" rtl="0" eaLnBrk="1" hangingPunct="1">
+              <a:lnSpc>
+                <a:spcPct val="100000"/>
+              </a:lnSpc>
+              <a:spcBef>
+                <a:spcPts val="0"/>
+              </a:spcBef>
+              <a:spcAft>
+                <a:spcPts val="0"/>
+              </a:spcAft>
+              <a:buClr>
+                <a:schemeClr val="dk1"/>
+              </a:buClr>
+              <a:buSzPts val="1800"/>
+              <a:buFont typeface="Sniglet"/>
+              <a:buChar char="×"/>
+              <a:defRPr sz="1800" b="0" i="0" u="none" strike="noStrike" cap="none">
+                <a:solidFill>
+                  <a:schemeClr val="dk1"/>
+                </a:solidFill>
+                <a:latin typeface="Sniglet"/>
+                <a:ea typeface="Sniglet"/>
+                <a:cs typeface="Sniglet"/>
+                <a:sym typeface="Sniglet"/>
+              </a:defRPr>
+            </a:lvl7pPr>
+            <a:lvl8pPr marL="3657600" marR="0" lvl="7" indent="-342900" algn="l" rtl="0" eaLnBrk="1" hangingPunct="1">
+              <a:lnSpc>
+                <a:spcPct val="100000"/>
+              </a:lnSpc>
+              <a:spcBef>
+                <a:spcPts val="0"/>
+              </a:spcBef>
+              <a:spcAft>
+                <a:spcPts val="0"/>
+              </a:spcAft>
+              <a:buClr>
+                <a:schemeClr val="dk1"/>
+              </a:buClr>
+              <a:buSzPts val="1800"/>
+              <a:buFont typeface="Sniglet"/>
+              <a:buChar char="×"/>
+              <a:defRPr sz="1800" b="0" i="0" u="none" strike="noStrike" cap="none">
+                <a:solidFill>
+                  <a:schemeClr val="dk1"/>
+                </a:solidFill>
+                <a:latin typeface="Sniglet"/>
+                <a:ea typeface="Sniglet"/>
+                <a:cs typeface="Sniglet"/>
+                <a:sym typeface="Sniglet"/>
+              </a:defRPr>
+            </a:lvl8pPr>
+            <a:lvl9pPr marL="4114800" marR="0" lvl="8" indent="-342900" algn="l" rtl="0" eaLnBrk="1" hangingPunct="1">
+              <a:lnSpc>
+                <a:spcPct val="100000"/>
+              </a:lnSpc>
+              <a:spcBef>
+                <a:spcPts val="0"/>
+              </a:spcBef>
+              <a:spcAft>
+                <a:spcPts val="0"/>
+              </a:spcAft>
+              <a:buClr>
+                <a:schemeClr val="dk1"/>
+              </a:buClr>
+              <a:buSzPts val="1800"/>
+              <a:buFont typeface="Sniglet"/>
+              <a:buChar char="×"/>
+              <a:defRPr sz="1800" b="0" i="0" u="none" strike="noStrike" cap="none">
+                <a:solidFill>
+                  <a:schemeClr val="dk1"/>
+                </a:solidFill>
+                <a:latin typeface="Sniglet"/>
+                <a:ea typeface="Sniglet"/>
+                <a:cs typeface="Sniglet"/>
+                <a:sym typeface="Sniglet"/>
+              </a:defRPr>
+            </a:lvl9pPr>
+          </a:lstStyle>
+          <a:p>
+            <a:pPr indent="-507987" algn="l">
+              <a:buSzPts val="2400"/>
+              <a:buFont typeface="Arial" panose="020B0604020202020204" pitchFamily="34" charset="0"/>
+              <a:buChar char="•"/>
+            </a:pPr>
+            <a:r>
+              <a:rPr lang="en-US" sz="2400" dirty="0"/>
+              <a:t>Course website (slides, assignments): </a:t>
+            </a:r>
+            <a:r>
+              <a:rPr lang="en-US" sz="1800" dirty="0">
+                <a:solidFill>
+                  <a:schemeClr val="accent6"/>
+                </a:solidFill>
+                <a:hlinkClick r:id="rId3">
+                  <a:extLst>
+                    <a:ext uri="{A12FA001-AC4F-418D-AE19-62706E023703}">
+                      <ahyp:hlinkClr xmlns:ahyp="http://schemas.microsoft.com/office/drawing/2018/hyperlinkcolor" val="tx"/>
+                    </a:ext>
+                  </a:extLst>
+                </a:hlinkClick>
+              </a:rPr>
+              <a:t>https://www.tiffanybao.com/courses/cse545/</a:t>
+            </a:r>
+            <a:endParaRPr lang="en-US" sz="1800" dirty="0">
+              <a:solidFill>
+                <a:schemeClr val="accent6"/>
+              </a:solidFill>
+            </a:endParaRPr>
+          </a:p>
+          <a:p>
+            <a:pPr indent="-507987" algn="l">
+              <a:buSzPts val="2400"/>
+              <a:buFont typeface="Arial" panose="020B0604020202020204" pitchFamily="34" charset="0"/>
+              <a:buChar char="•"/>
+            </a:pPr>
+            <a:r>
+              <a:rPr lang="en-US" sz="2400" dirty="0"/>
+              <a:t>Course videos: </a:t>
+            </a:r>
+            <a:r>
+              <a:rPr lang="en-US" sz="1800" dirty="0">
+                <a:solidFill>
+                  <a:schemeClr val="accent6"/>
+                </a:solidFill>
+                <a:hlinkClick r:id="rId4">
+                  <a:extLst>
+                    <a:ext uri="{A12FA001-AC4F-418D-AE19-62706E023703}">
+                      <ahyp:hlinkClr xmlns:ahyp="http://schemas.microsoft.com/office/drawing/2018/hyperlinkcolor" val="tx"/>
+                    </a:ext>
+                  </a:extLst>
+                </a:hlinkClick>
+              </a:rPr>
+              <a:t>https://www.youtube.com/playlist?list=PLV4Dfls5jUgxGIyUVFi2Jy-mTGEMzadQi</a:t>
+            </a:r>
+            <a:endParaRPr lang="en-US" sz="1800" dirty="0">
+              <a:solidFill>
+                <a:schemeClr val="accent6"/>
+              </a:solidFill>
+            </a:endParaRPr>
+          </a:p>
+          <a:p>
+            <a:pPr indent="-507987" algn="l">
+              <a:buSzPts val="2400"/>
+              <a:buFont typeface="Arial" panose="020B0604020202020204" pitchFamily="34" charset="0"/>
+              <a:buChar char="•"/>
+            </a:pPr>
+            <a:r>
+              <a:rPr lang="en-US" sz="2400" dirty="0">
+                <a:solidFill>
+                  <a:schemeClr val="tx1"/>
+                </a:solidFill>
+              </a:rPr>
+              <a:t>Slack (announcements, Q&amp;A): </a:t>
+            </a:r>
+            <a:r>
+              <a:rPr lang="en-US" sz="1800" dirty="0">
+                <a:solidFill>
+                  <a:schemeClr val="accent6"/>
+                </a:solidFill>
+                <a:hlinkClick r:id="rId5">
+                  <a:extLst>
+                    <a:ext uri="{A12FA001-AC4F-418D-AE19-62706E023703}">
+                      <ahyp:hlinkClr xmlns:ahyp="http://schemas.microsoft.com/office/drawing/2018/hyperlinkcolor" val="tx"/>
+                    </a:ext>
+                  </a:extLst>
+                </a:hlinkClick>
+              </a:rPr>
+              <a:t>https://join.slack.com/t/newworkspace-tko7628/shared_invite/zt-gmelmngl-cQDTCczGQlor3mpf~EsAqw</a:t>
+            </a:r>
+            <a:endParaRPr lang="en-US" sz="1800" dirty="0">
+              <a:solidFill>
+                <a:schemeClr val="accent6"/>
+              </a:solidFill>
+            </a:endParaRPr>
+          </a:p>
+          <a:p>
+            <a:pPr indent="-507987" algn="l">
+              <a:buSzPts val="2400"/>
+              <a:buFont typeface="Arial" panose="020B0604020202020204" pitchFamily="34" charset="0"/>
+              <a:buChar char="•"/>
+            </a:pPr>
+            <a:r>
+              <a:rPr lang="en-US" sz="2400" dirty="0">
+                <a:solidFill>
+                  <a:schemeClr val="tx1"/>
+                </a:solidFill>
+              </a:rPr>
+              <a:t>Class: </a:t>
+            </a:r>
+            <a:r>
+              <a:rPr lang="en-US" dirty="0">
+                <a:solidFill>
+                  <a:schemeClr val="accent6"/>
+                </a:solidFill>
+                <a:hlinkClick r:id="rId6">
+                  <a:extLst>
+                    <a:ext uri="{A12FA001-AC4F-418D-AE19-62706E023703}">
+                      <ahyp:hlinkClr xmlns:ahyp="http://schemas.microsoft.com/office/drawing/2018/hyperlinkcolor" val="tx"/>
+                    </a:ext>
+                  </a:extLst>
+                </a:hlinkClick>
+              </a:rPr>
+              <a:t>https://</a:t>
+            </a:r>
+            <a:r>
+              <a:rPr lang="en-US" dirty="0" err="1">
+                <a:solidFill>
+                  <a:schemeClr val="accent6"/>
+                </a:solidFill>
+                <a:hlinkClick r:id="rId6">
+                  <a:extLst>
+                    <a:ext uri="{A12FA001-AC4F-418D-AE19-62706E023703}">
+                      <ahyp:hlinkClr xmlns:ahyp="http://schemas.microsoft.com/office/drawing/2018/hyperlinkcolor" val="tx"/>
+                    </a:ext>
+                  </a:extLst>
+                </a:hlinkClick>
+              </a:rPr>
+              <a:t>asu.zoom.us</a:t>
+            </a:r>
+            <a:r>
+              <a:rPr lang="en-US" dirty="0">
+                <a:solidFill>
+                  <a:schemeClr val="accent6"/>
+                </a:solidFill>
+                <a:hlinkClick r:id="rId6">
+                  <a:extLst>
+                    <a:ext uri="{A12FA001-AC4F-418D-AE19-62706E023703}">
+                      <ahyp:hlinkClr xmlns:ahyp="http://schemas.microsoft.com/office/drawing/2018/hyperlinkcolor" val="tx"/>
+                    </a:ext>
+                  </a:extLst>
+                </a:hlinkClick>
+              </a:rPr>
+              <a:t>/j/99205624037</a:t>
+            </a:r>
+            <a:endParaRPr lang="en-US" sz="2400" dirty="0">
+              <a:solidFill>
+                <a:schemeClr val="accent6"/>
+              </a:solidFill>
+            </a:endParaRPr>
+          </a:p>
+          <a:p>
+            <a:pPr indent="-507987" algn="l">
+              <a:buSzPts val="2400"/>
+              <a:buFont typeface="Arial" panose="020B0604020202020204" pitchFamily="34" charset="0"/>
+              <a:buChar char="•"/>
+            </a:pPr>
+            <a:r>
+              <a:rPr lang="en-US" sz="2400" dirty="0">
+                <a:solidFill>
+                  <a:schemeClr val="tx1"/>
+                </a:solidFill>
+              </a:rPr>
+              <a:t>Office Hours: </a:t>
+            </a:r>
+            <a:r>
+              <a:rPr lang="en-US" dirty="0">
+                <a:solidFill>
+                  <a:schemeClr val="accent6"/>
+                </a:solidFill>
+                <a:hlinkClick r:id="rId7">
+                  <a:extLst>
+                    <a:ext uri="{A12FA001-AC4F-418D-AE19-62706E023703}">
+                      <ahyp:hlinkClr xmlns:ahyp="http://schemas.microsoft.com/office/drawing/2018/hyperlinkcolor" val="tx"/>
+                    </a:ext>
+                  </a:extLst>
+                </a:hlinkClick>
+              </a:rPr>
+              <a:t>https://asu.zoom.us/j/99084307002</a:t>
+            </a:r>
+            <a:endParaRPr lang="en-US" dirty="0">
+              <a:solidFill>
+                <a:schemeClr val="accent6"/>
+              </a:solidFill>
+            </a:endParaRPr>
+          </a:p>
+          <a:p>
+            <a:pPr indent="-507987" algn="l">
+              <a:buSzPts val="2400"/>
+              <a:buFont typeface="Arial" panose="020B0604020202020204" pitchFamily="34" charset="0"/>
+              <a:buChar char="•"/>
+            </a:pPr>
+            <a:endParaRPr lang="en-US" sz="2400" dirty="0">
+              <a:solidFill>
+                <a:schemeClr val="tx1"/>
+              </a:solidFill>
+            </a:endParaRPr>
+          </a:p>
+          <a:p>
+            <a:pPr indent="-507987" algn="l">
+              <a:buSzPts val="2400"/>
+              <a:buFont typeface="Arial" panose="020B0604020202020204" pitchFamily="34" charset="0"/>
+              <a:buChar char="•"/>
+            </a:pPr>
+            <a:endParaRPr lang="en-US" sz="2400" dirty="0"/>
+          </a:p>
+          <a:p>
+            <a:pPr indent="-507987" algn="l">
+              <a:buSzPts val="2400"/>
+              <a:buFont typeface="Arial" panose="020B0604020202020204" pitchFamily="34" charset="0"/>
+              <a:buChar char="•"/>
+            </a:pPr>
+            <a:endParaRPr lang="en-US" sz="2400" dirty="0"/>
+          </a:p>
+        </p:txBody>
+      </p:sp>
+    </p:spTree>
+    <p:extLst>
+      <p:ext uri="{BB962C8B-B14F-4D97-AF65-F5344CB8AC3E}">
+        <p14:creationId xmlns:p14="http://schemas.microsoft.com/office/powerpoint/2010/main" val="3566508611"/>
+      </p:ext>
+    </p:extLst>
+  </p:cSld>
+  <p:clrMapOvr>
+    <a:masterClrMapping/>
+  </p:clrMapOvr>
+  <p:transition>
+    <p:fade thruBlk="1"/>
+  </p:transition>
+</p:sld>
+</file>
+
+<file path=ppt/slides/slide20.xml><?xml version="1.0" encoding="utf-8"?>
 <p:sld xmlns:a="http://schemas.openxmlformats.org/drawingml/2006/main" xmlns:r="http://schemas.openxmlformats.org/officeDocument/2006/relationships" xmlns:p="http://schemas.openxmlformats.org/presentationml/2006/main">
   <p:cSld>
     <p:spTree>
@@ -11641,7 +14045,7 @@
           <a:p>
             <a:fld id="{B8AB1F1C-5B97-FA47-A21B-131B164DAC8F}" type="slidenum">
               <a:rPr lang="en-US" smtClean="0"/>
-              <a:t>17</a:t>
+              <a:t>19</a:t>
             </a:fld>
             <a:endParaRPr lang="en-US"/>
           </a:p>
@@ -11854,7 +14258,7 @@
 </p:sld>
 </file>
 
-<file path=ppt/slides/slide19.xml><?xml version="1.0" encoding="utf-8"?>
+<file path=ppt/slides/slide21.xml><?xml version="1.0" encoding="utf-8"?>
 <p:sld xmlns:a="http://schemas.openxmlformats.org/drawingml/2006/main" xmlns:r="http://schemas.openxmlformats.org/officeDocument/2006/relationships" xmlns:p="http://schemas.openxmlformats.org/presentationml/2006/main">
   <p:cSld>
     <p:spTree>
@@ -11919,7 +14323,7 @@
           <a:p>
             <a:fld id="{B8AB1F1C-5B97-FA47-A21B-131B164DAC8F}" type="slidenum">
               <a:rPr lang="en-US" smtClean="0"/>
-              <a:t>18</a:t>
+              <a:t>20</a:t>
             </a:fld>
             <a:endParaRPr lang="en-US"/>
           </a:p>
@@ -12346,138 +14750,7 @@
 </p:sld>
 </file>
 
-<file path=ppt/slides/slide2.xml><?xml version="1.0" encoding="utf-8"?>
-<p:sld xmlns:a="http://schemas.openxmlformats.org/drawingml/2006/main" xmlns:r="http://schemas.openxmlformats.org/officeDocument/2006/relationships" xmlns:p="http://schemas.openxmlformats.org/presentationml/2006/main">
-  <p:cSld>
-    <p:spTree>
-      <p:nvGrpSpPr>
-        <p:cNvPr id="1" name=""/>
-        <p:cNvGrpSpPr/>
-        <p:nvPr/>
-      </p:nvGrpSpPr>
-      <p:grpSpPr>
-        <a:xfrm>
-          <a:off x="0" y="0"/>
-          <a:ext cx="0" cy="0"/>
-          <a:chOff x="0" y="0"/>
-          <a:chExt cx="0" cy="0"/>
-        </a:xfrm>
-      </p:grpSpPr>
-      <p:sp>
-        <p:nvSpPr>
-          <p:cNvPr id="3" name="Title 2">
-            <a:extLst>
-              <a:ext uri="{FF2B5EF4-FFF2-40B4-BE49-F238E27FC236}">
-                <a16:creationId xmlns:a16="http://schemas.microsoft.com/office/drawing/2014/main" id="{08CA16F6-2598-2C49-AB54-B5AE3A6E781A}"/>
-              </a:ext>
-            </a:extLst>
-          </p:cNvPr>
-          <p:cNvSpPr>
-            <a:spLocks noGrp="1"/>
-          </p:cNvSpPr>
-          <p:nvPr>
-            <p:ph type="title"/>
-          </p:nvPr>
-        </p:nvSpPr>
-        <p:spPr/>
-        <p:txBody>
-          <a:bodyPr/>
-          <a:lstStyle/>
-          <a:p>
-            <a:r>
-              <a:rPr lang="en-US" dirty="0"/>
-              <a:t>Binary</a:t>
-            </a:r>
-          </a:p>
-        </p:txBody>
-      </p:sp>
-      <p:sp>
-        <p:nvSpPr>
-          <p:cNvPr id="4" name="Text Placeholder 3">
-            <a:extLst>
-              <a:ext uri="{FF2B5EF4-FFF2-40B4-BE49-F238E27FC236}">
-                <a16:creationId xmlns:a16="http://schemas.microsoft.com/office/drawing/2014/main" id="{2B0FD484-B2C8-024E-A2F3-FD97DB69C93E}"/>
-              </a:ext>
-            </a:extLst>
-          </p:cNvPr>
-          <p:cNvSpPr>
-            <a:spLocks noGrp="1"/>
-          </p:cNvSpPr>
-          <p:nvPr>
-            <p:ph type="body" idx="1"/>
-          </p:nvPr>
-        </p:nvSpPr>
-        <p:spPr>
-          <a:xfrm>
-            <a:off x="1402733" y="2679404"/>
-            <a:ext cx="9290766" cy="3229225"/>
-          </a:xfrm>
-        </p:spPr>
-        <p:txBody>
-          <a:bodyPr/>
-          <a:lstStyle/>
-          <a:p>
-            <a:pPr marL="50799" indent="0" algn="ctr">
-              <a:buNone/>
-            </a:pPr>
-            <a:r>
-              <a:rPr lang="en-US" sz="9600" dirty="0"/>
-              <a:t>0              1</a:t>
-            </a:r>
-          </a:p>
-        </p:txBody>
-      </p:sp>
-      <p:sp>
-        <p:nvSpPr>
-          <p:cNvPr id="5" name="Slide Number Placeholder 4">
-            <a:extLst>
-              <a:ext uri="{FF2B5EF4-FFF2-40B4-BE49-F238E27FC236}">
-                <a16:creationId xmlns:a16="http://schemas.microsoft.com/office/drawing/2014/main" id="{26BCB388-5907-974B-91DB-FDBC26D19F82}"/>
-              </a:ext>
-            </a:extLst>
-          </p:cNvPr>
-          <p:cNvSpPr>
-            <a:spLocks noGrp="1"/>
-          </p:cNvSpPr>
-          <p:nvPr>
-            <p:ph type="sldNum" idx="12"/>
-          </p:nvPr>
-        </p:nvSpPr>
-        <p:spPr/>
-        <p:txBody>
-          <a:bodyPr/>
-          <a:lstStyle/>
-          <a:p>
-            <a:fld id="{B8AB1F1C-5B97-FA47-A21B-131B164DAC8F}" type="slidenum">
-              <a:rPr lang="en-US" smtClean="0"/>
-              <a:t>1</a:t>
-            </a:fld>
-            <a:endParaRPr lang="en-US"/>
-          </a:p>
-        </p:txBody>
-      </p:sp>
-    </p:spTree>
-    <p:extLst>
-      <p:ext uri="{BB962C8B-B14F-4D97-AF65-F5344CB8AC3E}">
-        <p14:creationId xmlns:p14="http://schemas.microsoft.com/office/powerpoint/2010/main" val="3399419535"/>
-      </p:ext>
-    </p:extLst>
-  </p:cSld>
-  <p:clrMapOvr>
-    <a:masterClrMapping/>
-  </p:clrMapOvr>
-  <mc:AlternateContent xmlns:mc="http://schemas.openxmlformats.org/markup-compatibility/2006">
-    <mc:Choice xmlns:p14="http://schemas.microsoft.com/office/powerpoint/2010/main" Requires="p14">
-      <p:transition p14:dur="0"/>
-    </mc:Choice>
-    <mc:Fallback>
-      <p:transition/>
-    </mc:Fallback>
-  </mc:AlternateContent>
-</p:sld>
-</file>
-
-<file path=ppt/slides/slide20.xml><?xml version="1.0" encoding="utf-8"?>
+<file path=ppt/slides/slide22.xml><?xml version="1.0" encoding="utf-8"?>
 <p:sld xmlns:a="http://schemas.openxmlformats.org/drawingml/2006/main" xmlns:r="http://schemas.openxmlformats.org/officeDocument/2006/relationships" xmlns:p="http://schemas.openxmlformats.org/presentationml/2006/main">
   <p:cSld>
     <p:spTree>
@@ -12545,7 +14818,7 @@
           <a:p>
             <a:fld id="{B8AB1F1C-5B97-FA47-A21B-131B164DAC8F}" type="slidenum">
               <a:rPr lang="en-US" smtClean="0"/>
-              <a:t>19</a:t>
+              <a:t>21</a:t>
             </a:fld>
             <a:endParaRPr lang="en-US"/>
           </a:p>
@@ -12952,7 +15225,7 @@
 </p:sld>
 </file>
 
-<file path=ppt/slides/slide21.xml><?xml version="1.0" encoding="utf-8"?>
+<file path=ppt/slides/slide23.xml><?xml version="1.0" encoding="utf-8"?>
 <p:sld xmlns:a="http://schemas.openxmlformats.org/drawingml/2006/main" xmlns:r="http://schemas.openxmlformats.org/officeDocument/2006/relationships" xmlns:p="http://schemas.openxmlformats.org/presentationml/2006/main">
   <p:cSld>
     <p:spTree>
@@ -13025,7 +15298,7 @@
           <a:p>
             <a:fld id="{B8AB1F1C-5B97-FA47-A21B-131B164DAC8F}" type="slidenum">
               <a:rPr lang="en-US" smtClean="0"/>
-              <a:t>20</a:t>
+              <a:t>22</a:t>
             </a:fld>
             <a:endParaRPr lang="en-US"/>
           </a:p>
@@ -13579,7 +15852,7 @@
 </p:sld>
 </file>
 
-<file path=ppt/slides/slide22.xml><?xml version="1.0" encoding="utf-8"?>
+<file path=ppt/slides/slide24.xml><?xml version="1.0" encoding="utf-8"?>
 <p:sld xmlns:a="http://schemas.openxmlformats.org/drawingml/2006/main" xmlns:r="http://schemas.openxmlformats.org/officeDocument/2006/relationships" xmlns:p="http://schemas.openxmlformats.org/presentationml/2006/main">
   <p:cSld>
     <p:spTree>
@@ -13647,7 +15920,7 @@
           <a:p>
             <a:fld id="{B8AB1F1C-5B97-FA47-A21B-131B164DAC8F}" type="slidenum">
               <a:rPr lang="en-US" smtClean="0"/>
-              <a:t>21</a:t>
+              <a:t>23</a:t>
             </a:fld>
             <a:endParaRPr lang="en-US"/>
           </a:p>
@@ -13847,7 +16120,7 @@
 </p:sld>
 </file>
 
-<file path=ppt/slides/slide23.xml><?xml version="1.0" encoding="utf-8"?>
+<file path=ppt/slides/slide25.xml><?xml version="1.0" encoding="utf-8"?>
 <p:sld xmlns:a="http://schemas.openxmlformats.org/drawingml/2006/main" xmlns:r="http://schemas.openxmlformats.org/officeDocument/2006/relationships" xmlns:p="http://schemas.openxmlformats.org/presentationml/2006/main">
   <p:cSld>
     <p:spTree>
@@ -13915,7 +16188,7 @@
           <a:p>
             <a:fld id="{B8AB1F1C-5B97-FA47-A21B-131B164DAC8F}" type="slidenum">
               <a:rPr lang="en-US" smtClean="0"/>
-              <a:t>22</a:t>
+              <a:t>24</a:t>
             </a:fld>
             <a:endParaRPr lang="en-US"/>
           </a:p>
@@ -14120,7 +16393,7 @@
 </p:sld>
 </file>
 
-<file path=ppt/slides/slide24.xml><?xml version="1.0" encoding="utf-8"?>
+<file path=ppt/slides/slide26.xml><?xml version="1.0" encoding="utf-8"?>
 <p:sld xmlns:a="http://schemas.openxmlformats.org/drawingml/2006/main" xmlns:r="http://schemas.openxmlformats.org/officeDocument/2006/relationships" xmlns:p="http://schemas.openxmlformats.org/presentationml/2006/main">
   <p:cSld>
     <p:spTree>
@@ -14188,7 +16461,7 @@
           <a:p>
             <a:fld id="{B8AB1F1C-5B97-FA47-A21B-131B164DAC8F}" type="slidenum">
               <a:rPr lang="en-US" smtClean="0"/>
-              <a:t>23</a:t>
+              <a:t>25</a:t>
             </a:fld>
             <a:endParaRPr lang="en-US"/>
           </a:p>
@@ -14417,7 +16690,7 @@
 </p:sld>
 </file>
 
-<file path=ppt/slides/slide25.xml><?xml version="1.0" encoding="utf-8"?>
+<file path=ppt/slides/slide27.xml><?xml version="1.0" encoding="utf-8"?>
 <p:sld xmlns:a="http://schemas.openxmlformats.org/drawingml/2006/main" xmlns:r="http://schemas.openxmlformats.org/officeDocument/2006/relationships" xmlns:p="http://schemas.openxmlformats.org/presentationml/2006/main">
   <p:cSld>
     <p:spTree>
@@ -14531,7 +16804,7 @@
           <a:p>
             <a:fld id="{B8AB1F1C-5B97-FA47-A21B-131B164DAC8F}" type="slidenum">
               <a:rPr lang="en-US" smtClean="0"/>
-              <a:t>24</a:t>
+              <a:t>26</a:t>
             </a:fld>
             <a:endParaRPr lang="en-US"/>
           </a:p>
@@ -14553,7 +16826,7 @@
 </p:sld>
 </file>
 
-<file path=ppt/slides/slide26.xml><?xml version="1.0" encoding="utf-8"?>
+<file path=ppt/slides/slide28.xml><?xml version="1.0" encoding="utf-8"?>
 <p:sld xmlns:a="http://schemas.openxmlformats.org/drawingml/2006/main" xmlns:r="http://schemas.openxmlformats.org/officeDocument/2006/relationships" xmlns:p="http://schemas.openxmlformats.org/presentationml/2006/main">
   <p:cSld>
     <p:spTree>
@@ -14715,7 +16988,7 @@
           <a:p>
             <a:fld id="{B8AB1F1C-5B97-FA47-A21B-131B164DAC8F}" type="slidenum">
               <a:rPr lang="en-US" smtClean="0"/>
-              <a:t>25</a:t>
+              <a:t>27</a:t>
             </a:fld>
             <a:endParaRPr lang="en-US"/>
           </a:p>
@@ -14737,7 +17010,923 @@
 </p:sld>
 </file>
 
-<file path=ppt/slides/slide27.xml><?xml version="1.0" encoding="utf-8"?>
+<file path=ppt/slides/slide29.xml><?xml version="1.0" encoding="utf-8"?>
+<p:sld xmlns:a="http://schemas.openxmlformats.org/drawingml/2006/main" xmlns:r="http://schemas.openxmlformats.org/officeDocument/2006/relationships" xmlns:p="http://schemas.openxmlformats.org/presentationml/2006/main">
+  <p:cSld>
+    <p:spTree>
+      <p:nvGrpSpPr>
+        <p:cNvPr id="1" name=""/>
+        <p:cNvGrpSpPr/>
+        <p:nvPr/>
+      </p:nvGrpSpPr>
+      <p:grpSpPr>
+        <a:xfrm>
+          <a:off x="0" y="0"/>
+          <a:ext cx="0" cy="0"/>
+          <a:chOff x="0" y="0"/>
+          <a:chExt cx="0" cy="0"/>
+        </a:xfrm>
+      </p:grpSpPr>
+      <p:sp>
+        <p:nvSpPr>
+          <p:cNvPr id="5" name="Title 4">
+            <a:extLst>
+              <a:ext uri="{FF2B5EF4-FFF2-40B4-BE49-F238E27FC236}">
+                <a16:creationId xmlns:a16="http://schemas.microsoft.com/office/drawing/2014/main" id="{7C434DE1-CD45-AB41-82E9-093F6BE493CC}"/>
+              </a:ext>
+            </a:extLst>
+          </p:cNvPr>
+          <p:cNvSpPr>
+            <a:spLocks noGrp="1"/>
+          </p:cNvSpPr>
+          <p:nvPr>
+            <p:ph type="ctrTitle"/>
+          </p:nvPr>
+        </p:nvSpPr>
+        <p:spPr/>
+        <p:txBody>
+          <a:bodyPr/>
+          <a:lstStyle/>
+          <a:p>
+            <a:r>
+              <a:rPr lang="en-US" dirty="0"/>
+              <a:t>In-class Lab</a:t>
+            </a:r>
+          </a:p>
+        </p:txBody>
+      </p:sp>
+      <p:sp>
+        <p:nvSpPr>
+          <p:cNvPr id="4" name="Slide Number Placeholder 3">
+            <a:extLst>
+              <a:ext uri="{FF2B5EF4-FFF2-40B4-BE49-F238E27FC236}">
+                <a16:creationId xmlns:a16="http://schemas.microsoft.com/office/drawing/2014/main" id="{842BB5AE-B1EB-E34C-8C4F-6E8D6007C571}"/>
+              </a:ext>
+            </a:extLst>
+          </p:cNvPr>
+          <p:cNvSpPr>
+            <a:spLocks noGrp="1"/>
+          </p:cNvSpPr>
+          <p:nvPr>
+            <p:ph type="sldNum" idx="12"/>
+          </p:nvPr>
+        </p:nvSpPr>
+        <p:spPr/>
+        <p:txBody>
+          <a:bodyPr/>
+          <a:lstStyle/>
+          <a:p>
+            <a:fld id="{B8AB1F1C-5B97-FA47-A21B-131B164DAC8F}" type="slidenum">
+              <a:rPr lang="en-US" smtClean="0"/>
+              <a:t>28</a:t>
+            </a:fld>
+            <a:endParaRPr lang="en-US"/>
+          </a:p>
+        </p:txBody>
+      </p:sp>
+    </p:spTree>
+    <p:extLst>
+      <p:ext uri="{BB962C8B-B14F-4D97-AF65-F5344CB8AC3E}">
+        <p14:creationId xmlns:p14="http://schemas.microsoft.com/office/powerpoint/2010/main" val="1609022842"/>
+      </p:ext>
+    </p:extLst>
+  </p:cSld>
+  <p:clrMapOvr>
+    <a:masterClrMapping/>
+  </p:clrMapOvr>
+  <p:transition>
+    <p:fade thruBlk="1"/>
+  </p:transition>
+</p:sld>
+</file>
+
+<file path=ppt/slides/slide3.xml><?xml version="1.0" encoding="utf-8"?>
+<p:sld xmlns:a="http://schemas.openxmlformats.org/drawingml/2006/main" xmlns:r="http://schemas.openxmlformats.org/officeDocument/2006/relationships" xmlns:p="http://schemas.openxmlformats.org/presentationml/2006/main">
+  <p:cSld>
+    <p:spTree>
+      <p:nvGrpSpPr>
+        <p:cNvPr id="1" name=""/>
+        <p:cNvGrpSpPr/>
+        <p:nvPr/>
+      </p:nvGrpSpPr>
+      <p:grpSpPr>
+        <a:xfrm>
+          <a:off x="0" y="0"/>
+          <a:ext cx="0" cy="0"/>
+          <a:chOff x="0" y="0"/>
+          <a:chExt cx="0" cy="0"/>
+        </a:xfrm>
+      </p:grpSpPr>
+      <p:sp>
+        <p:nvSpPr>
+          <p:cNvPr id="3" name="Slide Number Placeholder 2">
+            <a:extLst>
+              <a:ext uri="{FF2B5EF4-FFF2-40B4-BE49-F238E27FC236}">
+                <a16:creationId xmlns:a16="http://schemas.microsoft.com/office/drawing/2014/main" id="{123D3E32-A288-594B-9406-B1E35F7ECB05}"/>
+              </a:ext>
+            </a:extLst>
+          </p:cNvPr>
+          <p:cNvSpPr>
+            <a:spLocks noGrp="1"/>
+          </p:cNvSpPr>
+          <p:nvPr>
+            <p:ph type="sldNum" idx="12"/>
+          </p:nvPr>
+        </p:nvSpPr>
+        <p:spPr/>
+        <p:txBody>
+          <a:bodyPr/>
+          <a:lstStyle/>
+          <a:p>
+            <a:fld id="{B8AB1F1C-5B97-FA47-A21B-131B164DAC8F}" type="slidenum">
+              <a:rPr lang="en-US" smtClean="0"/>
+              <a:t>2</a:t>
+            </a:fld>
+            <a:endParaRPr lang="en-US"/>
+          </a:p>
+        </p:txBody>
+      </p:sp>
+      <p:sp>
+        <p:nvSpPr>
+          <p:cNvPr id="4" name="Google Shape;105;p16">
+            <a:extLst>
+              <a:ext uri="{FF2B5EF4-FFF2-40B4-BE49-F238E27FC236}">
+                <a16:creationId xmlns:a16="http://schemas.microsoft.com/office/drawing/2014/main" id="{34B10ABF-803B-B142-856D-3B358A0F594E}"/>
+              </a:ext>
+            </a:extLst>
+          </p:cNvPr>
+          <p:cNvSpPr txBox="1">
+            <a:spLocks/>
+          </p:cNvSpPr>
+          <p:nvPr/>
+        </p:nvSpPr>
+        <p:spPr>
+          <a:xfrm rot="161729">
+            <a:off x="1301681" y="1169209"/>
+            <a:ext cx="9373171" cy="1013519"/>
+          </a:xfrm>
+          <a:prstGeom prst="rect">
+            <a:avLst/>
+          </a:prstGeom>
+        </p:spPr>
+        <p:txBody>
+          <a:bodyPr spcFirstLastPara="1" wrap="square" lIns="121900" tIns="121900" rIns="121900" bIns="121900" anchor="b" anchorCtr="0">
+            <a:noAutofit/>
+          </a:bodyPr>
+          <a:lstStyle>
+            <a:defPPr marR="0" lvl="0" algn="l" rtl="0">
+              <a:lnSpc>
+                <a:spcPct val="100000"/>
+              </a:lnSpc>
+              <a:spcBef>
+                <a:spcPts val="0"/>
+              </a:spcBef>
+              <a:spcAft>
+                <a:spcPts val="0"/>
+              </a:spcAft>
+            </a:defPPr>
+            <a:lvl1pPr marR="0" lvl="0" algn="l" rtl="0" eaLnBrk="1" hangingPunct="1">
+              <a:lnSpc>
+                <a:spcPct val="100000"/>
+              </a:lnSpc>
+              <a:spcBef>
+                <a:spcPts val="0"/>
+              </a:spcBef>
+              <a:spcAft>
+                <a:spcPts val="0"/>
+              </a:spcAft>
+              <a:buClr>
+                <a:srgbClr val="000000"/>
+              </a:buClr>
+              <a:buFont typeface="Arial"/>
+              <a:defRPr sz="1867" b="0" i="0" u="none" strike="noStrike" cap="none">
+                <a:solidFill>
+                  <a:srgbClr val="000000"/>
+                </a:solidFill>
+                <a:latin typeface="Arial"/>
+                <a:ea typeface="Arial"/>
+                <a:cs typeface="Arial"/>
+                <a:sym typeface="Arial"/>
+              </a:defRPr>
+            </a:lvl1pPr>
+            <a:lvl2pPr marR="0" lvl="1" algn="l" rtl="0" eaLnBrk="1" hangingPunct="1">
+              <a:lnSpc>
+                <a:spcPct val="100000"/>
+              </a:lnSpc>
+              <a:spcBef>
+                <a:spcPts val="0"/>
+              </a:spcBef>
+              <a:spcAft>
+                <a:spcPts val="0"/>
+              </a:spcAft>
+              <a:buClr>
+                <a:srgbClr val="000000"/>
+              </a:buClr>
+              <a:buFont typeface="Arial"/>
+              <a:defRPr sz="1867" b="0" i="0" u="none" strike="noStrike" cap="none">
+                <a:solidFill>
+                  <a:srgbClr val="000000"/>
+                </a:solidFill>
+                <a:latin typeface="Arial"/>
+                <a:ea typeface="Arial"/>
+                <a:cs typeface="Arial"/>
+                <a:sym typeface="Arial"/>
+              </a:defRPr>
+            </a:lvl2pPr>
+            <a:lvl3pPr marR="0" lvl="2" algn="l" rtl="0" eaLnBrk="1" hangingPunct="1">
+              <a:lnSpc>
+                <a:spcPct val="100000"/>
+              </a:lnSpc>
+              <a:spcBef>
+                <a:spcPts val="0"/>
+              </a:spcBef>
+              <a:spcAft>
+                <a:spcPts val="0"/>
+              </a:spcAft>
+              <a:buClr>
+                <a:srgbClr val="000000"/>
+              </a:buClr>
+              <a:buFont typeface="Arial"/>
+              <a:defRPr sz="1867" b="0" i="0" u="none" strike="noStrike" cap="none">
+                <a:solidFill>
+                  <a:srgbClr val="000000"/>
+                </a:solidFill>
+                <a:latin typeface="Arial"/>
+                <a:ea typeface="Arial"/>
+                <a:cs typeface="Arial"/>
+                <a:sym typeface="Arial"/>
+              </a:defRPr>
+            </a:lvl3pPr>
+            <a:lvl4pPr marR="0" lvl="3" algn="l" rtl="0" eaLnBrk="1" hangingPunct="1">
+              <a:lnSpc>
+                <a:spcPct val="100000"/>
+              </a:lnSpc>
+              <a:spcBef>
+                <a:spcPts val="0"/>
+              </a:spcBef>
+              <a:spcAft>
+                <a:spcPts val="0"/>
+              </a:spcAft>
+              <a:buClr>
+                <a:srgbClr val="000000"/>
+              </a:buClr>
+              <a:buFont typeface="Arial"/>
+              <a:defRPr sz="1867" b="0" i="0" u="none" strike="noStrike" cap="none">
+                <a:solidFill>
+                  <a:srgbClr val="000000"/>
+                </a:solidFill>
+                <a:latin typeface="Arial"/>
+                <a:ea typeface="Arial"/>
+                <a:cs typeface="Arial"/>
+                <a:sym typeface="Arial"/>
+              </a:defRPr>
+            </a:lvl4pPr>
+            <a:lvl5pPr marR="0" lvl="4" algn="l" rtl="0" eaLnBrk="1" hangingPunct="1">
+              <a:lnSpc>
+                <a:spcPct val="100000"/>
+              </a:lnSpc>
+              <a:spcBef>
+                <a:spcPts val="0"/>
+              </a:spcBef>
+              <a:spcAft>
+                <a:spcPts val="0"/>
+              </a:spcAft>
+              <a:buClr>
+                <a:srgbClr val="000000"/>
+              </a:buClr>
+              <a:buFont typeface="Arial"/>
+              <a:defRPr sz="1867" b="0" i="0" u="none" strike="noStrike" cap="none">
+                <a:solidFill>
+                  <a:srgbClr val="000000"/>
+                </a:solidFill>
+                <a:latin typeface="Arial"/>
+                <a:ea typeface="Arial"/>
+                <a:cs typeface="Arial"/>
+                <a:sym typeface="Arial"/>
+              </a:defRPr>
+            </a:lvl5pPr>
+            <a:lvl6pPr marR="0" lvl="5" algn="l" rtl="0" eaLnBrk="1" hangingPunct="1">
+              <a:lnSpc>
+                <a:spcPct val="100000"/>
+              </a:lnSpc>
+              <a:spcBef>
+                <a:spcPts val="0"/>
+              </a:spcBef>
+              <a:spcAft>
+                <a:spcPts val="0"/>
+              </a:spcAft>
+              <a:buClr>
+                <a:srgbClr val="000000"/>
+              </a:buClr>
+              <a:buFont typeface="Arial"/>
+              <a:defRPr sz="1867" b="0" i="0" u="none" strike="noStrike" cap="none">
+                <a:solidFill>
+                  <a:srgbClr val="000000"/>
+                </a:solidFill>
+                <a:latin typeface="Arial"/>
+                <a:ea typeface="Arial"/>
+                <a:cs typeface="Arial"/>
+                <a:sym typeface="Arial"/>
+              </a:defRPr>
+            </a:lvl6pPr>
+            <a:lvl7pPr marR="0" lvl="6" algn="l" rtl="0" eaLnBrk="1" hangingPunct="1">
+              <a:lnSpc>
+                <a:spcPct val="100000"/>
+              </a:lnSpc>
+              <a:spcBef>
+                <a:spcPts val="0"/>
+              </a:spcBef>
+              <a:spcAft>
+                <a:spcPts val="0"/>
+              </a:spcAft>
+              <a:buClr>
+                <a:srgbClr val="000000"/>
+              </a:buClr>
+              <a:buFont typeface="Arial"/>
+              <a:defRPr sz="1867" b="0" i="0" u="none" strike="noStrike" cap="none">
+                <a:solidFill>
+                  <a:srgbClr val="000000"/>
+                </a:solidFill>
+                <a:latin typeface="Arial"/>
+                <a:ea typeface="Arial"/>
+                <a:cs typeface="Arial"/>
+                <a:sym typeface="Arial"/>
+              </a:defRPr>
+            </a:lvl7pPr>
+            <a:lvl8pPr marR="0" lvl="7" algn="l" rtl="0" eaLnBrk="1" hangingPunct="1">
+              <a:lnSpc>
+                <a:spcPct val="100000"/>
+              </a:lnSpc>
+              <a:spcBef>
+                <a:spcPts val="0"/>
+              </a:spcBef>
+              <a:spcAft>
+                <a:spcPts val="0"/>
+              </a:spcAft>
+              <a:buClr>
+                <a:srgbClr val="000000"/>
+              </a:buClr>
+              <a:buFont typeface="Arial"/>
+              <a:defRPr sz="1867" b="0" i="0" u="none" strike="noStrike" cap="none">
+                <a:solidFill>
+                  <a:srgbClr val="000000"/>
+                </a:solidFill>
+                <a:latin typeface="Arial"/>
+                <a:ea typeface="Arial"/>
+                <a:cs typeface="Arial"/>
+                <a:sym typeface="Arial"/>
+              </a:defRPr>
+            </a:lvl8pPr>
+            <a:lvl9pPr marR="0" lvl="8" algn="l" rtl="0" eaLnBrk="1" hangingPunct="1">
+              <a:lnSpc>
+                <a:spcPct val="100000"/>
+              </a:lnSpc>
+              <a:spcBef>
+                <a:spcPts val="0"/>
+              </a:spcBef>
+              <a:spcAft>
+                <a:spcPts val="0"/>
+              </a:spcAft>
+              <a:buClr>
+                <a:srgbClr val="000000"/>
+              </a:buClr>
+              <a:buFont typeface="Arial"/>
+              <a:defRPr sz="1867" b="0" i="0" u="none" strike="noStrike" cap="none">
+                <a:solidFill>
+                  <a:srgbClr val="000000"/>
+                </a:solidFill>
+                <a:latin typeface="Arial"/>
+                <a:ea typeface="Arial"/>
+                <a:cs typeface="Arial"/>
+                <a:sym typeface="Arial"/>
+              </a:defRPr>
+            </a:lvl9pPr>
+          </a:lstStyle>
+          <a:p>
+            <a:r>
+              <a:rPr lang="en-US" sz="4000" dirty="0">
+                <a:latin typeface="Bangers" pitchFamily="2" charset="77"/>
+              </a:rPr>
+              <a:t>Grading</a:t>
+            </a:r>
+          </a:p>
+        </p:txBody>
+      </p:sp>
+      <p:sp>
+        <p:nvSpPr>
+          <p:cNvPr id="5" name="Google Shape;106;p16">
+            <a:extLst>
+              <a:ext uri="{FF2B5EF4-FFF2-40B4-BE49-F238E27FC236}">
+                <a16:creationId xmlns:a16="http://schemas.microsoft.com/office/drawing/2014/main" id="{0213CA5D-756E-F24F-9937-24387E3AE8AC}"/>
+              </a:ext>
+            </a:extLst>
+          </p:cNvPr>
+          <p:cNvSpPr txBox="1">
+            <a:spLocks/>
+          </p:cNvSpPr>
+          <p:nvPr/>
+        </p:nvSpPr>
+        <p:spPr>
+          <a:xfrm>
+            <a:off x="1402733" y="2061267"/>
+            <a:ext cx="9290800" cy="3939483"/>
+          </a:xfrm>
+          <a:prstGeom prst="rect">
+            <a:avLst/>
+          </a:prstGeom>
+          <a:noFill/>
+          <a:ln>
+            <a:noFill/>
+          </a:ln>
+        </p:spPr>
+        <p:txBody>
+          <a:bodyPr spcFirstLastPara="1" wrap="square" lIns="121900" tIns="121900" rIns="121900" bIns="121900" anchor="t" anchorCtr="0">
+            <a:noAutofit/>
+          </a:bodyPr>
+          <a:lstStyle>
+            <a:defPPr marR="0" lvl="0" algn="l" rtl="0">
+              <a:lnSpc>
+                <a:spcPct val="100000"/>
+              </a:lnSpc>
+              <a:spcBef>
+                <a:spcPts val="0"/>
+              </a:spcBef>
+              <a:spcAft>
+                <a:spcPts val="0"/>
+              </a:spcAft>
+            </a:defPPr>
+            <a:lvl1pPr marL="609585" marR="0" lvl="0" indent="-304792" algn="ctr" rtl="0" eaLnBrk="1" hangingPunct="1">
+              <a:lnSpc>
+                <a:spcPct val="100000"/>
+              </a:lnSpc>
+              <a:spcBef>
+                <a:spcPts val="480"/>
+              </a:spcBef>
+              <a:spcAft>
+                <a:spcPts val="0"/>
+              </a:spcAft>
+              <a:buClr>
+                <a:schemeClr val="dk1"/>
+              </a:buClr>
+              <a:buSzPts val="1400"/>
+              <a:buFont typeface="Sniglet"/>
+              <a:buNone/>
+              <a:defRPr sz="1867" b="0" i="0" u="none" strike="noStrike" cap="none">
+                <a:solidFill>
+                  <a:schemeClr val="dk1"/>
+                </a:solidFill>
+                <a:latin typeface="Sniglet"/>
+                <a:ea typeface="Sniglet"/>
+                <a:cs typeface="Sniglet"/>
+                <a:sym typeface="Sniglet"/>
+              </a:defRPr>
+            </a:lvl1pPr>
+            <a:lvl2pPr marL="914400" marR="0" lvl="1" indent="-381000" algn="l" rtl="0" eaLnBrk="1" hangingPunct="1">
+              <a:lnSpc>
+                <a:spcPct val="100000"/>
+              </a:lnSpc>
+              <a:spcBef>
+                <a:spcPts val="0"/>
+              </a:spcBef>
+              <a:spcAft>
+                <a:spcPts val="0"/>
+              </a:spcAft>
+              <a:buClr>
+                <a:schemeClr val="dk1"/>
+              </a:buClr>
+              <a:buSzPts val="2400"/>
+              <a:buFont typeface="Sniglet"/>
+              <a:buChar char="×"/>
+              <a:defRPr sz="2400" b="0" i="0" u="none" strike="noStrike" cap="none">
+                <a:solidFill>
+                  <a:schemeClr val="dk1"/>
+                </a:solidFill>
+                <a:latin typeface="Sniglet"/>
+                <a:ea typeface="Sniglet"/>
+                <a:cs typeface="Sniglet"/>
+                <a:sym typeface="Sniglet"/>
+              </a:defRPr>
+            </a:lvl2pPr>
+            <a:lvl3pPr marL="1371600" marR="0" lvl="2" indent="-381000" algn="l" rtl="0" eaLnBrk="1" hangingPunct="1">
+              <a:lnSpc>
+                <a:spcPct val="100000"/>
+              </a:lnSpc>
+              <a:spcBef>
+                <a:spcPts val="0"/>
+              </a:spcBef>
+              <a:spcAft>
+                <a:spcPts val="0"/>
+              </a:spcAft>
+              <a:buClr>
+                <a:schemeClr val="dk1"/>
+              </a:buClr>
+              <a:buSzPts val="2400"/>
+              <a:buFont typeface="Sniglet"/>
+              <a:buChar char="×"/>
+              <a:defRPr sz="2400" b="0" i="0" u="none" strike="noStrike" cap="none">
+                <a:solidFill>
+                  <a:schemeClr val="dk1"/>
+                </a:solidFill>
+                <a:latin typeface="Sniglet"/>
+                <a:ea typeface="Sniglet"/>
+                <a:cs typeface="Sniglet"/>
+                <a:sym typeface="Sniglet"/>
+              </a:defRPr>
+            </a:lvl3pPr>
+            <a:lvl4pPr marL="1828800" marR="0" lvl="3" indent="-342900" algn="l" rtl="0" eaLnBrk="1" hangingPunct="1">
+              <a:lnSpc>
+                <a:spcPct val="100000"/>
+              </a:lnSpc>
+              <a:spcBef>
+                <a:spcPts val="0"/>
+              </a:spcBef>
+              <a:spcAft>
+                <a:spcPts val="0"/>
+              </a:spcAft>
+              <a:buClr>
+                <a:schemeClr val="dk1"/>
+              </a:buClr>
+              <a:buSzPts val="1800"/>
+              <a:buFont typeface="Sniglet"/>
+              <a:buChar char="×"/>
+              <a:defRPr sz="1800" b="0" i="0" u="none" strike="noStrike" cap="none">
+                <a:solidFill>
+                  <a:schemeClr val="dk1"/>
+                </a:solidFill>
+                <a:latin typeface="Sniglet"/>
+                <a:ea typeface="Sniglet"/>
+                <a:cs typeface="Sniglet"/>
+                <a:sym typeface="Sniglet"/>
+              </a:defRPr>
+            </a:lvl4pPr>
+            <a:lvl5pPr marL="2286000" marR="0" lvl="4" indent="-342900" algn="l" rtl="0" eaLnBrk="1" hangingPunct="1">
+              <a:lnSpc>
+                <a:spcPct val="100000"/>
+              </a:lnSpc>
+              <a:spcBef>
+                <a:spcPts val="0"/>
+              </a:spcBef>
+              <a:spcAft>
+                <a:spcPts val="0"/>
+              </a:spcAft>
+              <a:buClr>
+                <a:schemeClr val="dk1"/>
+              </a:buClr>
+              <a:buSzPts val="1800"/>
+              <a:buFont typeface="Sniglet"/>
+              <a:buChar char="×"/>
+              <a:defRPr sz="1800" b="0" i="0" u="none" strike="noStrike" cap="none">
+                <a:solidFill>
+                  <a:schemeClr val="dk1"/>
+                </a:solidFill>
+                <a:latin typeface="Sniglet"/>
+                <a:ea typeface="Sniglet"/>
+                <a:cs typeface="Sniglet"/>
+                <a:sym typeface="Sniglet"/>
+              </a:defRPr>
+            </a:lvl5pPr>
+            <a:lvl6pPr marL="2743200" marR="0" lvl="5" indent="-342900" algn="l" rtl="0" eaLnBrk="1" hangingPunct="1">
+              <a:lnSpc>
+                <a:spcPct val="100000"/>
+              </a:lnSpc>
+              <a:spcBef>
+                <a:spcPts val="0"/>
+              </a:spcBef>
+              <a:spcAft>
+                <a:spcPts val="0"/>
+              </a:spcAft>
+              <a:buClr>
+                <a:schemeClr val="dk1"/>
+              </a:buClr>
+              <a:buSzPts val="1800"/>
+              <a:buFont typeface="Sniglet"/>
+              <a:buChar char="×"/>
+              <a:defRPr sz="1800" b="0" i="0" u="none" strike="noStrike" cap="none">
+                <a:solidFill>
+                  <a:schemeClr val="dk1"/>
+                </a:solidFill>
+                <a:latin typeface="Sniglet"/>
+                <a:ea typeface="Sniglet"/>
+                <a:cs typeface="Sniglet"/>
+                <a:sym typeface="Sniglet"/>
+              </a:defRPr>
+            </a:lvl6pPr>
+            <a:lvl7pPr marL="3200400" marR="0" lvl="6" indent="-342900" algn="l" rtl="0" eaLnBrk="1" hangingPunct="1">
+              <a:lnSpc>
+                <a:spcPct val="100000"/>
+              </a:lnSpc>
+              <a:spcBef>
+                <a:spcPts val="0"/>
+              </a:spcBef>
+              <a:spcAft>
+                <a:spcPts val="0"/>
+              </a:spcAft>
+              <a:buClr>
+                <a:schemeClr val="dk1"/>
+              </a:buClr>
+              <a:buSzPts val="1800"/>
+              <a:buFont typeface="Sniglet"/>
+              <a:buChar char="×"/>
+              <a:defRPr sz="1800" b="0" i="0" u="none" strike="noStrike" cap="none">
+                <a:solidFill>
+                  <a:schemeClr val="dk1"/>
+                </a:solidFill>
+                <a:latin typeface="Sniglet"/>
+                <a:ea typeface="Sniglet"/>
+                <a:cs typeface="Sniglet"/>
+                <a:sym typeface="Sniglet"/>
+              </a:defRPr>
+            </a:lvl7pPr>
+            <a:lvl8pPr marL="3657600" marR="0" lvl="7" indent="-342900" algn="l" rtl="0" eaLnBrk="1" hangingPunct="1">
+              <a:lnSpc>
+                <a:spcPct val="100000"/>
+              </a:lnSpc>
+              <a:spcBef>
+                <a:spcPts val="0"/>
+              </a:spcBef>
+              <a:spcAft>
+                <a:spcPts val="0"/>
+              </a:spcAft>
+              <a:buClr>
+                <a:schemeClr val="dk1"/>
+              </a:buClr>
+              <a:buSzPts val="1800"/>
+              <a:buFont typeface="Sniglet"/>
+              <a:buChar char="×"/>
+              <a:defRPr sz="1800" b="0" i="0" u="none" strike="noStrike" cap="none">
+                <a:solidFill>
+                  <a:schemeClr val="dk1"/>
+                </a:solidFill>
+                <a:latin typeface="Sniglet"/>
+                <a:ea typeface="Sniglet"/>
+                <a:cs typeface="Sniglet"/>
+                <a:sym typeface="Sniglet"/>
+              </a:defRPr>
+            </a:lvl8pPr>
+            <a:lvl9pPr marL="4114800" marR="0" lvl="8" indent="-342900" algn="l" rtl="0" eaLnBrk="1" hangingPunct="1">
+              <a:lnSpc>
+                <a:spcPct val="100000"/>
+              </a:lnSpc>
+              <a:spcBef>
+                <a:spcPts val="0"/>
+              </a:spcBef>
+              <a:spcAft>
+                <a:spcPts val="0"/>
+              </a:spcAft>
+              <a:buClr>
+                <a:schemeClr val="dk1"/>
+              </a:buClr>
+              <a:buSzPts val="1800"/>
+              <a:buFont typeface="Sniglet"/>
+              <a:buChar char="×"/>
+              <a:defRPr sz="1800" b="0" i="0" u="none" strike="noStrike" cap="none">
+                <a:solidFill>
+                  <a:schemeClr val="dk1"/>
+                </a:solidFill>
+                <a:latin typeface="Sniglet"/>
+                <a:ea typeface="Sniglet"/>
+                <a:cs typeface="Sniglet"/>
+                <a:sym typeface="Sniglet"/>
+              </a:defRPr>
+            </a:lvl9pPr>
+          </a:lstStyle>
+          <a:p>
+            <a:pPr marL="101598" indent="0" algn="l">
+              <a:buSzPts val="2400"/>
+            </a:pPr>
+            <a:endParaRPr lang="en-US" sz="2400" dirty="0">
+              <a:solidFill>
+                <a:schemeClr val="tx1"/>
+              </a:solidFill>
+            </a:endParaRPr>
+          </a:p>
+          <a:p>
+            <a:pPr marL="101598" indent="0" algn="l">
+              <a:buSzPts val="2400"/>
+            </a:pPr>
+            <a:endParaRPr lang="en-US" sz="2400" dirty="0">
+              <a:solidFill>
+                <a:schemeClr val="tx1"/>
+              </a:solidFill>
+            </a:endParaRPr>
+          </a:p>
+          <a:p>
+            <a:pPr marL="101598" indent="0" algn="l">
+              <a:buSzPts val="2400"/>
+            </a:pPr>
+            <a:endParaRPr lang="en-US" sz="2400" dirty="0">
+              <a:solidFill>
+                <a:schemeClr val="tx1"/>
+              </a:solidFill>
+            </a:endParaRPr>
+          </a:p>
+          <a:p>
+            <a:pPr marL="101598" indent="0" algn="l">
+              <a:buSzPts val="2400"/>
+            </a:pPr>
+            <a:r>
+              <a:rPr lang="en-US" sz="2400" dirty="0">
+                <a:solidFill>
+                  <a:schemeClr val="tx1"/>
+                </a:solidFill>
+              </a:rPr>
+              <a:t>We will announce in </a:t>
+            </a:r>
+            <a:r>
+              <a:rPr lang="en-US" sz="2400" dirty="0">
+                <a:solidFill>
+                  <a:schemeClr val="accent6"/>
+                </a:solidFill>
+              </a:rPr>
+              <a:t>Slack </a:t>
+            </a:r>
+            <a:r>
+              <a:rPr lang="en-US" sz="2400" dirty="0">
+                <a:solidFill>
+                  <a:schemeClr val="tx1"/>
+                </a:solidFill>
+              </a:rPr>
+              <a:t>once your grade is available.</a:t>
+            </a:r>
+          </a:p>
+          <a:p>
+            <a:pPr indent="-507987" algn="l">
+              <a:buSzPts val="2400"/>
+              <a:buFont typeface="Arial" panose="020B0604020202020204" pitchFamily="34" charset="0"/>
+              <a:buChar char="•"/>
+            </a:pPr>
+            <a:endParaRPr lang="en-US" sz="2400" dirty="0"/>
+          </a:p>
+          <a:p>
+            <a:pPr indent="-507987" algn="l">
+              <a:buSzPts val="2400"/>
+              <a:buFont typeface="Arial" panose="020B0604020202020204" pitchFamily="34" charset="0"/>
+              <a:buChar char="•"/>
+            </a:pPr>
+            <a:endParaRPr lang="en-US" sz="2400" dirty="0"/>
+          </a:p>
+        </p:txBody>
+      </p:sp>
+    </p:spTree>
+    <p:extLst>
+      <p:ext uri="{BB962C8B-B14F-4D97-AF65-F5344CB8AC3E}">
+        <p14:creationId xmlns:p14="http://schemas.microsoft.com/office/powerpoint/2010/main" val="4028443184"/>
+      </p:ext>
+    </p:extLst>
+  </p:cSld>
+  <p:clrMapOvr>
+    <a:masterClrMapping/>
+  </p:clrMapOvr>
+  <p:transition>
+    <p:fade thruBlk="1"/>
+  </p:transition>
+</p:sld>
+</file>
+
+<file path=ppt/slides/slide30.xml><?xml version="1.0" encoding="utf-8"?>
+<p:sld xmlns:a="http://schemas.openxmlformats.org/drawingml/2006/main" xmlns:r="http://schemas.openxmlformats.org/officeDocument/2006/relationships" xmlns:p="http://schemas.openxmlformats.org/presentationml/2006/main">
+  <p:cSld>
+    <p:spTree>
+      <p:nvGrpSpPr>
+        <p:cNvPr id="1" name=""/>
+        <p:cNvGrpSpPr/>
+        <p:nvPr/>
+      </p:nvGrpSpPr>
+      <p:grpSpPr>
+        <a:xfrm>
+          <a:off x="0" y="0"/>
+          <a:ext cx="0" cy="0"/>
+          <a:chOff x="0" y="0"/>
+          <a:chExt cx="0" cy="0"/>
+        </a:xfrm>
+      </p:grpSpPr>
+      <p:sp>
+        <p:nvSpPr>
+          <p:cNvPr id="2" name="Title 1">
+            <a:extLst>
+              <a:ext uri="{FF2B5EF4-FFF2-40B4-BE49-F238E27FC236}">
+                <a16:creationId xmlns:a16="http://schemas.microsoft.com/office/drawing/2014/main" id="{3C16D8A7-6A21-1C41-BA68-71B97C8797C6}"/>
+              </a:ext>
+            </a:extLst>
+          </p:cNvPr>
+          <p:cNvSpPr>
+            <a:spLocks noGrp="1"/>
+          </p:cNvSpPr>
+          <p:nvPr>
+            <p:ph type="title"/>
+          </p:nvPr>
+        </p:nvSpPr>
+        <p:spPr/>
+        <p:txBody>
+          <a:bodyPr/>
+          <a:lstStyle/>
+          <a:p>
+            <a:r>
+              <a:rPr lang="en-US" dirty="0"/>
+              <a:t>Goal: Play with x86-64</a:t>
+            </a:r>
+          </a:p>
+        </p:txBody>
+      </p:sp>
+      <p:sp>
+        <p:nvSpPr>
+          <p:cNvPr id="3" name="Text Placeholder 2">
+            <a:extLst>
+              <a:ext uri="{FF2B5EF4-FFF2-40B4-BE49-F238E27FC236}">
+                <a16:creationId xmlns:a16="http://schemas.microsoft.com/office/drawing/2014/main" id="{266635A7-9BA8-F548-AA6E-8D87C802D13D}"/>
+              </a:ext>
+            </a:extLst>
+          </p:cNvPr>
+          <p:cNvSpPr>
+            <a:spLocks noGrp="1"/>
+          </p:cNvSpPr>
+          <p:nvPr>
+            <p:ph type="body" idx="1"/>
+          </p:nvPr>
+        </p:nvSpPr>
+        <p:spPr/>
+        <p:txBody>
+          <a:bodyPr/>
+          <a:lstStyle/>
+          <a:p>
+            <a:pPr marL="50799" indent="0">
+              <a:buNone/>
+            </a:pPr>
+            <a:r>
+              <a:rPr lang="en-US" dirty="0"/>
+              <a:t>Service IP: 107.21.135.41</a:t>
+            </a:r>
+          </a:p>
+          <a:p>
+            <a:pPr marL="50799" indent="0">
+              <a:buNone/>
+            </a:pPr>
+            <a:r>
+              <a:rPr lang="en-US" dirty="0"/>
+              <a:t>Port: 3000</a:t>
+            </a:r>
+          </a:p>
+          <a:p>
+            <a:pPr marL="50799" indent="0">
+              <a:buNone/>
+            </a:pPr>
+            <a:endParaRPr lang="en-US" dirty="0"/>
+          </a:p>
+          <a:p>
+            <a:pPr marL="50799" indent="0">
+              <a:buNone/>
+            </a:pPr>
+            <a:r>
+              <a:rPr lang="en-US" dirty="0"/>
+              <a:t>Connect to the server: </a:t>
+            </a:r>
+            <a:r>
+              <a:rPr lang="en-US" dirty="0" err="1">
+                <a:latin typeface="Courier" pitchFamily="2" charset="0"/>
+              </a:rPr>
+              <a:t>nc</a:t>
+            </a:r>
+            <a:r>
+              <a:rPr lang="en-US" dirty="0">
+                <a:latin typeface="Courier" pitchFamily="2" charset="0"/>
+              </a:rPr>
+              <a:t> 107.21.135.41 3000</a:t>
+            </a:r>
+          </a:p>
+          <a:p>
+            <a:pPr marL="50799" indent="0">
+              <a:buNone/>
+            </a:pPr>
+            <a:endParaRPr lang="en-US" dirty="0"/>
+          </a:p>
+          <a:p>
+            <a:pPr marL="50799" indent="0">
+              <a:buNone/>
+            </a:pPr>
+            <a:r>
+              <a:rPr lang="en-US" dirty="0"/>
+              <a:t>Let’s start with challenge assembly0</a:t>
+            </a:r>
+          </a:p>
+        </p:txBody>
+      </p:sp>
+    </p:spTree>
+    <p:extLst>
+      <p:ext uri="{BB962C8B-B14F-4D97-AF65-F5344CB8AC3E}">
+        <p14:creationId xmlns:p14="http://schemas.microsoft.com/office/powerpoint/2010/main" val="3118231716"/>
+      </p:ext>
+    </p:extLst>
+  </p:cSld>
+  <p:clrMapOvr>
+    <a:masterClrMapping/>
+  </p:clrMapOvr>
+  <p:transition>
+    <p:fade thruBlk="1"/>
+  </p:transition>
+</p:sld>
+</file>
+
+<file path=ppt/slides/slide31.xml><?xml version="1.0" encoding="utf-8"?>
 <p:sld xmlns:a="http://schemas.openxmlformats.org/drawingml/2006/main" xmlns:r="http://schemas.openxmlformats.org/officeDocument/2006/relationships" xmlns:p="http://schemas.openxmlformats.org/presentationml/2006/main">
   <p:cSld>
     <p:spTree>
@@ -14917,7 +18106,7 @@
           <a:p>
             <a:fld id="{B8AB1F1C-5B97-FA47-A21B-131B164DAC8F}" type="slidenum">
               <a:rPr lang="en-US" smtClean="0"/>
-              <a:t>26</a:t>
+              <a:t>30</a:t>
             </a:fld>
             <a:endParaRPr lang="en-US"/>
           </a:p>
@@ -15023,7 +18212,7 @@
 </p:sld>
 </file>
 
-<file path=ppt/slides/slide3.xml><?xml version="1.0" encoding="utf-8"?>
+<file path=ppt/slides/slide4.xml><?xml version="1.0" encoding="utf-8"?>
 <p:sld xmlns:a="http://schemas.openxmlformats.org/drawingml/2006/main" xmlns:r="http://schemas.openxmlformats.org/officeDocument/2006/relationships" xmlns:p="http://schemas.openxmlformats.org/presentationml/2006/main">
   <p:cSld>
     <p:spTree>
@@ -15063,6 +18252,137 @@
           <a:p>
             <a:r>
               <a:rPr lang="en-US" dirty="0"/>
+              <a:t>Binary</a:t>
+            </a:r>
+          </a:p>
+        </p:txBody>
+      </p:sp>
+      <p:sp>
+        <p:nvSpPr>
+          <p:cNvPr id="4" name="Text Placeholder 3">
+            <a:extLst>
+              <a:ext uri="{FF2B5EF4-FFF2-40B4-BE49-F238E27FC236}">
+                <a16:creationId xmlns:a16="http://schemas.microsoft.com/office/drawing/2014/main" id="{2B0FD484-B2C8-024E-A2F3-FD97DB69C93E}"/>
+              </a:ext>
+            </a:extLst>
+          </p:cNvPr>
+          <p:cNvSpPr>
+            <a:spLocks noGrp="1"/>
+          </p:cNvSpPr>
+          <p:nvPr>
+            <p:ph type="body" idx="1"/>
+          </p:nvPr>
+        </p:nvSpPr>
+        <p:spPr>
+          <a:xfrm>
+            <a:off x="1402733" y="2679404"/>
+            <a:ext cx="9290766" cy="3229225"/>
+          </a:xfrm>
+        </p:spPr>
+        <p:txBody>
+          <a:bodyPr/>
+          <a:lstStyle/>
+          <a:p>
+            <a:pPr marL="50799" indent="0" algn="ctr">
+              <a:buNone/>
+            </a:pPr>
+            <a:r>
+              <a:rPr lang="en-US" sz="9600" dirty="0"/>
+              <a:t>0              1</a:t>
+            </a:r>
+          </a:p>
+        </p:txBody>
+      </p:sp>
+      <p:sp>
+        <p:nvSpPr>
+          <p:cNvPr id="5" name="Slide Number Placeholder 4">
+            <a:extLst>
+              <a:ext uri="{FF2B5EF4-FFF2-40B4-BE49-F238E27FC236}">
+                <a16:creationId xmlns:a16="http://schemas.microsoft.com/office/drawing/2014/main" id="{26BCB388-5907-974B-91DB-FDBC26D19F82}"/>
+              </a:ext>
+            </a:extLst>
+          </p:cNvPr>
+          <p:cNvSpPr>
+            <a:spLocks noGrp="1"/>
+          </p:cNvSpPr>
+          <p:nvPr>
+            <p:ph type="sldNum" idx="12"/>
+          </p:nvPr>
+        </p:nvSpPr>
+        <p:spPr/>
+        <p:txBody>
+          <a:bodyPr/>
+          <a:lstStyle/>
+          <a:p>
+            <a:fld id="{B8AB1F1C-5B97-FA47-A21B-131B164DAC8F}" type="slidenum">
+              <a:rPr lang="en-US" smtClean="0"/>
+              <a:t>3</a:t>
+            </a:fld>
+            <a:endParaRPr lang="en-US"/>
+          </a:p>
+        </p:txBody>
+      </p:sp>
+    </p:spTree>
+    <p:extLst>
+      <p:ext uri="{BB962C8B-B14F-4D97-AF65-F5344CB8AC3E}">
+        <p14:creationId xmlns:p14="http://schemas.microsoft.com/office/powerpoint/2010/main" val="3399419535"/>
+      </p:ext>
+    </p:extLst>
+  </p:cSld>
+  <p:clrMapOvr>
+    <a:masterClrMapping/>
+  </p:clrMapOvr>
+  <mc:AlternateContent xmlns:mc="http://schemas.openxmlformats.org/markup-compatibility/2006">
+    <mc:Choice xmlns:p14="http://schemas.microsoft.com/office/powerpoint/2010/main" Requires="p14">
+      <p:transition p14:dur="0"/>
+    </mc:Choice>
+    <mc:Fallback>
+      <p:transition/>
+    </mc:Fallback>
+  </mc:AlternateContent>
+</p:sld>
+</file>
+
+<file path=ppt/slides/slide5.xml><?xml version="1.0" encoding="utf-8"?>
+<p:sld xmlns:a="http://schemas.openxmlformats.org/drawingml/2006/main" xmlns:r="http://schemas.openxmlformats.org/officeDocument/2006/relationships" xmlns:p="http://schemas.openxmlformats.org/presentationml/2006/main">
+  <p:cSld>
+    <p:spTree>
+      <p:nvGrpSpPr>
+        <p:cNvPr id="1" name=""/>
+        <p:cNvGrpSpPr/>
+        <p:nvPr/>
+      </p:nvGrpSpPr>
+      <p:grpSpPr>
+        <a:xfrm>
+          <a:off x="0" y="0"/>
+          <a:ext cx="0" cy="0"/>
+          <a:chOff x="0" y="0"/>
+          <a:chExt cx="0" cy="0"/>
+        </a:xfrm>
+      </p:grpSpPr>
+      <p:sp>
+        <p:nvSpPr>
+          <p:cNvPr id="3" name="Title 2">
+            <a:extLst>
+              <a:ext uri="{FF2B5EF4-FFF2-40B4-BE49-F238E27FC236}">
+                <a16:creationId xmlns:a16="http://schemas.microsoft.com/office/drawing/2014/main" id="{08CA16F6-2598-2C49-AB54-B5AE3A6E781A}"/>
+              </a:ext>
+            </a:extLst>
+          </p:cNvPr>
+          <p:cNvSpPr>
+            <a:spLocks noGrp="1"/>
+          </p:cNvSpPr>
+          <p:nvPr>
+            <p:ph type="title"/>
+          </p:nvPr>
+        </p:nvSpPr>
+        <p:spPr/>
+        <p:txBody>
+          <a:bodyPr/>
+          <a:lstStyle/>
+          <a:p>
+            <a:r>
+              <a:rPr lang="en-US" dirty="0"/>
               <a:t>Software Program</a:t>
             </a:r>
           </a:p>
@@ -15122,7 +18442,7 @@
           <a:p>
             <a:fld id="{B8AB1F1C-5B97-FA47-A21B-131B164DAC8F}" type="slidenum">
               <a:rPr lang="en-US" smtClean="0"/>
-              <a:t>2</a:t>
+              <a:t>4</a:t>
             </a:fld>
             <a:endParaRPr lang="en-US"/>
           </a:p>
@@ -15149,7 +18469,7 @@
 </p:sld>
 </file>
 
-<file path=ppt/slides/slide4.xml><?xml version="1.0" encoding="utf-8"?>
+<file path=ppt/slides/slide6.xml><?xml version="1.0" encoding="utf-8"?>
 <p:sld xmlns:a="http://schemas.openxmlformats.org/drawingml/2006/main" xmlns:r="http://schemas.openxmlformats.org/officeDocument/2006/relationships" xmlns:p="http://schemas.openxmlformats.org/presentationml/2006/main">
   <p:cSld>
     <p:spTree>
@@ -15227,7 +18547,7 @@
             <a:fld id="{00000000-1234-1234-1234-123412341234}" type="slidenum">
               <a:rPr lang="en"/>
               <a:pPr/>
-              <a:t>3</a:t>
+              <a:t>5</a:t>
             </a:fld>
             <a:endParaRPr/>
           </a:p>
@@ -16953,7 +20273,7 @@
 </p:sld>
 </file>
 
-<file path=ppt/slides/slide5.xml><?xml version="1.0" encoding="utf-8"?>
+<file path=ppt/slides/slide7.xml><?xml version="1.0" encoding="utf-8"?>
 <p:sld xmlns:a="http://schemas.openxmlformats.org/drawingml/2006/main" xmlns:r="http://schemas.openxmlformats.org/officeDocument/2006/relationships" xmlns:p="http://schemas.openxmlformats.org/presentationml/2006/main">
   <p:cSld>
     <p:spTree>
@@ -17031,7 +20351,7 @@
             <a:fld id="{00000000-1234-1234-1234-123412341234}" type="slidenum">
               <a:rPr lang="en"/>
               <a:pPr/>
-              <a:t>4</a:t>
+              <a:t>6</a:t>
             </a:fld>
             <a:endParaRPr/>
           </a:p>
@@ -18485,7 +21805,7 @@
 </p:sld>
 </file>
 
-<file path=ppt/slides/slide6.xml><?xml version="1.0" encoding="utf-8"?>
+<file path=ppt/slides/slide8.xml><?xml version="1.0" encoding="utf-8"?>
 <p:sld xmlns:a="http://schemas.openxmlformats.org/drawingml/2006/main" xmlns:r="http://schemas.openxmlformats.org/officeDocument/2006/relationships" xmlns:p="http://schemas.openxmlformats.org/presentationml/2006/main">
   <p:cSld>
     <p:spTree>
@@ -19832,7 +23152,7 @@
 </p:sld>
 </file>
 
-<file path=ppt/slides/slide7.xml><?xml version="1.0" encoding="utf-8"?>
+<file path=ppt/slides/slide9.xml><?xml version="1.0" encoding="utf-8"?>
 <p:sld xmlns:a="http://schemas.openxmlformats.org/drawingml/2006/main" xmlns:r="http://schemas.openxmlformats.org/officeDocument/2006/relationships" xmlns:p="http://schemas.openxmlformats.org/presentationml/2006/main">
   <p:cSld>
     <p:spTree>
@@ -19872,7 +23192,7 @@
           <a:p>
             <a:fld id="{B8AB1F1C-5B97-FA47-A21B-131B164DAC8F}" type="slidenum">
               <a:rPr lang="en-US" smtClean="0"/>
-              <a:t>6</a:t>
+              <a:t>8</a:t>
             </a:fld>
             <a:endParaRPr lang="en-US"/>
           </a:p>
@@ -21518,1518 +24838,6 @@
       <p:bldP spid="9" grpId="0" animBg="1"/>
       <p:bldP spid="10" grpId="0"/>
     </p:bldLst>
-  </p:timing>
-</p:sld>
-</file>
-
-<file path=ppt/slides/slide8.xml><?xml version="1.0" encoding="utf-8"?>
-<p:sld xmlns:a="http://schemas.openxmlformats.org/drawingml/2006/main" xmlns:r="http://schemas.openxmlformats.org/officeDocument/2006/relationships" xmlns:p="http://schemas.openxmlformats.org/presentationml/2006/main">
-  <p:cSld>
-    <p:spTree>
-      <p:nvGrpSpPr>
-        <p:cNvPr id="1" name=""/>
-        <p:cNvGrpSpPr/>
-        <p:nvPr/>
-      </p:nvGrpSpPr>
-      <p:grpSpPr>
-        <a:xfrm>
-          <a:off x="0" y="0"/>
-          <a:ext cx="0" cy="0"/>
-          <a:chOff x="0" y="0"/>
-          <a:chExt cx="0" cy="0"/>
-        </a:xfrm>
-      </p:grpSpPr>
-      <p:sp>
-        <p:nvSpPr>
-          <p:cNvPr id="4" name="Slide Number Placeholder 3">
-            <a:extLst>
-              <a:ext uri="{FF2B5EF4-FFF2-40B4-BE49-F238E27FC236}">
-                <a16:creationId xmlns:a16="http://schemas.microsoft.com/office/drawing/2014/main" id="{53A89CD0-A905-8D47-884F-916440D59CBC}"/>
-              </a:ext>
-            </a:extLst>
-          </p:cNvPr>
-          <p:cNvSpPr>
-            <a:spLocks noGrp="1"/>
-          </p:cNvSpPr>
-          <p:nvPr>
-            <p:ph type="sldNum" idx="12"/>
-          </p:nvPr>
-        </p:nvSpPr>
-        <p:spPr/>
-        <p:txBody>
-          <a:bodyPr/>
-          <a:lstStyle/>
-          <a:p>
-            <a:fld id="{B8AB1F1C-5B97-FA47-A21B-131B164DAC8F}" type="slidenum">
-              <a:rPr lang="en-US" smtClean="0"/>
-              <a:t>7</a:t>
-            </a:fld>
-            <a:endParaRPr lang="en-US"/>
-          </a:p>
-        </p:txBody>
-      </p:sp>
-      <p:sp>
-        <p:nvSpPr>
-          <p:cNvPr id="9" name="Right Arrow 8">
-            <a:extLst>
-              <a:ext uri="{FF2B5EF4-FFF2-40B4-BE49-F238E27FC236}">
-                <a16:creationId xmlns:a16="http://schemas.microsoft.com/office/drawing/2014/main" id="{4C6BBD1B-9FF5-3D4C-B614-222868C4F576}"/>
-              </a:ext>
-            </a:extLst>
-          </p:cNvPr>
-          <p:cNvSpPr/>
-          <p:nvPr/>
-        </p:nvSpPr>
-        <p:spPr>
-          <a:xfrm>
-            <a:off x="3679221" y="1969984"/>
-            <a:ext cx="4448158" cy="330620"/>
-          </a:xfrm>
-          <a:prstGeom prst="rightArrow">
-            <a:avLst/>
-          </a:prstGeom>
-          <a:ln w="19050">
-            <a:solidFill>
-              <a:schemeClr val="tx1"/>
-            </a:solidFill>
-          </a:ln>
-          <a:effectLst/>
-        </p:spPr>
-        <p:style>
-          <a:lnRef idx="2">
-            <a:schemeClr val="accent2">
-              <a:shade val="50000"/>
-            </a:schemeClr>
-          </a:lnRef>
-          <a:fillRef idx="1">
-            <a:schemeClr val="accent2"/>
-          </a:fillRef>
-          <a:effectRef idx="0">
-            <a:schemeClr val="accent2"/>
-          </a:effectRef>
-          <a:fontRef idx="minor">
-            <a:schemeClr val="lt1"/>
-          </a:fontRef>
-        </p:style>
-        <p:txBody>
-          <a:bodyPr rtlCol="0" anchor="ctr"/>
-          <a:lstStyle/>
-          <a:p>
-            <a:pPr algn="ctr"/>
-            <a:endParaRPr lang="en-US"/>
-          </a:p>
-        </p:txBody>
-      </p:sp>
-      <p:sp>
-        <p:nvSpPr>
-          <p:cNvPr id="10" name="TextBox 9">
-            <a:extLst>
-              <a:ext uri="{FF2B5EF4-FFF2-40B4-BE49-F238E27FC236}">
-                <a16:creationId xmlns:a16="http://schemas.microsoft.com/office/drawing/2014/main" id="{AA4B38B3-A41D-AB43-AC66-EB0F554BD909}"/>
-              </a:ext>
-            </a:extLst>
-          </p:cNvPr>
-          <p:cNvSpPr txBox="1"/>
-          <p:nvPr/>
-        </p:nvSpPr>
-        <p:spPr>
-          <a:xfrm>
-            <a:off x="3705725" y="1476138"/>
-            <a:ext cx="4647426" cy="400110"/>
-          </a:xfrm>
-          <a:prstGeom prst="rect">
-            <a:avLst/>
-          </a:prstGeom>
-          <a:noFill/>
-        </p:spPr>
-        <p:txBody>
-          <a:bodyPr wrap="none" rtlCol="0">
-            <a:spAutoFit/>
-          </a:bodyPr>
-          <a:lstStyle/>
-          <a:p>
-            <a:r>
-              <a:rPr lang="en-US" sz="2000" dirty="0" err="1">
-                <a:latin typeface="Courier" pitchFamily="2" charset="0"/>
-              </a:rPr>
-              <a:t>gcc</a:t>
-            </a:r>
-            <a:r>
-              <a:rPr lang="en-US" sz="2000" dirty="0">
-                <a:latin typeface="Courier" pitchFamily="2" charset="0"/>
-              </a:rPr>
-              <a:t> </a:t>
-            </a:r>
-            <a:r>
-              <a:rPr lang="en-US" sz="2000" dirty="0" err="1">
-                <a:latin typeface="Courier" pitchFamily="2" charset="0"/>
-              </a:rPr>
-              <a:t>example.c</a:t>
-            </a:r>
-            <a:r>
-              <a:rPr lang="en-US" sz="2000" dirty="0">
-                <a:latin typeface="Courier" pitchFamily="2" charset="0"/>
-              </a:rPr>
-              <a:t> -o </a:t>
-            </a:r>
-            <a:r>
-              <a:rPr lang="en-US" sz="2000" dirty="0" err="1">
-                <a:latin typeface="Courier" pitchFamily="2" charset="0"/>
-              </a:rPr>
-              <a:t>example.out</a:t>
-            </a:r>
-            <a:r>
-              <a:rPr lang="en-US" sz="2000" dirty="0">
-                <a:latin typeface="Courier" pitchFamily="2" charset="0"/>
-              </a:rPr>
-              <a:t> </a:t>
-            </a:r>
-          </a:p>
-        </p:txBody>
-      </p:sp>
-      <p:sp>
-        <p:nvSpPr>
-          <p:cNvPr id="14" name="Rectangle 13">
-            <a:extLst>
-              <a:ext uri="{FF2B5EF4-FFF2-40B4-BE49-F238E27FC236}">
-                <a16:creationId xmlns:a16="http://schemas.microsoft.com/office/drawing/2014/main" id="{09E5F975-9AE6-454D-A5CD-9E16E7E0C1A1}"/>
-              </a:ext>
-            </a:extLst>
-          </p:cNvPr>
-          <p:cNvSpPr/>
-          <p:nvPr/>
-        </p:nvSpPr>
-        <p:spPr>
-          <a:xfrm>
-            <a:off x="2772325" y="3633537"/>
-            <a:ext cx="1828800" cy="1371600"/>
-          </a:xfrm>
-          <a:prstGeom prst="rect">
-            <a:avLst/>
-          </a:prstGeom>
-          <a:ln/>
-        </p:spPr>
-        <p:style>
-          <a:lnRef idx="2">
-            <a:schemeClr val="accent2"/>
-          </a:lnRef>
-          <a:fillRef idx="1">
-            <a:schemeClr val="lt1"/>
-          </a:fillRef>
-          <a:effectRef idx="0">
-            <a:schemeClr val="accent2"/>
-          </a:effectRef>
-          <a:fontRef idx="minor">
-            <a:schemeClr val="dk1"/>
-          </a:fontRef>
-        </p:style>
-        <p:txBody>
-          <a:bodyPr rtlCol="0" anchor="ctr"/>
-          <a:lstStyle/>
-          <a:p>
-            <a:pPr algn="ctr"/>
-            <a:r>
-              <a:rPr lang="en-US" sz="2400" dirty="0">
-                <a:latin typeface="Courier" pitchFamily="2" charset="0"/>
-              </a:rPr>
-              <a:t>cc1</a:t>
-            </a:r>
-            <a:endParaRPr lang="en-US" sz="2800" dirty="0">
-              <a:latin typeface="Courier" pitchFamily="2" charset="0"/>
-            </a:endParaRPr>
-          </a:p>
-          <a:p>
-            <a:pPr algn="ctr"/>
-            <a:r>
-              <a:rPr lang="en-US" sz="2000" dirty="0">
-                <a:latin typeface="Sniglet" pitchFamily="82" charset="0"/>
-              </a:rPr>
-              <a:t>Compiler</a:t>
-            </a:r>
-          </a:p>
-        </p:txBody>
-      </p:sp>
-      <p:sp>
-        <p:nvSpPr>
-          <p:cNvPr id="16" name="Rectangle 15">
-            <a:extLst>
-              <a:ext uri="{FF2B5EF4-FFF2-40B4-BE49-F238E27FC236}">
-                <a16:creationId xmlns:a16="http://schemas.microsoft.com/office/drawing/2014/main" id="{60571532-C598-2048-97B3-9D03672870F3}"/>
-              </a:ext>
-            </a:extLst>
-          </p:cNvPr>
-          <p:cNvSpPr/>
-          <p:nvPr/>
-        </p:nvSpPr>
-        <p:spPr>
-          <a:xfrm>
-            <a:off x="5057608" y="3633537"/>
-            <a:ext cx="1828800" cy="1371600"/>
-          </a:xfrm>
-          <a:prstGeom prst="rect">
-            <a:avLst/>
-          </a:prstGeom>
-          <a:ln/>
-        </p:spPr>
-        <p:style>
-          <a:lnRef idx="2">
-            <a:schemeClr val="accent2"/>
-          </a:lnRef>
-          <a:fillRef idx="1">
-            <a:schemeClr val="lt1"/>
-          </a:fillRef>
-          <a:effectRef idx="0">
-            <a:schemeClr val="accent2"/>
-          </a:effectRef>
-          <a:fontRef idx="minor">
-            <a:schemeClr val="dk1"/>
-          </a:fontRef>
-        </p:style>
-        <p:txBody>
-          <a:bodyPr rtlCol="0" anchor="ctr"/>
-          <a:lstStyle/>
-          <a:p>
-            <a:pPr algn="ctr"/>
-            <a:r>
-              <a:rPr lang="en-US" sz="2400" dirty="0">
-                <a:latin typeface="Courier" pitchFamily="2" charset="0"/>
-              </a:rPr>
-              <a:t>as</a:t>
-            </a:r>
-            <a:endParaRPr lang="en-US" sz="2000" dirty="0">
-              <a:latin typeface="Courier" pitchFamily="2" charset="0"/>
-            </a:endParaRPr>
-          </a:p>
-          <a:p>
-            <a:pPr algn="ctr"/>
-            <a:r>
-              <a:rPr lang="en-US" sz="2000" dirty="0">
-                <a:latin typeface="Sniglet" pitchFamily="82" charset="0"/>
-              </a:rPr>
-              <a:t>Assembler</a:t>
-            </a:r>
-          </a:p>
-        </p:txBody>
-      </p:sp>
-      <p:sp>
-        <p:nvSpPr>
-          <p:cNvPr id="17" name="Rectangle 16">
-            <a:extLst>
-              <a:ext uri="{FF2B5EF4-FFF2-40B4-BE49-F238E27FC236}">
-                <a16:creationId xmlns:a16="http://schemas.microsoft.com/office/drawing/2014/main" id="{8BB101CF-461C-544D-A770-850FF9E4072A}"/>
-              </a:ext>
-            </a:extLst>
-          </p:cNvPr>
-          <p:cNvSpPr/>
-          <p:nvPr/>
-        </p:nvSpPr>
-        <p:spPr>
-          <a:xfrm>
-            <a:off x="7394215" y="3633537"/>
-            <a:ext cx="1828800" cy="1371600"/>
-          </a:xfrm>
-          <a:prstGeom prst="rect">
-            <a:avLst/>
-          </a:prstGeom>
-          <a:ln/>
-        </p:spPr>
-        <p:style>
-          <a:lnRef idx="2">
-            <a:schemeClr val="accent2"/>
-          </a:lnRef>
-          <a:fillRef idx="1">
-            <a:schemeClr val="lt1"/>
-          </a:fillRef>
-          <a:effectRef idx="0">
-            <a:schemeClr val="accent2"/>
-          </a:effectRef>
-          <a:fontRef idx="minor">
-            <a:schemeClr val="dk1"/>
-          </a:fontRef>
-        </p:style>
-        <p:txBody>
-          <a:bodyPr rtlCol="0" anchor="ctr"/>
-          <a:lstStyle/>
-          <a:p>
-            <a:pPr algn="ctr"/>
-            <a:r>
-              <a:rPr lang="en-US" sz="2400" dirty="0" err="1">
-                <a:latin typeface="Courier" pitchFamily="2" charset="0"/>
-              </a:rPr>
-              <a:t>ld</a:t>
-            </a:r>
-            <a:endParaRPr lang="en-US" sz="2400" dirty="0">
-              <a:latin typeface="Courier" pitchFamily="2" charset="0"/>
-            </a:endParaRPr>
-          </a:p>
-          <a:p>
-            <a:pPr algn="ctr"/>
-            <a:r>
-              <a:rPr lang="en-US" sz="2000" dirty="0">
-                <a:latin typeface="Courier" pitchFamily="2" charset="0"/>
-              </a:rPr>
-              <a:t>(collect2)</a:t>
-            </a:r>
-          </a:p>
-          <a:p>
-            <a:pPr algn="ctr"/>
-            <a:r>
-              <a:rPr lang="en-US" sz="2000" dirty="0">
-                <a:latin typeface="Sniglet" pitchFamily="82" charset="0"/>
-              </a:rPr>
-              <a:t>Linker</a:t>
-            </a:r>
-          </a:p>
-        </p:txBody>
-      </p:sp>
-      <p:cxnSp>
-        <p:nvCxnSpPr>
-          <p:cNvPr id="23" name="Straight Arrow Connector 22">
-            <a:extLst>
-              <a:ext uri="{FF2B5EF4-FFF2-40B4-BE49-F238E27FC236}">
-                <a16:creationId xmlns:a16="http://schemas.microsoft.com/office/drawing/2014/main" id="{59900FB5-8EFA-7E45-BFBF-D8A05C192331}"/>
-              </a:ext>
-            </a:extLst>
-          </p:cNvPr>
-          <p:cNvCxnSpPr>
-            <a:cxnSpLocks/>
-            <a:stCxn id="14" idx="3"/>
-            <a:endCxn id="16" idx="1"/>
-          </p:cNvCxnSpPr>
-          <p:nvPr/>
-        </p:nvCxnSpPr>
-        <p:spPr>
-          <a:xfrm>
-            <a:off x="4601125" y="4319337"/>
-            <a:ext cx="456483" cy="0"/>
-          </a:xfrm>
-          <a:prstGeom prst="straightConnector1">
-            <a:avLst/>
-          </a:prstGeom>
-          <a:ln w="38100">
-            <a:tailEnd type="triangle"/>
-          </a:ln>
-        </p:spPr>
-        <p:style>
-          <a:lnRef idx="1">
-            <a:schemeClr val="dk1"/>
-          </a:lnRef>
-          <a:fillRef idx="0">
-            <a:schemeClr val="dk1"/>
-          </a:fillRef>
-          <a:effectRef idx="0">
-            <a:schemeClr val="dk1"/>
-          </a:effectRef>
-          <a:fontRef idx="minor">
-            <a:schemeClr val="tx1"/>
-          </a:fontRef>
-        </p:style>
-      </p:cxnSp>
-      <p:cxnSp>
-        <p:nvCxnSpPr>
-          <p:cNvPr id="26" name="Straight Arrow Connector 25">
-            <a:extLst>
-              <a:ext uri="{FF2B5EF4-FFF2-40B4-BE49-F238E27FC236}">
-                <a16:creationId xmlns:a16="http://schemas.microsoft.com/office/drawing/2014/main" id="{5944A87B-36BD-FD4D-A007-061130C2F6A8}"/>
-              </a:ext>
-            </a:extLst>
-          </p:cNvPr>
-          <p:cNvCxnSpPr>
-            <a:cxnSpLocks/>
-            <a:stCxn id="16" idx="3"/>
-            <a:endCxn id="17" idx="1"/>
-          </p:cNvCxnSpPr>
-          <p:nvPr/>
-        </p:nvCxnSpPr>
-        <p:spPr>
-          <a:xfrm>
-            <a:off x="6886408" y="4319337"/>
-            <a:ext cx="507807" cy="0"/>
-          </a:xfrm>
-          <a:prstGeom prst="straightConnector1">
-            <a:avLst/>
-          </a:prstGeom>
-          <a:ln w="38100">
-            <a:tailEnd type="triangle"/>
-          </a:ln>
-        </p:spPr>
-        <p:style>
-          <a:lnRef idx="1">
-            <a:schemeClr val="dk1"/>
-          </a:lnRef>
-          <a:fillRef idx="0">
-            <a:schemeClr val="dk1"/>
-          </a:fillRef>
-          <a:effectRef idx="0">
-            <a:schemeClr val="dk1"/>
-          </a:effectRef>
-          <a:fontRef idx="minor">
-            <a:schemeClr val="tx1"/>
-          </a:fontRef>
-        </p:style>
-      </p:cxnSp>
-      <p:sp>
-        <p:nvSpPr>
-          <p:cNvPr id="30" name="TextBox 29">
-            <a:extLst>
-              <a:ext uri="{FF2B5EF4-FFF2-40B4-BE49-F238E27FC236}">
-                <a16:creationId xmlns:a16="http://schemas.microsoft.com/office/drawing/2014/main" id="{CE565058-33DA-9B46-9BC6-998FFB82FC75}"/>
-              </a:ext>
-            </a:extLst>
-          </p:cNvPr>
-          <p:cNvSpPr txBox="1"/>
-          <p:nvPr/>
-        </p:nvSpPr>
-        <p:spPr>
-          <a:xfrm>
-            <a:off x="3722915" y="2688772"/>
-            <a:ext cx="4769254" cy="584775"/>
-          </a:xfrm>
-          <a:prstGeom prst="rect">
-            <a:avLst/>
-          </a:prstGeom>
-          <a:noFill/>
-        </p:spPr>
-        <p:txBody>
-          <a:bodyPr wrap="none" rtlCol="0">
-            <a:spAutoFit/>
-          </a:bodyPr>
-          <a:lstStyle/>
-          <a:p>
-            <a:r>
-              <a:rPr lang="en-US" sz="2400" dirty="0" err="1">
-                <a:latin typeface="Sniglet" pitchFamily="82" charset="0"/>
-              </a:rPr>
-              <a:t>gcc</a:t>
-            </a:r>
-            <a:r>
-              <a:rPr lang="en-US" sz="2400" dirty="0">
-                <a:latin typeface="Sniglet" pitchFamily="82" charset="0"/>
-              </a:rPr>
-              <a:t>: the </a:t>
-            </a:r>
-            <a:r>
-              <a:rPr lang="en-US" sz="3200" dirty="0">
-                <a:solidFill>
-                  <a:schemeClr val="accent6"/>
-                </a:solidFill>
-                <a:latin typeface="Sniglet" pitchFamily="82" charset="0"/>
-              </a:rPr>
-              <a:t>G</a:t>
-            </a:r>
-            <a:r>
-              <a:rPr lang="en-US" sz="2400" dirty="0">
-                <a:latin typeface="Sniglet" pitchFamily="82" charset="0"/>
-              </a:rPr>
-              <a:t>NU </a:t>
-            </a:r>
-            <a:r>
-              <a:rPr lang="en-US" sz="3200" dirty="0">
-                <a:solidFill>
-                  <a:schemeClr val="accent6"/>
-                </a:solidFill>
-                <a:latin typeface="Sniglet" pitchFamily="82" charset="0"/>
-              </a:rPr>
-              <a:t>C</a:t>
-            </a:r>
-            <a:r>
-              <a:rPr lang="en-US" sz="2400" dirty="0">
-                <a:latin typeface="Sniglet" pitchFamily="82" charset="0"/>
-              </a:rPr>
-              <a:t>ompiler </a:t>
-            </a:r>
-            <a:r>
-              <a:rPr lang="en-US" sz="3200" dirty="0">
-                <a:solidFill>
-                  <a:schemeClr val="accent6"/>
-                </a:solidFill>
-                <a:latin typeface="Sniglet" pitchFamily="82" charset="0"/>
-              </a:rPr>
-              <a:t>C</a:t>
-            </a:r>
-            <a:r>
-              <a:rPr lang="en-US" sz="2400" dirty="0">
-                <a:latin typeface="Sniglet" pitchFamily="82" charset="0"/>
-              </a:rPr>
-              <a:t>ollection</a:t>
-            </a:r>
-          </a:p>
-        </p:txBody>
-      </p:sp>
-      <p:sp>
-        <p:nvSpPr>
-          <p:cNvPr id="15" name="TextBox 14">
-            <a:extLst>
-              <a:ext uri="{FF2B5EF4-FFF2-40B4-BE49-F238E27FC236}">
-                <a16:creationId xmlns:a16="http://schemas.microsoft.com/office/drawing/2014/main" id="{4428092E-1D2F-1B43-B300-1DEEC07B455B}"/>
-              </a:ext>
-            </a:extLst>
-          </p:cNvPr>
-          <p:cNvSpPr txBox="1"/>
-          <p:nvPr/>
-        </p:nvSpPr>
-        <p:spPr>
-          <a:xfrm>
-            <a:off x="2601911" y="5340564"/>
-            <a:ext cx="6955750" cy="400110"/>
-          </a:xfrm>
-          <a:prstGeom prst="rect">
-            <a:avLst/>
-          </a:prstGeom>
-          <a:noFill/>
-        </p:spPr>
-        <p:txBody>
-          <a:bodyPr wrap="none" rtlCol="0">
-            <a:spAutoFit/>
-          </a:bodyPr>
-          <a:lstStyle/>
-          <a:p>
-            <a:r>
-              <a:rPr lang="en-US" sz="2000" dirty="0" err="1">
-                <a:latin typeface="Courier" pitchFamily="2" charset="0"/>
-              </a:rPr>
-              <a:t>gcc</a:t>
-            </a:r>
-            <a:r>
-              <a:rPr lang="en-US" sz="2000" dirty="0">
-                <a:latin typeface="Courier" pitchFamily="2" charset="0"/>
-              </a:rPr>
-              <a:t> </a:t>
-            </a:r>
-            <a:r>
-              <a:rPr lang="en-US" sz="2000" dirty="0" err="1">
-                <a:latin typeface="Courier" pitchFamily="2" charset="0"/>
-              </a:rPr>
-              <a:t>example.c</a:t>
-            </a:r>
-            <a:r>
-              <a:rPr lang="en-US" sz="2000" dirty="0">
-                <a:latin typeface="Courier" pitchFamily="2" charset="0"/>
-              </a:rPr>
-              <a:t> -o </a:t>
-            </a:r>
-            <a:r>
-              <a:rPr lang="en-US" sz="2000" dirty="0" err="1">
-                <a:latin typeface="Courier" pitchFamily="2" charset="0"/>
-              </a:rPr>
-              <a:t>example.out</a:t>
-            </a:r>
-            <a:r>
-              <a:rPr lang="en-US" sz="2000" dirty="0">
-                <a:latin typeface="Courier" pitchFamily="2" charset="0"/>
-              </a:rPr>
-              <a:t> </a:t>
-            </a:r>
-            <a:r>
-              <a:rPr lang="en-US" sz="2000" dirty="0">
-                <a:solidFill>
-                  <a:schemeClr val="accent6"/>
-                </a:solidFill>
-                <a:latin typeface="Courier" pitchFamily="2" charset="0"/>
-              </a:rPr>
-              <a:t>-save-temps -v </a:t>
-            </a:r>
-          </a:p>
-        </p:txBody>
-      </p:sp>
-    </p:spTree>
-    <p:extLst>
-      <p:ext uri="{BB962C8B-B14F-4D97-AF65-F5344CB8AC3E}">
-        <p14:creationId xmlns:p14="http://schemas.microsoft.com/office/powerpoint/2010/main" val="891346958"/>
-      </p:ext>
-    </p:extLst>
-  </p:cSld>
-  <p:clrMapOvr>
-    <a:masterClrMapping/>
-  </p:clrMapOvr>
-  <mc:AlternateContent xmlns:mc="http://schemas.openxmlformats.org/markup-compatibility/2006">
-    <mc:Choice xmlns:p14="http://schemas.microsoft.com/office/powerpoint/2010/main" Requires="p14">
-      <p:transition p14:dur="0"/>
-    </mc:Choice>
-    <mc:Fallback>
-      <p:transition/>
-    </mc:Fallback>
-  </mc:AlternateContent>
-  <p:timing>
-    <p:tnLst>
-      <p:par>
-        <p:cTn id="1" dur="indefinite" restart="never" nodeType="tmRoot">
-          <p:childTnLst>
-            <p:seq concurrent="1" nextAc="seek">
-              <p:cTn id="2" dur="indefinite" nodeType="mainSeq">
-                <p:childTnLst>
-                  <p:par>
-                    <p:cTn id="3" fill="hold">
-                      <p:stCondLst>
-                        <p:cond delay="indefinite"/>
-                        <p:cond evt="onBegin" delay="0">
-                          <p:tn val="2"/>
-                        </p:cond>
-                      </p:stCondLst>
-                      <p:childTnLst>
-                        <p:par>
-                          <p:cTn id="4" fill="hold">
-                            <p:stCondLst>
-                              <p:cond delay="0"/>
-                            </p:stCondLst>
-                            <p:childTnLst>
-                              <p:par>
-                                <p:cTn id="5" presetID="22" presetClass="entr" presetSubtype="8" fill="hold" grpId="0" nodeType="afterEffect">
-                                  <p:stCondLst>
-                                    <p:cond delay="0"/>
-                                  </p:stCondLst>
-                                  <p:childTnLst>
-                                    <p:set>
-                                      <p:cBhvr>
-                                        <p:cTn id="6" dur="1" fill="hold">
-                                          <p:stCondLst>
-                                            <p:cond delay="0"/>
-                                          </p:stCondLst>
-                                        </p:cTn>
-                                        <p:tgtEl>
-                                          <p:spTgt spid="14"/>
-                                        </p:tgtEl>
-                                        <p:attrNameLst>
-                                          <p:attrName>style.visibility</p:attrName>
-                                        </p:attrNameLst>
-                                      </p:cBhvr>
-                                      <p:to>
-                                        <p:strVal val="visible"/>
-                                      </p:to>
-                                    </p:set>
-                                    <p:animEffect transition="in" filter="wipe(left)">
-                                      <p:cBhvr>
-                                        <p:cTn id="7" dur="500"/>
-                                        <p:tgtEl>
-                                          <p:spTgt spid="14"/>
-                                        </p:tgtEl>
-                                      </p:cBhvr>
-                                    </p:animEffect>
-                                  </p:childTnLst>
-                                </p:cTn>
-                              </p:par>
-                            </p:childTnLst>
-                          </p:cTn>
-                        </p:par>
-                        <p:par>
-                          <p:cTn id="8" fill="hold">
-                            <p:stCondLst>
-                              <p:cond delay="500"/>
-                            </p:stCondLst>
-                            <p:childTnLst>
-                              <p:par>
-                                <p:cTn id="9" presetID="22" presetClass="entr" presetSubtype="8" fill="hold" nodeType="afterEffect">
-                                  <p:stCondLst>
-                                    <p:cond delay="0"/>
-                                  </p:stCondLst>
-                                  <p:childTnLst>
-                                    <p:set>
-                                      <p:cBhvr>
-                                        <p:cTn id="10" dur="1" fill="hold">
-                                          <p:stCondLst>
-                                            <p:cond delay="0"/>
-                                          </p:stCondLst>
-                                        </p:cTn>
-                                        <p:tgtEl>
-                                          <p:spTgt spid="23"/>
-                                        </p:tgtEl>
-                                        <p:attrNameLst>
-                                          <p:attrName>style.visibility</p:attrName>
-                                        </p:attrNameLst>
-                                      </p:cBhvr>
-                                      <p:to>
-                                        <p:strVal val="visible"/>
-                                      </p:to>
-                                    </p:set>
-                                    <p:animEffect transition="in" filter="wipe(left)">
-                                      <p:cBhvr>
-                                        <p:cTn id="11" dur="500"/>
-                                        <p:tgtEl>
-                                          <p:spTgt spid="23"/>
-                                        </p:tgtEl>
-                                      </p:cBhvr>
-                                    </p:animEffect>
-                                  </p:childTnLst>
-                                </p:cTn>
-                              </p:par>
-                            </p:childTnLst>
-                          </p:cTn>
-                        </p:par>
-                        <p:par>
-                          <p:cTn id="12" fill="hold">
-                            <p:stCondLst>
-                              <p:cond delay="1000"/>
-                            </p:stCondLst>
-                            <p:childTnLst>
-                              <p:par>
-                                <p:cTn id="13" presetID="22" presetClass="entr" presetSubtype="8" fill="hold" grpId="0" nodeType="afterEffect">
-                                  <p:stCondLst>
-                                    <p:cond delay="0"/>
-                                  </p:stCondLst>
-                                  <p:childTnLst>
-                                    <p:set>
-                                      <p:cBhvr>
-                                        <p:cTn id="14" dur="1" fill="hold">
-                                          <p:stCondLst>
-                                            <p:cond delay="0"/>
-                                          </p:stCondLst>
-                                        </p:cTn>
-                                        <p:tgtEl>
-                                          <p:spTgt spid="16"/>
-                                        </p:tgtEl>
-                                        <p:attrNameLst>
-                                          <p:attrName>style.visibility</p:attrName>
-                                        </p:attrNameLst>
-                                      </p:cBhvr>
-                                      <p:to>
-                                        <p:strVal val="visible"/>
-                                      </p:to>
-                                    </p:set>
-                                    <p:animEffect transition="in" filter="wipe(left)">
-                                      <p:cBhvr>
-                                        <p:cTn id="15" dur="500"/>
-                                        <p:tgtEl>
-                                          <p:spTgt spid="16"/>
-                                        </p:tgtEl>
-                                      </p:cBhvr>
-                                    </p:animEffect>
-                                  </p:childTnLst>
-                                </p:cTn>
-                              </p:par>
-                            </p:childTnLst>
-                          </p:cTn>
-                        </p:par>
-                        <p:par>
-                          <p:cTn id="16" fill="hold">
-                            <p:stCondLst>
-                              <p:cond delay="1500"/>
-                            </p:stCondLst>
-                            <p:childTnLst>
-                              <p:par>
-                                <p:cTn id="17" presetID="22" presetClass="entr" presetSubtype="8" fill="hold" nodeType="afterEffect">
-                                  <p:stCondLst>
-                                    <p:cond delay="0"/>
-                                  </p:stCondLst>
-                                  <p:childTnLst>
-                                    <p:set>
-                                      <p:cBhvr>
-                                        <p:cTn id="18" dur="1" fill="hold">
-                                          <p:stCondLst>
-                                            <p:cond delay="0"/>
-                                          </p:stCondLst>
-                                        </p:cTn>
-                                        <p:tgtEl>
-                                          <p:spTgt spid="26"/>
-                                        </p:tgtEl>
-                                        <p:attrNameLst>
-                                          <p:attrName>style.visibility</p:attrName>
-                                        </p:attrNameLst>
-                                      </p:cBhvr>
-                                      <p:to>
-                                        <p:strVal val="visible"/>
-                                      </p:to>
-                                    </p:set>
-                                    <p:animEffect transition="in" filter="wipe(left)">
-                                      <p:cBhvr>
-                                        <p:cTn id="19" dur="500"/>
-                                        <p:tgtEl>
-                                          <p:spTgt spid="26"/>
-                                        </p:tgtEl>
-                                      </p:cBhvr>
-                                    </p:animEffect>
-                                  </p:childTnLst>
-                                </p:cTn>
-                              </p:par>
-                            </p:childTnLst>
-                          </p:cTn>
-                        </p:par>
-                        <p:par>
-                          <p:cTn id="20" fill="hold">
-                            <p:stCondLst>
-                              <p:cond delay="2000"/>
-                            </p:stCondLst>
-                            <p:childTnLst>
-                              <p:par>
-                                <p:cTn id="21" presetID="22" presetClass="entr" presetSubtype="8" fill="hold" grpId="0" nodeType="afterEffect">
-                                  <p:stCondLst>
-                                    <p:cond delay="0"/>
-                                  </p:stCondLst>
-                                  <p:childTnLst>
-                                    <p:set>
-                                      <p:cBhvr>
-                                        <p:cTn id="22" dur="1" fill="hold">
-                                          <p:stCondLst>
-                                            <p:cond delay="0"/>
-                                          </p:stCondLst>
-                                        </p:cTn>
-                                        <p:tgtEl>
-                                          <p:spTgt spid="17"/>
-                                        </p:tgtEl>
-                                        <p:attrNameLst>
-                                          <p:attrName>style.visibility</p:attrName>
-                                        </p:attrNameLst>
-                                      </p:cBhvr>
-                                      <p:to>
-                                        <p:strVal val="visible"/>
-                                      </p:to>
-                                    </p:set>
-                                    <p:animEffect transition="in" filter="wipe(left)">
-                                      <p:cBhvr>
-                                        <p:cTn id="23" dur="500"/>
-                                        <p:tgtEl>
-                                          <p:spTgt spid="17"/>
-                                        </p:tgtEl>
-                                      </p:cBhvr>
-                                    </p:animEffect>
-                                  </p:childTnLst>
-                                </p:cTn>
-                              </p:par>
-                            </p:childTnLst>
-                          </p:cTn>
-                        </p:par>
-                      </p:childTnLst>
-                    </p:cTn>
-                  </p:par>
-                  <p:par>
-                    <p:cTn id="24" fill="hold">
-                      <p:stCondLst>
-                        <p:cond delay="indefinite"/>
-                      </p:stCondLst>
-                      <p:childTnLst>
-                        <p:par>
-                          <p:cTn id="25" fill="hold">
-                            <p:stCondLst>
-                              <p:cond delay="0"/>
-                            </p:stCondLst>
-                            <p:childTnLst>
-                              <p:par>
-                                <p:cTn id="26" presetID="1" presetClass="entr" presetSubtype="0" fill="hold" grpId="0" nodeType="clickEffect">
-                                  <p:stCondLst>
-                                    <p:cond delay="0"/>
-                                  </p:stCondLst>
-                                  <p:childTnLst>
-                                    <p:set>
-                                      <p:cBhvr>
-                                        <p:cTn id="27" dur="1" fill="hold">
-                                          <p:stCondLst>
-                                            <p:cond delay="0"/>
-                                          </p:stCondLst>
-                                        </p:cTn>
-                                        <p:tgtEl>
-                                          <p:spTgt spid="30"/>
-                                        </p:tgtEl>
-                                        <p:attrNameLst>
-                                          <p:attrName>style.visibility</p:attrName>
-                                        </p:attrNameLst>
-                                      </p:cBhvr>
-                                      <p:to>
-                                        <p:strVal val="visible"/>
-                                      </p:to>
-                                    </p:set>
-                                  </p:childTnLst>
-                                </p:cTn>
-                              </p:par>
-                            </p:childTnLst>
-                          </p:cTn>
-                        </p:par>
-                      </p:childTnLst>
-                    </p:cTn>
-                  </p:par>
-                  <p:par>
-                    <p:cTn id="28" fill="hold">
-                      <p:stCondLst>
-                        <p:cond delay="indefinite"/>
-                      </p:stCondLst>
-                      <p:childTnLst>
-                        <p:par>
-                          <p:cTn id="29" fill="hold">
-                            <p:stCondLst>
-                              <p:cond delay="0"/>
-                            </p:stCondLst>
-                            <p:childTnLst>
-                              <p:par>
-                                <p:cTn id="30" presetID="1" presetClass="entr" presetSubtype="0" fill="hold" grpId="0" nodeType="clickEffect">
-                                  <p:stCondLst>
-                                    <p:cond delay="0"/>
-                                  </p:stCondLst>
-                                  <p:childTnLst>
-                                    <p:set>
-                                      <p:cBhvr>
-                                        <p:cTn id="31" dur="1" fill="hold">
-                                          <p:stCondLst>
-                                            <p:cond delay="0"/>
-                                          </p:stCondLst>
-                                        </p:cTn>
-                                        <p:tgtEl>
-                                          <p:spTgt spid="15"/>
-                                        </p:tgtEl>
-                                        <p:attrNameLst>
-                                          <p:attrName>style.visibility</p:attrName>
-                                        </p:attrNameLst>
-                                      </p:cBhvr>
-                                      <p:to>
-                                        <p:strVal val="visible"/>
-                                      </p:to>
-                                    </p:set>
-                                  </p:childTnLst>
-                                </p:cTn>
-                              </p:par>
-                            </p:childTnLst>
-                          </p:cTn>
-                        </p:par>
-                      </p:childTnLst>
-                    </p:cTn>
-                  </p:par>
-                </p:childTnLst>
-              </p:cTn>
-              <p:prevCondLst>
-                <p:cond evt="onPrev" delay="0">
-                  <p:tgtEl>
-                    <p:sldTgt/>
-                  </p:tgtEl>
-                </p:cond>
-              </p:prevCondLst>
-              <p:nextCondLst>
-                <p:cond evt="onNext" delay="0">
-                  <p:tgtEl>
-                    <p:sldTgt/>
-                  </p:tgtEl>
-                </p:cond>
-              </p:nextCondLst>
-            </p:seq>
-          </p:childTnLst>
-        </p:cTn>
-      </p:par>
-    </p:tnLst>
-    <p:bldLst>
-      <p:bldP spid="14" grpId="0" animBg="1"/>
-      <p:bldP spid="16" grpId="0" animBg="1"/>
-      <p:bldP spid="17" grpId="0" animBg="1"/>
-      <p:bldP spid="30" grpId="0"/>
-      <p:bldP spid="15" grpId="0"/>
-    </p:bldLst>
-  </p:timing>
-</p:sld>
-</file>
-
-<file path=ppt/slides/slide9.xml><?xml version="1.0" encoding="utf-8"?>
-<p:sld xmlns:a="http://schemas.openxmlformats.org/drawingml/2006/main" xmlns:r="http://schemas.openxmlformats.org/officeDocument/2006/relationships" xmlns:p="http://schemas.openxmlformats.org/presentationml/2006/main">
-  <p:cSld>
-    <p:spTree>
-      <p:nvGrpSpPr>
-        <p:cNvPr id="1" name=""/>
-        <p:cNvGrpSpPr/>
-        <p:nvPr/>
-      </p:nvGrpSpPr>
-      <p:grpSpPr>
-        <a:xfrm>
-          <a:off x="0" y="0"/>
-          <a:ext cx="0" cy="0"/>
-          <a:chOff x="0" y="0"/>
-          <a:chExt cx="0" cy="0"/>
-        </a:xfrm>
-      </p:grpSpPr>
-      <p:sp>
-        <p:nvSpPr>
-          <p:cNvPr id="2" name="Title 1">
-            <a:extLst>
-              <a:ext uri="{FF2B5EF4-FFF2-40B4-BE49-F238E27FC236}">
-                <a16:creationId xmlns:a16="http://schemas.microsoft.com/office/drawing/2014/main" id="{89FECBCC-151D-E64D-841B-0904CDA7D91E}"/>
-              </a:ext>
-            </a:extLst>
-          </p:cNvPr>
-          <p:cNvSpPr>
-            <a:spLocks noGrp="1"/>
-          </p:cNvSpPr>
-          <p:nvPr>
-            <p:ph type="title"/>
-          </p:nvPr>
-        </p:nvSpPr>
-        <p:spPr/>
-        <p:txBody>
-          <a:bodyPr/>
-          <a:lstStyle/>
-          <a:p>
-            <a:r>
-              <a:rPr lang="en-US" dirty="0"/>
-              <a:t>Compiler</a:t>
-            </a:r>
-          </a:p>
-        </p:txBody>
-      </p:sp>
-      <p:sp>
-        <p:nvSpPr>
-          <p:cNvPr id="3" name="Text Placeholder 2">
-            <a:extLst>
-              <a:ext uri="{FF2B5EF4-FFF2-40B4-BE49-F238E27FC236}">
-                <a16:creationId xmlns:a16="http://schemas.microsoft.com/office/drawing/2014/main" id="{86097992-9977-E94E-AF65-8E2ED59D52FE}"/>
-              </a:ext>
-            </a:extLst>
-          </p:cNvPr>
-          <p:cNvSpPr>
-            <a:spLocks noGrp="1"/>
-          </p:cNvSpPr>
-          <p:nvPr>
-            <p:ph type="body" idx="1"/>
-          </p:nvPr>
-        </p:nvSpPr>
-        <p:spPr/>
-        <p:txBody>
-          <a:bodyPr/>
-          <a:lstStyle/>
-          <a:p>
-            <a:pPr marL="50799" indent="0">
-              <a:buNone/>
-            </a:pPr>
-            <a:r>
-              <a:rPr lang="en-US" dirty="0">
-                <a:solidFill>
-                  <a:schemeClr val="accent6"/>
-                </a:solidFill>
-                <a:latin typeface="Courier" pitchFamily="2" charset="0"/>
-              </a:rPr>
-              <a:t>cc1 </a:t>
-            </a:r>
-            <a:r>
-              <a:rPr lang="en-US" dirty="0" err="1">
-                <a:solidFill>
-                  <a:schemeClr val="accent6"/>
-                </a:solidFill>
-                <a:latin typeface="Courier" pitchFamily="2" charset="0"/>
-              </a:rPr>
-              <a:t>example.c</a:t>
-            </a:r>
-            <a:r>
-              <a:rPr lang="en-US" dirty="0">
-                <a:solidFill>
-                  <a:schemeClr val="accent6"/>
-                </a:solidFill>
-                <a:latin typeface="Courier" pitchFamily="2" charset="0"/>
-              </a:rPr>
-              <a:t> -o </a:t>
-            </a:r>
-            <a:r>
-              <a:rPr lang="en-US" dirty="0" err="1">
-                <a:solidFill>
-                  <a:schemeClr val="accent6"/>
-                </a:solidFill>
-                <a:latin typeface="Courier" pitchFamily="2" charset="0"/>
-              </a:rPr>
-              <a:t>example.s</a:t>
-            </a:r>
-            <a:endParaRPr lang="en-US" dirty="0">
-              <a:solidFill>
-                <a:schemeClr val="accent6"/>
-              </a:solidFill>
-            </a:endParaRPr>
-          </a:p>
-          <a:p>
-            <a:pPr marL="50799" indent="0">
-              <a:buNone/>
-            </a:pPr>
-            <a:r>
-              <a:rPr lang="en-US" dirty="0"/>
-              <a:t>Source code -&gt; assembly code</a:t>
-            </a:r>
-          </a:p>
-          <a:p>
-            <a:pPr marL="507999" indent="-457200">
-              <a:buAutoNum type="arabicPeriod"/>
-            </a:pPr>
-            <a:r>
-              <a:rPr lang="en-US" dirty="0"/>
-              <a:t>Preprocessing, including:</a:t>
-            </a:r>
-          </a:p>
-          <a:p>
-            <a:pPr marL="1117584" lvl="1" indent="-457200">
-              <a:buSzPct val="100000"/>
-              <a:buFont typeface="+mj-lt"/>
-              <a:buAutoNum type="alphaLcPeriod"/>
-            </a:pPr>
-            <a:r>
-              <a:rPr lang="en-US" sz="2000" dirty="0"/>
-              <a:t>Remove comments</a:t>
-            </a:r>
-          </a:p>
-          <a:p>
-            <a:pPr marL="1117584" lvl="1" indent="-457200">
-              <a:buSzPct val="100000"/>
-              <a:buFont typeface="+mj-lt"/>
-              <a:buAutoNum type="alphaLcPeriod"/>
-            </a:pPr>
-            <a:r>
-              <a:rPr lang="en-US" sz="2000" dirty="0"/>
-              <a:t>Substitute macros</a:t>
-            </a:r>
-          </a:p>
-          <a:p>
-            <a:pPr marL="1117584" lvl="1" indent="-457200">
-              <a:buSzPct val="100000"/>
-              <a:buFont typeface="+mj-lt"/>
-              <a:buAutoNum type="alphaLcPeriod"/>
-            </a:pPr>
-            <a:r>
-              <a:rPr lang="en-US" sz="2000" dirty="0"/>
-              <a:t>Resolve conditional </a:t>
-            </a:r>
-            <a:r>
-              <a:rPr lang="en-US" sz="2000" dirty="0" err="1"/>
-              <a:t>compilaiton</a:t>
-            </a:r>
-            <a:r>
-              <a:rPr lang="en-US" sz="2000" dirty="0"/>
-              <a:t> (e.g., </a:t>
-            </a:r>
-            <a:r>
-              <a:rPr lang="en-US" sz="2000" dirty="0">
-                <a:latin typeface="Courier" pitchFamily="2" charset="0"/>
-              </a:rPr>
-              <a:t>#ifdef</a:t>
-            </a:r>
-            <a:r>
-              <a:rPr lang="en-US" sz="2000" dirty="0"/>
-              <a:t>)</a:t>
-            </a:r>
-          </a:p>
-          <a:p>
-            <a:pPr marL="1117584" lvl="1" indent="-457200">
-              <a:buSzPct val="100000"/>
-              <a:buFont typeface="+mj-lt"/>
-              <a:buAutoNum type="alphaLcPeriod"/>
-            </a:pPr>
-            <a:r>
-              <a:rPr lang="en-US" sz="2000" dirty="0"/>
-              <a:t>Combine source codes into one file</a:t>
-            </a:r>
-          </a:p>
-          <a:p>
-            <a:pPr marL="50799" indent="0">
-              <a:buNone/>
-            </a:pPr>
-            <a:endParaRPr lang="en-US" dirty="0">
-              <a:latin typeface="Courier" pitchFamily="2" charset="0"/>
-            </a:endParaRPr>
-          </a:p>
-          <a:p>
-            <a:pPr marL="50799" indent="0">
-              <a:buNone/>
-            </a:pPr>
-            <a:r>
-              <a:rPr lang="en-US" dirty="0" err="1">
-                <a:solidFill>
-                  <a:schemeClr val="accent6"/>
-                </a:solidFill>
-                <a:latin typeface="Courier" pitchFamily="2" charset="0"/>
-              </a:rPr>
-              <a:t>example.c</a:t>
-            </a:r>
-            <a:r>
-              <a:rPr lang="en-US" dirty="0">
-                <a:solidFill>
-                  <a:schemeClr val="accent6"/>
-                </a:solidFill>
-                <a:latin typeface="Courier" pitchFamily="2" charset="0"/>
-              </a:rPr>
-              <a:t> -&gt; </a:t>
-            </a:r>
-            <a:r>
-              <a:rPr lang="en-US" dirty="0" err="1">
-                <a:solidFill>
-                  <a:schemeClr val="accent6"/>
-                </a:solidFill>
-                <a:latin typeface="Courier" pitchFamily="2" charset="0"/>
-              </a:rPr>
-              <a:t>example.i</a:t>
-            </a:r>
-            <a:endParaRPr lang="en-US" dirty="0">
-              <a:solidFill>
-                <a:schemeClr val="accent6"/>
-              </a:solidFill>
-            </a:endParaRPr>
-          </a:p>
-        </p:txBody>
-      </p:sp>
-      <p:sp>
-        <p:nvSpPr>
-          <p:cNvPr id="4" name="Slide Number Placeholder 3">
-            <a:extLst>
-              <a:ext uri="{FF2B5EF4-FFF2-40B4-BE49-F238E27FC236}">
-                <a16:creationId xmlns:a16="http://schemas.microsoft.com/office/drawing/2014/main" id="{396E3668-700B-A446-94D6-2F047BFA4375}"/>
-              </a:ext>
-            </a:extLst>
-          </p:cNvPr>
-          <p:cNvSpPr>
-            <a:spLocks noGrp="1"/>
-          </p:cNvSpPr>
-          <p:nvPr>
-            <p:ph type="sldNum" idx="12"/>
-          </p:nvPr>
-        </p:nvSpPr>
-        <p:spPr/>
-        <p:txBody>
-          <a:bodyPr/>
-          <a:lstStyle/>
-          <a:p>
-            <a:fld id="{B8AB1F1C-5B97-FA47-A21B-131B164DAC8F}" type="slidenum">
-              <a:rPr lang="en-US" smtClean="0"/>
-              <a:t>8</a:t>
-            </a:fld>
-            <a:endParaRPr lang="en-US"/>
-          </a:p>
-        </p:txBody>
-      </p:sp>
-    </p:spTree>
-    <p:extLst>
-      <p:ext uri="{BB962C8B-B14F-4D97-AF65-F5344CB8AC3E}">
-        <p14:creationId xmlns:p14="http://schemas.microsoft.com/office/powerpoint/2010/main" val="3030970316"/>
-      </p:ext>
-    </p:extLst>
-  </p:cSld>
-  <p:clrMapOvr>
-    <a:masterClrMapping/>
-  </p:clrMapOvr>
-  <mc:AlternateContent xmlns:mc="http://schemas.openxmlformats.org/markup-compatibility/2006">
-    <mc:Choice xmlns:p14="http://schemas.microsoft.com/office/powerpoint/2010/main" Requires="p14">
-      <p:transition p14:dur="0"/>
-    </mc:Choice>
-    <mc:Fallback>
-      <p:transition/>
-    </mc:Fallback>
-  </mc:AlternateContent>
-  <p:timing>
-    <p:tnLst>
-      <p:par>
-        <p:cTn id="1" dur="indefinite" restart="never" nodeType="tmRoot">
-          <p:childTnLst>
-            <p:seq concurrent="1" nextAc="seek">
-              <p:cTn id="2" dur="indefinite" nodeType="mainSeq">
-                <p:childTnLst>
-                  <p:par>
-                    <p:cTn id="3" fill="hold">
-                      <p:stCondLst>
-                        <p:cond delay="indefinite"/>
-                      </p:stCondLst>
-                      <p:childTnLst>
-                        <p:par>
-                          <p:cTn id="4" fill="hold">
-                            <p:stCondLst>
-                              <p:cond delay="0"/>
-                            </p:stCondLst>
-                            <p:childTnLst>
-                              <p:par>
-                                <p:cTn id="5" presetID="1" presetClass="entr" presetSubtype="0" fill="hold" nodeType="clickEffect">
-                                  <p:stCondLst>
-                                    <p:cond delay="0"/>
-                                  </p:stCondLst>
-                                  <p:childTnLst>
-                                    <p:set>
-                                      <p:cBhvr>
-                                        <p:cTn id="6" dur="1" fill="hold">
-                                          <p:stCondLst>
-                                            <p:cond delay="0"/>
-                                          </p:stCondLst>
-                                        </p:cTn>
-                                        <p:tgtEl>
-                                          <p:spTgt spid="3">
-                                            <p:txEl>
-                                              <p:pRg st="2" end="2"/>
-                                            </p:txEl>
-                                          </p:spTgt>
-                                        </p:tgtEl>
-                                        <p:attrNameLst>
-                                          <p:attrName>style.visibility</p:attrName>
-                                        </p:attrNameLst>
-                                      </p:cBhvr>
-                                      <p:to>
-                                        <p:strVal val="visible"/>
-                                      </p:to>
-                                    </p:set>
-                                  </p:childTnLst>
-                                </p:cTn>
-                              </p:par>
-                              <p:par>
-                                <p:cTn id="7" presetID="1" presetClass="entr" presetSubtype="0" fill="hold" nodeType="withEffect">
-                                  <p:stCondLst>
-                                    <p:cond delay="0"/>
-                                  </p:stCondLst>
-                                  <p:childTnLst>
-                                    <p:set>
-                                      <p:cBhvr>
-                                        <p:cTn id="8" dur="1" fill="hold">
-                                          <p:stCondLst>
-                                            <p:cond delay="0"/>
-                                          </p:stCondLst>
-                                        </p:cTn>
-                                        <p:tgtEl>
-                                          <p:spTgt spid="3">
-                                            <p:txEl>
-                                              <p:pRg st="3" end="3"/>
-                                            </p:txEl>
-                                          </p:spTgt>
-                                        </p:tgtEl>
-                                        <p:attrNameLst>
-                                          <p:attrName>style.visibility</p:attrName>
-                                        </p:attrNameLst>
-                                      </p:cBhvr>
-                                      <p:to>
-                                        <p:strVal val="visible"/>
-                                      </p:to>
-                                    </p:set>
-                                  </p:childTnLst>
-                                </p:cTn>
-                              </p:par>
-                              <p:par>
-                                <p:cTn id="9" presetID="1" presetClass="entr" presetSubtype="0" fill="hold" nodeType="withEffect">
-                                  <p:stCondLst>
-                                    <p:cond delay="0"/>
-                                  </p:stCondLst>
-                                  <p:childTnLst>
-                                    <p:set>
-                                      <p:cBhvr>
-                                        <p:cTn id="10" dur="1" fill="hold">
-                                          <p:stCondLst>
-                                            <p:cond delay="0"/>
-                                          </p:stCondLst>
-                                        </p:cTn>
-                                        <p:tgtEl>
-                                          <p:spTgt spid="3">
-                                            <p:txEl>
-                                              <p:pRg st="4" end="4"/>
-                                            </p:txEl>
-                                          </p:spTgt>
-                                        </p:tgtEl>
-                                        <p:attrNameLst>
-                                          <p:attrName>style.visibility</p:attrName>
-                                        </p:attrNameLst>
-                                      </p:cBhvr>
-                                      <p:to>
-                                        <p:strVal val="visible"/>
-                                      </p:to>
-                                    </p:set>
-                                  </p:childTnLst>
-                                </p:cTn>
-                              </p:par>
-                              <p:par>
-                                <p:cTn id="11" presetID="1" presetClass="entr" presetSubtype="0" fill="hold" nodeType="withEffect">
-                                  <p:stCondLst>
-                                    <p:cond delay="0"/>
-                                  </p:stCondLst>
-                                  <p:childTnLst>
-                                    <p:set>
-                                      <p:cBhvr>
-                                        <p:cTn id="12" dur="1" fill="hold">
-                                          <p:stCondLst>
-                                            <p:cond delay="0"/>
-                                          </p:stCondLst>
-                                        </p:cTn>
-                                        <p:tgtEl>
-                                          <p:spTgt spid="3">
-                                            <p:txEl>
-                                              <p:pRg st="5" end="5"/>
-                                            </p:txEl>
-                                          </p:spTgt>
-                                        </p:tgtEl>
-                                        <p:attrNameLst>
-                                          <p:attrName>style.visibility</p:attrName>
-                                        </p:attrNameLst>
-                                      </p:cBhvr>
-                                      <p:to>
-                                        <p:strVal val="visible"/>
-                                      </p:to>
-                                    </p:set>
-                                  </p:childTnLst>
-                                </p:cTn>
-                              </p:par>
-                              <p:par>
-                                <p:cTn id="13" presetID="1" presetClass="entr" presetSubtype="0" fill="hold" nodeType="withEffect">
-                                  <p:stCondLst>
-                                    <p:cond delay="0"/>
-                                  </p:stCondLst>
-                                  <p:childTnLst>
-                                    <p:set>
-                                      <p:cBhvr>
-                                        <p:cTn id="14" dur="1" fill="hold">
-                                          <p:stCondLst>
-                                            <p:cond delay="0"/>
-                                          </p:stCondLst>
-                                        </p:cTn>
-                                        <p:tgtEl>
-                                          <p:spTgt spid="3">
-                                            <p:txEl>
-                                              <p:pRg st="6" end="6"/>
-                                            </p:txEl>
-                                          </p:spTgt>
-                                        </p:tgtEl>
-                                        <p:attrNameLst>
-                                          <p:attrName>style.visibility</p:attrName>
-                                        </p:attrNameLst>
-                                      </p:cBhvr>
-                                      <p:to>
-                                        <p:strVal val="visible"/>
-                                      </p:to>
-                                    </p:set>
-                                  </p:childTnLst>
-                                </p:cTn>
-                              </p:par>
-                              <p:par>
-                                <p:cTn id="15" presetID="1" presetClass="entr" presetSubtype="0" fill="hold" nodeType="withEffect">
-                                  <p:stCondLst>
-                                    <p:cond delay="0"/>
-                                  </p:stCondLst>
-                                  <p:childTnLst>
-                                    <p:set>
-                                      <p:cBhvr>
-                                        <p:cTn id="16" dur="1" fill="hold">
-                                          <p:stCondLst>
-                                            <p:cond delay="0"/>
-                                          </p:stCondLst>
-                                        </p:cTn>
-                                        <p:tgtEl>
-                                          <p:spTgt spid="3">
-                                            <p:txEl>
-                                              <p:pRg st="8" end="8"/>
-                                            </p:txEl>
-                                          </p:spTgt>
-                                        </p:tgtEl>
-                                        <p:attrNameLst>
-                                          <p:attrName>style.visibility</p:attrName>
-                                        </p:attrNameLst>
-                                      </p:cBhvr>
-                                      <p:to>
-                                        <p:strVal val="visible"/>
-                                      </p:to>
-                                    </p:set>
-                                  </p:childTnLst>
-                                </p:cTn>
-                              </p:par>
-                            </p:childTnLst>
-                          </p:cTn>
-                        </p:par>
-                      </p:childTnLst>
-                    </p:cTn>
-                  </p:par>
-                </p:childTnLst>
-              </p:cTn>
-              <p:prevCondLst>
-                <p:cond evt="onPrev" delay="0">
-                  <p:tgtEl>
-                    <p:sldTgt/>
-                  </p:tgtEl>
-                </p:cond>
-              </p:prevCondLst>
-              <p:nextCondLst>
-                <p:cond evt="onNext" delay="0">
-                  <p:tgtEl>
-                    <p:sldTgt/>
-                  </p:tgtEl>
-                </p:cond>
-              </p:nextCondLst>
-            </p:seq>
-          </p:childTnLst>
-        </p:cTn>
-      </p:par>
-    </p:tnLst>
   </p:timing>
 </p:sld>
 </file>
